--- a/src/SE_ELAN/Stimuli/Instructions.pptx
+++ b/src/SE_ELAN/Stimuli/Instructions.pptx
@@ -38,6 +38,7 @@
     <p:sldId id="304" r:id="rId32"/>
     <p:sldId id="306" r:id="rId33"/>
     <p:sldId id="267" r:id="rId34"/>
+    <p:sldId id="316" r:id="rId35"/>
   </p:sldIdLst>
   <p:sldSz cx="12192000" cy="6858000"/>
   <p:notesSz cx="6858000" cy="9144000"/>
@@ -317,7 +318,7 @@
           <a:p>
             <a:fld id="{9D7F7A4F-C86B-4E97-8396-79EF10BBD040}" type="slidenum">
               <a:rPr lang="en-GB" smtClean="0"/>
-              <a:t>‹#›</a:t>
+              <a:t>‹N°›</a:t>
             </a:fld>
             <a:endParaRPr lang="en-GB" dirty="0"/>
           </a:p>
@@ -487,7 +488,7 @@
           <a:p>
             <a:fld id="{9D7F7A4F-C86B-4E97-8396-79EF10BBD040}" type="slidenum">
               <a:rPr lang="en-GB" smtClean="0"/>
-              <a:t>‹#›</a:t>
+              <a:t>‹N°›</a:t>
             </a:fld>
             <a:endParaRPr lang="en-GB" dirty="0"/>
           </a:p>
@@ -667,7 +668,7 @@
           <a:p>
             <a:fld id="{9D7F7A4F-C86B-4E97-8396-79EF10BBD040}" type="slidenum">
               <a:rPr lang="en-GB" smtClean="0"/>
-              <a:t>‹#›</a:t>
+              <a:t>‹N°›</a:t>
             </a:fld>
             <a:endParaRPr lang="en-GB" dirty="0"/>
           </a:p>
@@ -837,7 +838,7 @@
           <a:p>
             <a:fld id="{9D7F7A4F-C86B-4E97-8396-79EF10BBD040}" type="slidenum">
               <a:rPr lang="en-GB" smtClean="0"/>
-              <a:t>‹#›</a:t>
+              <a:t>‹N°›</a:t>
             </a:fld>
             <a:endParaRPr lang="en-GB" dirty="0"/>
           </a:p>
@@ -1083,7 +1084,7 @@
           <a:p>
             <a:fld id="{9D7F7A4F-C86B-4E97-8396-79EF10BBD040}" type="slidenum">
               <a:rPr lang="en-GB" smtClean="0"/>
-              <a:t>‹#›</a:t>
+              <a:t>‹N°›</a:t>
             </a:fld>
             <a:endParaRPr lang="en-GB" dirty="0"/>
           </a:p>
@@ -1315,7 +1316,7 @@
           <a:p>
             <a:fld id="{9D7F7A4F-C86B-4E97-8396-79EF10BBD040}" type="slidenum">
               <a:rPr lang="en-GB" smtClean="0"/>
-              <a:t>‹#›</a:t>
+              <a:t>‹N°›</a:t>
             </a:fld>
             <a:endParaRPr lang="en-GB" dirty="0"/>
           </a:p>
@@ -1682,7 +1683,7 @@
           <a:p>
             <a:fld id="{9D7F7A4F-C86B-4E97-8396-79EF10BBD040}" type="slidenum">
               <a:rPr lang="en-GB" smtClean="0"/>
-              <a:t>‹#›</a:t>
+              <a:t>‹N°›</a:t>
             </a:fld>
             <a:endParaRPr lang="en-GB" dirty="0"/>
           </a:p>
@@ -1800,7 +1801,7 @@
           <a:p>
             <a:fld id="{9D7F7A4F-C86B-4E97-8396-79EF10BBD040}" type="slidenum">
               <a:rPr lang="en-GB" smtClean="0"/>
-              <a:t>‹#›</a:t>
+              <a:t>‹N°›</a:t>
             </a:fld>
             <a:endParaRPr lang="en-GB" dirty="0"/>
           </a:p>
@@ -1895,7 +1896,7 @@
           <a:p>
             <a:fld id="{9D7F7A4F-C86B-4E97-8396-79EF10BBD040}" type="slidenum">
               <a:rPr lang="en-GB" smtClean="0"/>
-              <a:t>‹#›</a:t>
+              <a:t>‹N°›</a:t>
             </a:fld>
             <a:endParaRPr lang="en-GB" dirty="0"/>
           </a:p>
@@ -2172,7 +2173,7 @@
           <a:p>
             <a:fld id="{9D7F7A4F-C86B-4E97-8396-79EF10BBD040}" type="slidenum">
               <a:rPr lang="en-GB" smtClean="0"/>
-              <a:t>‹#›</a:t>
+              <a:t>‹N°›</a:t>
             </a:fld>
             <a:endParaRPr lang="en-GB" dirty="0"/>
           </a:p>
@@ -2425,7 +2426,7 @@
           <a:p>
             <a:fld id="{9D7F7A4F-C86B-4E97-8396-79EF10BBD040}" type="slidenum">
               <a:rPr lang="en-GB" smtClean="0"/>
-              <a:t>‹#›</a:t>
+              <a:t>‹N°›</a:t>
             </a:fld>
             <a:endParaRPr lang="en-GB" dirty="0"/>
           </a:p>
@@ -2674,7 +2675,7 @@
           <a:p>
             <a:fld id="{9D7F7A4F-C86B-4E97-8396-79EF10BBD040}" type="slidenum">
               <a:rPr lang="en-GB" smtClean="0"/>
-              <a:t>‹#›</a:t>
+              <a:t>‹N°›</a:t>
             </a:fld>
             <a:endParaRPr lang="en-GB" dirty="0"/>
           </a:p>
@@ -3411,7 +3412,7 @@
       </p:pic>
       <p:sp>
         <p:nvSpPr>
-          <p:cNvPr id="9" name="ZoneTexte 8"/>
+          <p:cNvPr id="6" name="ZoneTexte 5"/>
           <p:cNvSpPr txBox="1"/>
           <p:nvPr/>
         </p:nvSpPr>
@@ -3448,7 +3449,15 @@
                   <a:srgbClr val="0070C0"/>
                 </a:solidFill>
               </a:rPr>
-              <a:t>ETAPE 2 - JUGEMENT D’EFFICACITE</a:t>
+              <a:t>ETAPE 2 - IMAGINATION DE </a:t>
+            </a:r>
+            <a:r>
+              <a:rPr lang="fr-FR" sz="2400" b="1" dirty="0" smtClean="0">
+                <a:solidFill>
+                  <a:srgbClr val="0070C0"/>
+                </a:solidFill>
+              </a:rPr>
+              <a:t>L’EFFORT</a:t>
             </a:r>
             <a:endParaRPr lang="en-GB" sz="2400" b="1" dirty="0">
               <a:solidFill>
@@ -3664,7 +3673,7 @@
       </p:pic>
       <p:sp>
         <p:nvSpPr>
-          <p:cNvPr id="10" name="ZoneTexte 9"/>
+          <p:cNvPr id="8" name="ZoneTexte 7"/>
           <p:cNvSpPr txBox="1"/>
           <p:nvPr/>
         </p:nvSpPr>
@@ -3701,7 +3710,15 @@
                   <a:srgbClr val="0070C0"/>
                 </a:solidFill>
               </a:rPr>
-              <a:t>ETAPE 2 - JUGEMENT D’EFFICACITE</a:t>
+              <a:t>ETAPE 2 - IMAGINATION DE </a:t>
+            </a:r>
+            <a:r>
+              <a:rPr lang="fr-FR" sz="2400" b="1" dirty="0" smtClean="0">
+                <a:solidFill>
+                  <a:srgbClr val="0070C0"/>
+                </a:solidFill>
+              </a:rPr>
+              <a:t>L’EFFORT</a:t>
             </a:r>
             <a:endParaRPr lang="en-GB" sz="2400" b="1" dirty="0">
               <a:solidFill>
@@ -3893,7 +3910,7 @@
       </p:pic>
       <p:sp>
         <p:nvSpPr>
-          <p:cNvPr id="11" name="ZoneTexte 10"/>
+          <p:cNvPr id="8" name="ZoneTexte 7"/>
           <p:cNvSpPr txBox="1"/>
           <p:nvPr/>
         </p:nvSpPr>
@@ -3930,7 +3947,15 @@
                   <a:srgbClr val="0070C0"/>
                 </a:solidFill>
               </a:rPr>
-              <a:t>ETAPE 2 - JUGEMENT D’EFFICACITE</a:t>
+              <a:t>ETAPE 2 - IMAGINATION DE </a:t>
+            </a:r>
+            <a:r>
+              <a:rPr lang="fr-FR" sz="2400" b="1" dirty="0" smtClean="0">
+                <a:solidFill>
+                  <a:srgbClr val="0070C0"/>
+                </a:solidFill>
+              </a:rPr>
+              <a:t>L’EFFORT</a:t>
             </a:r>
             <a:endParaRPr lang="en-GB" sz="2400" b="1" dirty="0">
               <a:solidFill>
@@ -4127,7 +4152,7 @@
       </p:sp>
       <p:sp>
         <p:nvSpPr>
-          <p:cNvPr id="13" name="ZoneTexte 12"/>
+          <p:cNvPr id="8" name="ZoneTexte 7"/>
           <p:cNvSpPr txBox="1"/>
           <p:nvPr/>
         </p:nvSpPr>
@@ -4164,7 +4189,15 @@
                   <a:srgbClr val="0070C0"/>
                 </a:solidFill>
               </a:rPr>
-              <a:t>ETAPE 2 - JUGEMENT D’EFFICACITE</a:t>
+              <a:t>ETAPE 2 - IMAGINATION DE </a:t>
+            </a:r>
+            <a:r>
+              <a:rPr lang="fr-FR" sz="2400" b="1" dirty="0" smtClean="0">
+                <a:solidFill>
+                  <a:srgbClr val="0070C0"/>
+                </a:solidFill>
+              </a:rPr>
+              <a:t>L’EFFORT</a:t>
             </a:r>
             <a:endParaRPr lang="en-GB" sz="2400" b="1" dirty="0">
               <a:solidFill>
@@ -4212,7 +4245,7 @@
         </p:nvSpPr>
         <p:spPr>
           <a:xfrm>
-            <a:off x="3099106" y="379385"/>
+            <a:off x="3099106" y="350357"/>
             <a:ext cx="5993789" cy="461665"/>
           </a:xfrm>
           <a:prstGeom prst="rect">
@@ -4256,8 +4289,8 @@
         </p:nvSpPr>
         <p:spPr>
           <a:xfrm>
-            <a:off x="1874195" y="1478794"/>
-            <a:ext cx="8443609" cy="830997"/>
+            <a:off x="1874195" y="1283791"/>
+            <a:ext cx="8443609" cy="1354217"/>
           </a:xfrm>
           <a:prstGeom prst="rect">
             <a:avLst/>
@@ -4276,11 +4309,23 @@
               </a:spcAft>
             </a:pPr>
             <a:r>
-              <a:rPr lang="en-GB" sz="2400" dirty="0" err="1"/>
+              <a:rPr lang="fr-FR" sz="2400" dirty="0"/>
+              <a:t>Ensuite, vous devrez mémoriser les paires de chiffres.</a:t>
+            </a:r>
+            <a:endParaRPr lang="en-GB" sz="2400" dirty="0" smtClean="0"/>
+          </a:p>
+          <a:p>
+            <a:pPr algn="ctr">
+              <a:spcAft>
+                <a:spcPts val="1200"/>
+              </a:spcAft>
+            </a:pPr>
+            <a:r>
+              <a:rPr lang="en-GB" sz="2400" dirty="0" err="1" smtClean="0"/>
               <a:t>Chaque</a:t>
             </a:r>
             <a:r>
-              <a:rPr lang="en-GB" sz="2400" dirty="0"/>
+              <a:rPr lang="en-GB" sz="2400" dirty="0" smtClean="0"/>
               <a:t> </a:t>
             </a:r>
             <a:r>
@@ -4568,132 +4613,6 @@
       </p:pic>
       <p:sp>
         <p:nvSpPr>
-          <p:cNvPr id="13" name="ZoneTexte 12"/>
-          <p:cNvSpPr txBox="1"/>
-          <p:nvPr/>
-        </p:nvSpPr>
-        <p:spPr>
-          <a:xfrm>
-            <a:off x="1874195" y="1478794"/>
-            <a:ext cx="8443609" cy="830997"/>
-          </a:xfrm>
-          <a:prstGeom prst="rect">
-            <a:avLst/>
-          </a:prstGeom>
-          <a:noFill/>
-        </p:spPr>
-        <p:txBody>
-          <a:bodyPr wrap="square" rtlCol="0">
-            <a:spAutoFit/>
-          </a:bodyPr>
-          <a:lstStyle/>
-          <a:p>
-            <a:pPr algn="ctr">
-              <a:spcAft>
-                <a:spcPts val="1200"/>
-              </a:spcAft>
-            </a:pPr>
-            <a:r>
-              <a:rPr lang="en-GB" sz="2400" dirty="0" err="1"/>
-              <a:t>Chaque</a:t>
-            </a:r>
-            <a:r>
-              <a:rPr lang="en-GB" sz="2400" dirty="0"/>
-              <a:t> </a:t>
-            </a:r>
-            <a:r>
-              <a:rPr lang="en-GB" sz="2400" dirty="0" err="1"/>
-              <a:t>paire</a:t>
-            </a:r>
-            <a:r>
-              <a:rPr lang="en-GB" sz="2400" dirty="0"/>
-              <a:t> de </a:t>
-            </a:r>
-            <a:r>
-              <a:rPr lang="en-GB" sz="2400" dirty="0" err="1"/>
-              <a:t>chiffre</a:t>
-            </a:r>
-            <a:r>
-              <a:rPr lang="en-GB" sz="2400" dirty="0"/>
-              <a:t> de la grille </a:t>
-            </a:r>
-            <a:r>
-              <a:rPr lang="en-GB" sz="2400" dirty="0" err="1"/>
-              <a:t>vous</a:t>
-            </a:r>
-            <a:r>
-              <a:rPr lang="en-GB" sz="2400" dirty="0"/>
-              <a:t> sera </a:t>
-            </a:r>
-            <a:r>
-              <a:rPr lang="en-GB" sz="2400" dirty="0" err="1"/>
-              <a:t>dévoilée</a:t>
-            </a:r>
-            <a:r>
-              <a:rPr lang="en-GB" sz="2400" dirty="0"/>
-              <a:t>, </a:t>
-            </a:r>
-            <a:r>
-              <a:rPr lang="en-GB" sz="2400" dirty="0" err="1"/>
-              <a:t>dans</a:t>
-            </a:r>
-            <a:r>
-              <a:rPr lang="en-GB" sz="2400" dirty="0"/>
-              <a:t> </a:t>
-            </a:r>
-            <a:r>
-              <a:rPr lang="en-GB" sz="2400" dirty="0" err="1"/>
-              <a:t>l’ordre</a:t>
-            </a:r>
-            <a:r>
-              <a:rPr lang="en-GB" sz="2400" dirty="0"/>
-              <a:t> (de 1 </a:t>
-            </a:r>
-            <a:r>
-              <a:rPr lang="fr-FR" sz="2400" dirty="0"/>
-              <a:t>à</a:t>
-            </a:r>
-            <a:r>
-              <a:rPr lang="en-GB" sz="2400" dirty="0"/>
-              <a:t> 8), </a:t>
-            </a:r>
-            <a:r>
-              <a:rPr lang="en-GB" sz="2400" dirty="0" err="1"/>
-              <a:t>seconde</a:t>
-            </a:r>
-            <a:r>
-              <a:rPr lang="en-GB" sz="2400" dirty="0"/>
-              <a:t> par </a:t>
-            </a:r>
-            <a:r>
-              <a:rPr lang="en-GB" sz="2400" dirty="0" err="1"/>
-              <a:t>seconde</a:t>
-            </a:r>
-            <a:r>
-              <a:rPr lang="en-GB" sz="2400" dirty="0"/>
-              <a:t>. </a:t>
-            </a:r>
-            <a:r>
-              <a:rPr lang="en-GB" sz="2400" dirty="0" err="1"/>
-              <a:t>Voici</a:t>
-            </a:r>
-            <a:r>
-              <a:rPr lang="en-GB" sz="2400" dirty="0"/>
-              <a:t> un </a:t>
-            </a:r>
-            <a:r>
-              <a:rPr lang="en-GB" sz="2400" dirty="0" err="1"/>
-              <a:t>exemple</a:t>
-            </a:r>
-            <a:r>
-              <a:rPr lang="en-GB" sz="2400" dirty="0"/>
-              <a:t>:</a:t>
-            </a:r>
-          </a:p>
-        </p:txBody>
-      </p:sp>
-      <p:sp>
-        <p:nvSpPr>
           <p:cNvPr id="14" name="ZoneTexte 13"/>
           <p:cNvSpPr txBox="1"/>
           <p:nvPr/>
@@ -4732,6 +4651,144 @@
                 </a:solidFill>
               </a:rPr>
               <a:t>ETAPE 3 - PHASE DE MEMORISATION</a:t>
+            </a:r>
+          </a:p>
+        </p:txBody>
+      </p:sp>
+      <p:sp>
+        <p:nvSpPr>
+          <p:cNvPr id="6" name="ZoneTexte 5"/>
+          <p:cNvSpPr txBox="1"/>
+          <p:nvPr/>
+        </p:nvSpPr>
+        <p:spPr>
+          <a:xfrm>
+            <a:off x="1874195" y="1283791"/>
+            <a:ext cx="8443609" cy="1354217"/>
+          </a:xfrm>
+          <a:prstGeom prst="rect">
+            <a:avLst/>
+          </a:prstGeom>
+          <a:noFill/>
+        </p:spPr>
+        <p:txBody>
+          <a:bodyPr wrap="square" rtlCol="0">
+            <a:spAutoFit/>
+          </a:bodyPr>
+          <a:lstStyle/>
+          <a:p>
+            <a:pPr algn="ctr">
+              <a:spcAft>
+                <a:spcPts val="1200"/>
+              </a:spcAft>
+            </a:pPr>
+            <a:r>
+              <a:rPr lang="fr-FR" sz="2400" dirty="0"/>
+              <a:t>Ensuite, vous devrez mémoriser les paires de chiffres.</a:t>
+            </a:r>
+            <a:endParaRPr lang="en-GB" sz="2400" dirty="0" smtClean="0"/>
+          </a:p>
+          <a:p>
+            <a:pPr algn="ctr">
+              <a:spcAft>
+                <a:spcPts val="1200"/>
+              </a:spcAft>
+            </a:pPr>
+            <a:r>
+              <a:rPr lang="en-GB" sz="2400" dirty="0" err="1" smtClean="0"/>
+              <a:t>Chaque</a:t>
+            </a:r>
+            <a:r>
+              <a:rPr lang="en-GB" sz="2400" dirty="0" smtClean="0"/>
+              <a:t> </a:t>
+            </a:r>
+            <a:r>
+              <a:rPr lang="en-GB" sz="2400" dirty="0" err="1"/>
+              <a:t>paire</a:t>
+            </a:r>
+            <a:r>
+              <a:rPr lang="en-GB" sz="2400" dirty="0"/>
+              <a:t> de </a:t>
+            </a:r>
+            <a:r>
+              <a:rPr lang="en-GB" sz="2400" dirty="0" err="1"/>
+              <a:t>chiffre</a:t>
+            </a:r>
+            <a:r>
+              <a:rPr lang="en-GB" sz="2400" dirty="0"/>
+              <a:t> de la grille </a:t>
+            </a:r>
+            <a:r>
+              <a:rPr lang="en-GB" sz="2400" dirty="0" err="1"/>
+              <a:t>vous</a:t>
+            </a:r>
+            <a:r>
+              <a:rPr lang="en-GB" sz="2400" dirty="0"/>
+              <a:t> sera </a:t>
+            </a:r>
+            <a:r>
+              <a:rPr lang="en-GB" sz="2400" dirty="0" err="1"/>
+              <a:t>dévoilée</a:t>
+            </a:r>
+            <a:r>
+              <a:rPr lang="en-GB" sz="2400" dirty="0"/>
+              <a:t>, </a:t>
+            </a:r>
+            <a:r>
+              <a:rPr lang="en-GB" sz="2400" dirty="0" err="1"/>
+              <a:t>dans</a:t>
+            </a:r>
+            <a:r>
+              <a:rPr lang="en-GB" sz="2400" dirty="0"/>
+              <a:t> </a:t>
+            </a:r>
+            <a:r>
+              <a:rPr lang="en-GB" sz="2400" dirty="0" err="1"/>
+              <a:t>l’ordre</a:t>
+            </a:r>
+            <a:r>
+              <a:rPr lang="en-GB" sz="2400" dirty="0"/>
+              <a:t> (de 1 </a:t>
+            </a:r>
+            <a:r>
+              <a:rPr lang="fr-FR" sz="2400" dirty="0"/>
+              <a:t>à</a:t>
+            </a:r>
+            <a:r>
+              <a:rPr lang="en-GB" sz="2400" dirty="0"/>
+              <a:t> 8), </a:t>
+            </a:r>
+            <a:r>
+              <a:rPr lang="en-GB" sz="2400" dirty="0" err="1"/>
+              <a:t>seconde</a:t>
+            </a:r>
+            <a:r>
+              <a:rPr lang="en-GB" sz="2400" dirty="0"/>
+              <a:t> par </a:t>
+            </a:r>
+            <a:r>
+              <a:rPr lang="en-GB" sz="2400" dirty="0" err="1"/>
+              <a:t>seconde</a:t>
+            </a:r>
+            <a:r>
+              <a:rPr lang="en-GB" sz="2400" dirty="0"/>
+              <a:t>. </a:t>
+            </a:r>
+            <a:r>
+              <a:rPr lang="en-GB" sz="2400" dirty="0" err="1"/>
+              <a:t>Voici</a:t>
+            </a:r>
+            <a:r>
+              <a:rPr lang="en-GB" sz="2400" dirty="0"/>
+              <a:t> un </a:t>
+            </a:r>
+            <a:r>
+              <a:rPr lang="en-GB" sz="2400" dirty="0" err="1"/>
+              <a:t>exemple</a:t>
+            </a:r>
+            <a:r>
+              <a:rPr lang="en-GB" sz="2400" dirty="0"/>
+              <a:t>:</a:t>
             </a:r>
           </a:p>
         </p:txBody>
@@ -4849,132 +4906,6 @@
       </p:pic>
       <p:sp>
         <p:nvSpPr>
-          <p:cNvPr id="11" name="ZoneTexte 10"/>
-          <p:cNvSpPr txBox="1"/>
-          <p:nvPr/>
-        </p:nvSpPr>
-        <p:spPr>
-          <a:xfrm>
-            <a:off x="1874195" y="1478794"/>
-            <a:ext cx="8443609" cy="830997"/>
-          </a:xfrm>
-          <a:prstGeom prst="rect">
-            <a:avLst/>
-          </a:prstGeom>
-          <a:noFill/>
-        </p:spPr>
-        <p:txBody>
-          <a:bodyPr wrap="square" rtlCol="0">
-            <a:spAutoFit/>
-          </a:bodyPr>
-          <a:lstStyle/>
-          <a:p>
-            <a:pPr algn="ctr">
-              <a:spcAft>
-                <a:spcPts val="1200"/>
-              </a:spcAft>
-            </a:pPr>
-            <a:r>
-              <a:rPr lang="en-GB" sz="2400" dirty="0" err="1"/>
-              <a:t>Chaque</a:t>
-            </a:r>
-            <a:r>
-              <a:rPr lang="en-GB" sz="2400" dirty="0"/>
-              <a:t> </a:t>
-            </a:r>
-            <a:r>
-              <a:rPr lang="en-GB" sz="2400" dirty="0" err="1"/>
-              <a:t>paire</a:t>
-            </a:r>
-            <a:r>
-              <a:rPr lang="en-GB" sz="2400" dirty="0"/>
-              <a:t> de </a:t>
-            </a:r>
-            <a:r>
-              <a:rPr lang="en-GB" sz="2400" dirty="0" err="1"/>
-              <a:t>chiffre</a:t>
-            </a:r>
-            <a:r>
-              <a:rPr lang="en-GB" sz="2400" dirty="0"/>
-              <a:t> de la grille </a:t>
-            </a:r>
-            <a:r>
-              <a:rPr lang="en-GB" sz="2400" dirty="0" err="1"/>
-              <a:t>vous</a:t>
-            </a:r>
-            <a:r>
-              <a:rPr lang="en-GB" sz="2400" dirty="0"/>
-              <a:t> sera </a:t>
-            </a:r>
-            <a:r>
-              <a:rPr lang="en-GB" sz="2400" dirty="0" err="1"/>
-              <a:t>dévoilée</a:t>
-            </a:r>
-            <a:r>
-              <a:rPr lang="en-GB" sz="2400" dirty="0"/>
-              <a:t>, </a:t>
-            </a:r>
-            <a:r>
-              <a:rPr lang="en-GB" sz="2400" dirty="0" err="1"/>
-              <a:t>dans</a:t>
-            </a:r>
-            <a:r>
-              <a:rPr lang="en-GB" sz="2400" dirty="0"/>
-              <a:t> </a:t>
-            </a:r>
-            <a:r>
-              <a:rPr lang="en-GB" sz="2400" dirty="0" err="1"/>
-              <a:t>l’ordre</a:t>
-            </a:r>
-            <a:r>
-              <a:rPr lang="en-GB" sz="2400" dirty="0"/>
-              <a:t> (de 1 </a:t>
-            </a:r>
-            <a:r>
-              <a:rPr lang="fr-FR" sz="2400" dirty="0"/>
-              <a:t>à</a:t>
-            </a:r>
-            <a:r>
-              <a:rPr lang="en-GB" sz="2400" dirty="0"/>
-              <a:t> 8), </a:t>
-            </a:r>
-            <a:r>
-              <a:rPr lang="en-GB" sz="2400" dirty="0" err="1"/>
-              <a:t>seconde</a:t>
-            </a:r>
-            <a:r>
-              <a:rPr lang="en-GB" sz="2400" dirty="0"/>
-              <a:t> par </a:t>
-            </a:r>
-            <a:r>
-              <a:rPr lang="en-GB" sz="2400" dirty="0" err="1"/>
-              <a:t>seconde</a:t>
-            </a:r>
-            <a:r>
-              <a:rPr lang="en-GB" sz="2400" dirty="0"/>
-              <a:t>. </a:t>
-            </a:r>
-            <a:r>
-              <a:rPr lang="en-GB" sz="2400" dirty="0" err="1"/>
-              <a:t>Voici</a:t>
-            </a:r>
-            <a:r>
-              <a:rPr lang="en-GB" sz="2400" dirty="0"/>
-              <a:t> un </a:t>
-            </a:r>
-            <a:r>
-              <a:rPr lang="en-GB" sz="2400" dirty="0" err="1"/>
-              <a:t>exemple</a:t>
-            </a:r>
-            <a:r>
-              <a:rPr lang="en-GB" sz="2400" dirty="0"/>
-              <a:t>:</a:t>
-            </a:r>
-          </a:p>
-        </p:txBody>
-      </p:sp>
-      <p:sp>
-        <p:nvSpPr>
           <p:cNvPr id="12" name="ZoneTexte 11"/>
           <p:cNvSpPr txBox="1"/>
           <p:nvPr/>
@@ -5013,6 +4944,144 @@
                 </a:solidFill>
               </a:rPr>
               <a:t>ETAPE 3 - PHASE DE MEMORISATION</a:t>
+            </a:r>
+          </a:p>
+        </p:txBody>
+      </p:sp>
+      <p:sp>
+        <p:nvSpPr>
+          <p:cNvPr id="7" name="ZoneTexte 6"/>
+          <p:cNvSpPr txBox="1"/>
+          <p:nvPr/>
+        </p:nvSpPr>
+        <p:spPr>
+          <a:xfrm>
+            <a:off x="1874195" y="1283791"/>
+            <a:ext cx="8443609" cy="1354217"/>
+          </a:xfrm>
+          <a:prstGeom prst="rect">
+            <a:avLst/>
+          </a:prstGeom>
+          <a:noFill/>
+        </p:spPr>
+        <p:txBody>
+          <a:bodyPr wrap="square" rtlCol="0">
+            <a:spAutoFit/>
+          </a:bodyPr>
+          <a:lstStyle/>
+          <a:p>
+            <a:pPr algn="ctr">
+              <a:spcAft>
+                <a:spcPts val="1200"/>
+              </a:spcAft>
+            </a:pPr>
+            <a:r>
+              <a:rPr lang="fr-FR" sz="2400" dirty="0"/>
+              <a:t>Ensuite, vous devrez mémoriser les paires de chiffres.</a:t>
+            </a:r>
+            <a:endParaRPr lang="en-GB" sz="2400" dirty="0" smtClean="0"/>
+          </a:p>
+          <a:p>
+            <a:pPr algn="ctr">
+              <a:spcAft>
+                <a:spcPts val="1200"/>
+              </a:spcAft>
+            </a:pPr>
+            <a:r>
+              <a:rPr lang="en-GB" sz="2400" dirty="0" err="1" smtClean="0"/>
+              <a:t>Chaque</a:t>
+            </a:r>
+            <a:r>
+              <a:rPr lang="en-GB" sz="2400" dirty="0" smtClean="0"/>
+              <a:t> </a:t>
+            </a:r>
+            <a:r>
+              <a:rPr lang="en-GB" sz="2400" dirty="0" err="1"/>
+              <a:t>paire</a:t>
+            </a:r>
+            <a:r>
+              <a:rPr lang="en-GB" sz="2400" dirty="0"/>
+              <a:t> de </a:t>
+            </a:r>
+            <a:r>
+              <a:rPr lang="en-GB" sz="2400" dirty="0" err="1"/>
+              <a:t>chiffre</a:t>
+            </a:r>
+            <a:r>
+              <a:rPr lang="en-GB" sz="2400" dirty="0"/>
+              <a:t> de la grille </a:t>
+            </a:r>
+            <a:r>
+              <a:rPr lang="en-GB" sz="2400" dirty="0" err="1"/>
+              <a:t>vous</a:t>
+            </a:r>
+            <a:r>
+              <a:rPr lang="en-GB" sz="2400" dirty="0"/>
+              <a:t> sera </a:t>
+            </a:r>
+            <a:r>
+              <a:rPr lang="en-GB" sz="2400" dirty="0" err="1"/>
+              <a:t>dévoilée</a:t>
+            </a:r>
+            <a:r>
+              <a:rPr lang="en-GB" sz="2400" dirty="0"/>
+              <a:t>, </a:t>
+            </a:r>
+            <a:r>
+              <a:rPr lang="en-GB" sz="2400" dirty="0" err="1"/>
+              <a:t>dans</a:t>
+            </a:r>
+            <a:r>
+              <a:rPr lang="en-GB" sz="2400" dirty="0"/>
+              <a:t> </a:t>
+            </a:r>
+            <a:r>
+              <a:rPr lang="en-GB" sz="2400" dirty="0" err="1"/>
+              <a:t>l’ordre</a:t>
+            </a:r>
+            <a:r>
+              <a:rPr lang="en-GB" sz="2400" dirty="0"/>
+              <a:t> (de 1 </a:t>
+            </a:r>
+            <a:r>
+              <a:rPr lang="fr-FR" sz="2400" dirty="0"/>
+              <a:t>à</a:t>
+            </a:r>
+            <a:r>
+              <a:rPr lang="en-GB" sz="2400" dirty="0"/>
+              <a:t> 8), </a:t>
+            </a:r>
+            <a:r>
+              <a:rPr lang="en-GB" sz="2400" dirty="0" err="1"/>
+              <a:t>seconde</a:t>
+            </a:r>
+            <a:r>
+              <a:rPr lang="en-GB" sz="2400" dirty="0"/>
+              <a:t> par </a:t>
+            </a:r>
+            <a:r>
+              <a:rPr lang="en-GB" sz="2400" dirty="0" err="1"/>
+              <a:t>seconde</a:t>
+            </a:r>
+            <a:r>
+              <a:rPr lang="en-GB" sz="2400" dirty="0"/>
+              <a:t>. </a:t>
+            </a:r>
+            <a:r>
+              <a:rPr lang="en-GB" sz="2400" dirty="0" err="1"/>
+              <a:t>Voici</a:t>
+            </a:r>
+            <a:r>
+              <a:rPr lang="en-GB" sz="2400" dirty="0"/>
+              <a:t> un </a:t>
+            </a:r>
+            <a:r>
+              <a:rPr lang="en-GB" sz="2400" dirty="0" err="1"/>
+              <a:t>exemple</a:t>
+            </a:r>
+            <a:r>
+              <a:rPr lang="en-GB" sz="2400" dirty="0"/>
+              <a:t>:</a:t>
             </a:r>
           </a:p>
         </p:txBody>
@@ -5130,132 +5199,6 @@
       </p:pic>
       <p:sp>
         <p:nvSpPr>
-          <p:cNvPr id="12" name="ZoneTexte 11"/>
-          <p:cNvSpPr txBox="1"/>
-          <p:nvPr/>
-        </p:nvSpPr>
-        <p:spPr>
-          <a:xfrm>
-            <a:off x="1874195" y="1478794"/>
-            <a:ext cx="8443609" cy="830997"/>
-          </a:xfrm>
-          <a:prstGeom prst="rect">
-            <a:avLst/>
-          </a:prstGeom>
-          <a:noFill/>
-        </p:spPr>
-        <p:txBody>
-          <a:bodyPr wrap="square" rtlCol="0">
-            <a:spAutoFit/>
-          </a:bodyPr>
-          <a:lstStyle/>
-          <a:p>
-            <a:pPr algn="ctr">
-              <a:spcAft>
-                <a:spcPts val="1200"/>
-              </a:spcAft>
-            </a:pPr>
-            <a:r>
-              <a:rPr lang="en-GB" sz="2400" dirty="0" err="1"/>
-              <a:t>Chaque</a:t>
-            </a:r>
-            <a:r>
-              <a:rPr lang="en-GB" sz="2400" dirty="0"/>
-              <a:t> </a:t>
-            </a:r>
-            <a:r>
-              <a:rPr lang="en-GB" sz="2400" dirty="0" err="1"/>
-              <a:t>paire</a:t>
-            </a:r>
-            <a:r>
-              <a:rPr lang="en-GB" sz="2400" dirty="0"/>
-              <a:t> de </a:t>
-            </a:r>
-            <a:r>
-              <a:rPr lang="en-GB" sz="2400" dirty="0" err="1"/>
-              <a:t>chiffre</a:t>
-            </a:r>
-            <a:r>
-              <a:rPr lang="en-GB" sz="2400" dirty="0"/>
-              <a:t> de la grille </a:t>
-            </a:r>
-            <a:r>
-              <a:rPr lang="en-GB" sz="2400" dirty="0" err="1"/>
-              <a:t>vous</a:t>
-            </a:r>
-            <a:r>
-              <a:rPr lang="en-GB" sz="2400" dirty="0"/>
-              <a:t> sera </a:t>
-            </a:r>
-            <a:r>
-              <a:rPr lang="en-GB" sz="2400" dirty="0" err="1"/>
-              <a:t>dévoilée</a:t>
-            </a:r>
-            <a:r>
-              <a:rPr lang="en-GB" sz="2400" dirty="0"/>
-              <a:t>, </a:t>
-            </a:r>
-            <a:r>
-              <a:rPr lang="en-GB" sz="2400" dirty="0" err="1"/>
-              <a:t>dans</a:t>
-            </a:r>
-            <a:r>
-              <a:rPr lang="en-GB" sz="2400" dirty="0"/>
-              <a:t> </a:t>
-            </a:r>
-            <a:r>
-              <a:rPr lang="en-GB" sz="2400" dirty="0" err="1"/>
-              <a:t>l’ordre</a:t>
-            </a:r>
-            <a:r>
-              <a:rPr lang="en-GB" sz="2400" dirty="0"/>
-              <a:t> (de 1 </a:t>
-            </a:r>
-            <a:r>
-              <a:rPr lang="fr-FR" sz="2400" dirty="0"/>
-              <a:t>à</a:t>
-            </a:r>
-            <a:r>
-              <a:rPr lang="en-GB" sz="2400" dirty="0"/>
-              <a:t> 8), </a:t>
-            </a:r>
-            <a:r>
-              <a:rPr lang="en-GB" sz="2400" dirty="0" err="1"/>
-              <a:t>seconde</a:t>
-            </a:r>
-            <a:r>
-              <a:rPr lang="en-GB" sz="2400" dirty="0"/>
-              <a:t> par </a:t>
-            </a:r>
-            <a:r>
-              <a:rPr lang="en-GB" sz="2400" dirty="0" err="1"/>
-              <a:t>seconde</a:t>
-            </a:r>
-            <a:r>
-              <a:rPr lang="en-GB" sz="2400" dirty="0"/>
-              <a:t>. </a:t>
-            </a:r>
-            <a:r>
-              <a:rPr lang="en-GB" sz="2400" dirty="0" err="1"/>
-              <a:t>Voici</a:t>
-            </a:r>
-            <a:r>
-              <a:rPr lang="en-GB" sz="2400" dirty="0"/>
-              <a:t> un </a:t>
-            </a:r>
-            <a:r>
-              <a:rPr lang="en-GB" sz="2400" dirty="0" err="1"/>
-              <a:t>exemple</a:t>
-            </a:r>
-            <a:r>
-              <a:rPr lang="en-GB" sz="2400" dirty="0"/>
-              <a:t>:</a:t>
-            </a:r>
-          </a:p>
-        </p:txBody>
-      </p:sp>
-      <p:sp>
-        <p:nvSpPr>
           <p:cNvPr id="13" name="ZoneTexte 12"/>
           <p:cNvSpPr txBox="1"/>
           <p:nvPr/>
@@ -5294,6 +5237,144 @@
                 </a:solidFill>
               </a:rPr>
               <a:t>ETAPE 3 - PHASE DE MEMORISATION</a:t>
+            </a:r>
+          </a:p>
+        </p:txBody>
+      </p:sp>
+      <p:sp>
+        <p:nvSpPr>
+          <p:cNvPr id="6" name="ZoneTexte 5"/>
+          <p:cNvSpPr txBox="1"/>
+          <p:nvPr/>
+        </p:nvSpPr>
+        <p:spPr>
+          <a:xfrm>
+            <a:off x="1874195" y="1283791"/>
+            <a:ext cx="8443609" cy="1354217"/>
+          </a:xfrm>
+          <a:prstGeom prst="rect">
+            <a:avLst/>
+          </a:prstGeom>
+          <a:noFill/>
+        </p:spPr>
+        <p:txBody>
+          <a:bodyPr wrap="square" rtlCol="0">
+            <a:spAutoFit/>
+          </a:bodyPr>
+          <a:lstStyle/>
+          <a:p>
+            <a:pPr algn="ctr">
+              <a:spcAft>
+                <a:spcPts val="1200"/>
+              </a:spcAft>
+            </a:pPr>
+            <a:r>
+              <a:rPr lang="fr-FR" sz="2400" dirty="0"/>
+              <a:t>Ensuite, vous devrez mémoriser les paires de chiffres.</a:t>
+            </a:r>
+            <a:endParaRPr lang="en-GB" sz="2400" dirty="0" smtClean="0"/>
+          </a:p>
+          <a:p>
+            <a:pPr algn="ctr">
+              <a:spcAft>
+                <a:spcPts val="1200"/>
+              </a:spcAft>
+            </a:pPr>
+            <a:r>
+              <a:rPr lang="en-GB" sz="2400" dirty="0" err="1" smtClean="0"/>
+              <a:t>Chaque</a:t>
+            </a:r>
+            <a:r>
+              <a:rPr lang="en-GB" sz="2400" dirty="0" smtClean="0"/>
+              <a:t> </a:t>
+            </a:r>
+            <a:r>
+              <a:rPr lang="en-GB" sz="2400" dirty="0" err="1"/>
+              <a:t>paire</a:t>
+            </a:r>
+            <a:r>
+              <a:rPr lang="en-GB" sz="2400" dirty="0"/>
+              <a:t> de </a:t>
+            </a:r>
+            <a:r>
+              <a:rPr lang="en-GB" sz="2400" dirty="0" err="1"/>
+              <a:t>chiffre</a:t>
+            </a:r>
+            <a:r>
+              <a:rPr lang="en-GB" sz="2400" dirty="0"/>
+              <a:t> de la grille </a:t>
+            </a:r>
+            <a:r>
+              <a:rPr lang="en-GB" sz="2400" dirty="0" err="1"/>
+              <a:t>vous</a:t>
+            </a:r>
+            <a:r>
+              <a:rPr lang="en-GB" sz="2400" dirty="0"/>
+              <a:t> sera </a:t>
+            </a:r>
+            <a:r>
+              <a:rPr lang="en-GB" sz="2400" dirty="0" err="1"/>
+              <a:t>dévoilée</a:t>
+            </a:r>
+            <a:r>
+              <a:rPr lang="en-GB" sz="2400" dirty="0"/>
+              <a:t>, </a:t>
+            </a:r>
+            <a:r>
+              <a:rPr lang="en-GB" sz="2400" dirty="0" err="1"/>
+              <a:t>dans</a:t>
+            </a:r>
+            <a:r>
+              <a:rPr lang="en-GB" sz="2400" dirty="0"/>
+              <a:t> </a:t>
+            </a:r>
+            <a:r>
+              <a:rPr lang="en-GB" sz="2400" dirty="0" err="1"/>
+              <a:t>l’ordre</a:t>
+            </a:r>
+            <a:r>
+              <a:rPr lang="en-GB" sz="2400" dirty="0"/>
+              <a:t> (de 1 </a:t>
+            </a:r>
+            <a:r>
+              <a:rPr lang="fr-FR" sz="2400" dirty="0"/>
+              <a:t>à</a:t>
+            </a:r>
+            <a:r>
+              <a:rPr lang="en-GB" sz="2400" dirty="0"/>
+              <a:t> 8), </a:t>
+            </a:r>
+            <a:r>
+              <a:rPr lang="en-GB" sz="2400" dirty="0" err="1"/>
+              <a:t>seconde</a:t>
+            </a:r>
+            <a:r>
+              <a:rPr lang="en-GB" sz="2400" dirty="0"/>
+              <a:t> par </a:t>
+            </a:r>
+            <a:r>
+              <a:rPr lang="en-GB" sz="2400" dirty="0" err="1"/>
+              <a:t>seconde</a:t>
+            </a:r>
+            <a:r>
+              <a:rPr lang="en-GB" sz="2400" dirty="0"/>
+              <a:t>. </a:t>
+            </a:r>
+            <a:r>
+              <a:rPr lang="en-GB" sz="2400" dirty="0" err="1"/>
+              <a:t>Voici</a:t>
+            </a:r>
+            <a:r>
+              <a:rPr lang="en-GB" sz="2400" dirty="0"/>
+              <a:t> un </a:t>
+            </a:r>
+            <a:r>
+              <a:rPr lang="en-GB" sz="2400" dirty="0" err="1"/>
+              <a:t>exemple</a:t>
+            </a:r>
+            <a:r>
+              <a:rPr lang="en-GB" sz="2400" dirty="0"/>
+              <a:t>:</a:t>
             </a:r>
           </a:p>
         </p:txBody>
@@ -5411,132 +5492,6 @@
       </p:pic>
       <p:sp>
         <p:nvSpPr>
-          <p:cNvPr id="12" name="ZoneTexte 11"/>
-          <p:cNvSpPr txBox="1"/>
-          <p:nvPr/>
-        </p:nvSpPr>
-        <p:spPr>
-          <a:xfrm>
-            <a:off x="1874195" y="1478794"/>
-            <a:ext cx="8443609" cy="830997"/>
-          </a:xfrm>
-          <a:prstGeom prst="rect">
-            <a:avLst/>
-          </a:prstGeom>
-          <a:noFill/>
-        </p:spPr>
-        <p:txBody>
-          <a:bodyPr wrap="square" rtlCol="0">
-            <a:spAutoFit/>
-          </a:bodyPr>
-          <a:lstStyle/>
-          <a:p>
-            <a:pPr algn="ctr">
-              <a:spcAft>
-                <a:spcPts val="1200"/>
-              </a:spcAft>
-            </a:pPr>
-            <a:r>
-              <a:rPr lang="en-GB" sz="2400" dirty="0" err="1"/>
-              <a:t>Chaque</a:t>
-            </a:r>
-            <a:r>
-              <a:rPr lang="en-GB" sz="2400" dirty="0"/>
-              <a:t> </a:t>
-            </a:r>
-            <a:r>
-              <a:rPr lang="en-GB" sz="2400" dirty="0" err="1"/>
-              <a:t>paire</a:t>
-            </a:r>
-            <a:r>
-              <a:rPr lang="en-GB" sz="2400" dirty="0"/>
-              <a:t> de </a:t>
-            </a:r>
-            <a:r>
-              <a:rPr lang="en-GB" sz="2400" dirty="0" err="1"/>
-              <a:t>chiffre</a:t>
-            </a:r>
-            <a:r>
-              <a:rPr lang="en-GB" sz="2400" dirty="0"/>
-              <a:t> de la grille </a:t>
-            </a:r>
-            <a:r>
-              <a:rPr lang="en-GB" sz="2400" dirty="0" err="1"/>
-              <a:t>vous</a:t>
-            </a:r>
-            <a:r>
-              <a:rPr lang="en-GB" sz="2400" dirty="0"/>
-              <a:t> sera </a:t>
-            </a:r>
-            <a:r>
-              <a:rPr lang="en-GB" sz="2400" dirty="0" err="1"/>
-              <a:t>dévoilée</a:t>
-            </a:r>
-            <a:r>
-              <a:rPr lang="en-GB" sz="2400" dirty="0"/>
-              <a:t>, </a:t>
-            </a:r>
-            <a:r>
-              <a:rPr lang="en-GB" sz="2400" dirty="0" err="1"/>
-              <a:t>dans</a:t>
-            </a:r>
-            <a:r>
-              <a:rPr lang="en-GB" sz="2400" dirty="0"/>
-              <a:t> </a:t>
-            </a:r>
-            <a:r>
-              <a:rPr lang="en-GB" sz="2400" dirty="0" err="1"/>
-              <a:t>l’ordre</a:t>
-            </a:r>
-            <a:r>
-              <a:rPr lang="en-GB" sz="2400" dirty="0"/>
-              <a:t> (de 1 </a:t>
-            </a:r>
-            <a:r>
-              <a:rPr lang="fr-FR" sz="2400" dirty="0"/>
-              <a:t>à</a:t>
-            </a:r>
-            <a:r>
-              <a:rPr lang="en-GB" sz="2400" dirty="0"/>
-              <a:t> 8), </a:t>
-            </a:r>
-            <a:r>
-              <a:rPr lang="en-GB" sz="2400" dirty="0" err="1"/>
-              <a:t>seconde</a:t>
-            </a:r>
-            <a:r>
-              <a:rPr lang="en-GB" sz="2400" dirty="0"/>
-              <a:t> par </a:t>
-            </a:r>
-            <a:r>
-              <a:rPr lang="en-GB" sz="2400" dirty="0" err="1"/>
-              <a:t>seconde</a:t>
-            </a:r>
-            <a:r>
-              <a:rPr lang="en-GB" sz="2400" dirty="0"/>
-              <a:t>. </a:t>
-            </a:r>
-            <a:r>
-              <a:rPr lang="en-GB" sz="2400" dirty="0" err="1"/>
-              <a:t>Voici</a:t>
-            </a:r>
-            <a:r>
-              <a:rPr lang="en-GB" sz="2400" dirty="0"/>
-              <a:t> un </a:t>
-            </a:r>
-            <a:r>
-              <a:rPr lang="en-GB" sz="2400" dirty="0" err="1"/>
-              <a:t>exemple</a:t>
-            </a:r>
-            <a:r>
-              <a:rPr lang="en-GB" sz="2400" dirty="0"/>
-              <a:t>:</a:t>
-            </a:r>
-          </a:p>
-        </p:txBody>
-      </p:sp>
-      <p:sp>
-        <p:nvSpPr>
           <p:cNvPr id="13" name="ZoneTexte 12"/>
           <p:cNvSpPr txBox="1"/>
           <p:nvPr/>
@@ -5575,6 +5530,144 @@
                 </a:solidFill>
               </a:rPr>
               <a:t>ETAPE 3 - PHASE DE MEMORISATION</a:t>
+            </a:r>
+          </a:p>
+        </p:txBody>
+      </p:sp>
+      <p:sp>
+        <p:nvSpPr>
+          <p:cNvPr id="6" name="ZoneTexte 5"/>
+          <p:cNvSpPr txBox="1"/>
+          <p:nvPr/>
+        </p:nvSpPr>
+        <p:spPr>
+          <a:xfrm>
+            <a:off x="1874195" y="1283791"/>
+            <a:ext cx="8443609" cy="1354217"/>
+          </a:xfrm>
+          <a:prstGeom prst="rect">
+            <a:avLst/>
+          </a:prstGeom>
+          <a:noFill/>
+        </p:spPr>
+        <p:txBody>
+          <a:bodyPr wrap="square" rtlCol="0">
+            <a:spAutoFit/>
+          </a:bodyPr>
+          <a:lstStyle/>
+          <a:p>
+            <a:pPr algn="ctr">
+              <a:spcAft>
+                <a:spcPts val="1200"/>
+              </a:spcAft>
+            </a:pPr>
+            <a:r>
+              <a:rPr lang="fr-FR" sz="2400" dirty="0"/>
+              <a:t>Ensuite, vous devrez mémoriser les paires de chiffres.</a:t>
+            </a:r>
+            <a:endParaRPr lang="en-GB" sz="2400" dirty="0" smtClean="0"/>
+          </a:p>
+          <a:p>
+            <a:pPr algn="ctr">
+              <a:spcAft>
+                <a:spcPts val="1200"/>
+              </a:spcAft>
+            </a:pPr>
+            <a:r>
+              <a:rPr lang="en-GB" sz="2400" dirty="0" err="1" smtClean="0"/>
+              <a:t>Chaque</a:t>
+            </a:r>
+            <a:r>
+              <a:rPr lang="en-GB" sz="2400" dirty="0" smtClean="0"/>
+              <a:t> </a:t>
+            </a:r>
+            <a:r>
+              <a:rPr lang="en-GB" sz="2400" dirty="0" err="1"/>
+              <a:t>paire</a:t>
+            </a:r>
+            <a:r>
+              <a:rPr lang="en-GB" sz="2400" dirty="0"/>
+              <a:t> de </a:t>
+            </a:r>
+            <a:r>
+              <a:rPr lang="en-GB" sz="2400" dirty="0" err="1"/>
+              <a:t>chiffre</a:t>
+            </a:r>
+            <a:r>
+              <a:rPr lang="en-GB" sz="2400" dirty="0"/>
+              <a:t> de la grille </a:t>
+            </a:r>
+            <a:r>
+              <a:rPr lang="en-GB" sz="2400" dirty="0" err="1"/>
+              <a:t>vous</a:t>
+            </a:r>
+            <a:r>
+              <a:rPr lang="en-GB" sz="2400" dirty="0"/>
+              <a:t> sera </a:t>
+            </a:r>
+            <a:r>
+              <a:rPr lang="en-GB" sz="2400" dirty="0" err="1"/>
+              <a:t>dévoilée</a:t>
+            </a:r>
+            <a:r>
+              <a:rPr lang="en-GB" sz="2400" dirty="0"/>
+              <a:t>, </a:t>
+            </a:r>
+            <a:r>
+              <a:rPr lang="en-GB" sz="2400" dirty="0" err="1"/>
+              <a:t>dans</a:t>
+            </a:r>
+            <a:r>
+              <a:rPr lang="en-GB" sz="2400" dirty="0"/>
+              <a:t> </a:t>
+            </a:r>
+            <a:r>
+              <a:rPr lang="en-GB" sz="2400" dirty="0" err="1"/>
+              <a:t>l’ordre</a:t>
+            </a:r>
+            <a:r>
+              <a:rPr lang="en-GB" sz="2400" dirty="0"/>
+              <a:t> (de 1 </a:t>
+            </a:r>
+            <a:r>
+              <a:rPr lang="fr-FR" sz="2400" dirty="0"/>
+              <a:t>à</a:t>
+            </a:r>
+            <a:r>
+              <a:rPr lang="en-GB" sz="2400" dirty="0"/>
+              <a:t> 8), </a:t>
+            </a:r>
+            <a:r>
+              <a:rPr lang="en-GB" sz="2400" dirty="0" err="1"/>
+              <a:t>seconde</a:t>
+            </a:r>
+            <a:r>
+              <a:rPr lang="en-GB" sz="2400" dirty="0"/>
+              <a:t> par </a:t>
+            </a:r>
+            <a:r>
+              <a:rPr lang="en-GB" sz="2400" dirty="0" err="1"/>
+              <a:t>seconde</a:t>
+            </a:r>
+            <a:r>
+              <a:rPr lang="en-GB" sz="2400" dirty="0"/>
+              <a:t>. </a:t>
+            </a:r>
+            <a:r>
+              <a:rPr lang="en-GB" sz="2400" dirty="0" err="1"/>
+              <a:t>Voici</a:t>
+            </a:r>
+            <a:r>
+              <a:rPr lang="en-GB" sz="2400" dirty="0"/>
+              <a:t> un </a:t>
+            </a:r>
+            <a:r>
+              <a:rPr lang="en-GB" sz="2400" dirty="0" err="1"/>
+              <a:t>exemple</a:t>
+            </a:r>
+            <a:r>
+              <a:rPr lang="en-GB" sz="2400" dirty="0"/>
+              <a:t>:</a:t>
             </a:r>
           </a:p>
         </p:txBody>
@@ -5692,132 +5785,6 @@
       </p:pic>
       <p:sp>
         <p:nvSpPr>
-          <p:cNvPr id="11" name="ZoneTexte 10"/>
-          <p:cNvSpPr txBox="1"/>
-          <p:nvPr/>
-        </p:nvSpPr>
-        <p:spPr>
-          <a:xfrm>
-            <a:off x="1874195" y="1478794"/>
-            <a:ext cx="8443609" cy="830997"/>
-          </a:xfrm>
-          <a:prstGeom prst="rect">
-            <a:avLst/>
-          </a:prstGeom>
-          <a:noFill/>
-        </p:spPr>
-        <p:txBody>
-          <a:bodyPr wrap="square" rtlCol="0">
-            <a:spAutoFit/>
-          </a:bodyPr>
-          <a:lstStyle/>
-          <a:p>
-            <a:pPr algn="ctr">
-              <a:spcAft>
-                <a:spcPts val="1200"/>
-              </a:spcAft>
-            </a:pPr>
-            <a:r>
-              <a:rPr lang="en-GB" sz="2400" dirty="0" err="1"/>
-              <a:t>Chaque</a:t>
-            </a:r>
-            <a:r>
-              <a:rPr lang="en-GB" sz="2400" dirty="0"/>
-              <a:t> </a:t>
-            </a:r>
-            <a:r>
-              <a:rPr lang="en-GB" sz="2400" dirty="0" err="1"/>
-              <a:t>paire</a:t>
-            </a:r>
-            <a:r>
-              <a:rPr lang="en-GB" sz="2400" dirty="0"/>
-              <a:t> de </a:t>
-            </a:r>
-            <a:r>
-              <a:rPr lang="en-GB" sz="2400" dirty="0" err="1"/>
-              <a:t>chiffre</a:t>
-            </a:r>
-            <a:r>
-              <a:rPr lang="en-GB" sz="2400" dirty="0"/>
-              <a:t> de la grille </a:t>
-            </a:r>
-            <a:r>
-              <a:rPr lang="en-GB" sz="2400" dirty="0" err="1"/>
-              <a:t>vous</a:t>
-            </a:r>
-            <a:r>
-              <a:rPr lang="en-GB" sz="2400" dirty="0"/>
-              <a:t> sera </a:t>
-            </a:r>
-            <a:r>
-              <a:rPr lang="en-GB" sz="2400" dirty="0" err="1"/>
-              <a:t>dévoilée</a:t>
-            </a:r>
-            <a:r>
-              <a:rPr lang="en-GB" sz="2400" dirty="0"/>
-              <a:t>, </a:t>
-            </a:r>
-            <a:r>
-              <a:rPr lang="en-GB" sz="2400" dirty="0" err="1"/>
-              <a:t>dans</a:t>
-            </a:r>
-            <a:r>
-              <a:rPr lang="en-GB" sz="2400" dirty="0"/>
-              <a:t> </a:t>
-            </a:r>
-            <a:r>
-              <a:rPr lang="en-GB" sz="2400" dirty="0" err="1"/>
-              <a:t>l’ordre</a:t>
-            </a:r>
-            <a:r>
-              <a:rPr lang="en-GB" sz="2400" dirty="0"/>
-              <a:t> (de 1 </a:t>
-            </a:r>
-            <a:r>
-              <a:rPr lang="fr-FR" sz="2400" dirty="0"/>
-              <a:t>à</a:t>
-            </a:r>
-            <a:r>
-              <a:rPr lang="en-GB" sz="2400" dirty="0"/>
-              <a:t> 8), </a:t>
-            </a:r>
-            <a:r>
-              <a:rPr lang="en-GB" sz="2400" dirty="0" err="1"/>
-              <a:t>seconde</a:t>
-            </a:r>
-            <a:r>
-              <a:rPr lang="en-GB" sz="2400" dirty="0"/>
-              <a:t> par </a:t>
-            </a:r>
-            <a:r>
-              <a:rPr lang="en-GB" sz="2400" dirty="0" err="1"/>
-              <a:t>seconde</a:t>
-            </a:r>
-            <a:r>
-              <a:rPr lang="en-GB" sz="2400" dirty="0"/>
-              <a:t>. </a:t>
-            </a:r>
-            <a:r>
-              <a:rPr lang="en-GB" sz="2400" dirty="0" err="1"/>
-              <a:t>Voici</a:t>
-            </a:r>
-            <a:r>
-              <a:rPr lang="en-GB" sz="2400" dirty="0"/>
-              <a:t> un </a:t>
-            </a:r>
-            <a:r>
-              <a:rPr lang="en-GB" sz="2400" dirty="0" err="1"/>
-              <a:t>exemple</a:t>
-            </a:r>
-            <a:r>
-              <a:rPr lang="en-GB" sz="2400" dirty="0"/>
-              <a:t>:</a:t>
-            </a:r>
-          </a:p>
-        </p:txBody>
-      </p:sp>
-      <p:sp>
-        <p:nvSpPr>
           <p:cNvPr id="13" name="ZoneTexte 12"/>
           <p:cNvSpPr txBox="1"/>
           <p:nvPr/>
@@ -5856,6 +5823,144 @@
                 </a:solidFill>
               </a:rPr>
               <a:t>ETAPE 3 - PHASE DE MEMORISATION</a:t>
+            </a:r>
+          </a:p>
+        </p:txBody>
+      </p:sp>
+      <p:sp>
+        <p:nvSpPr>
+          <p:cNvPr id="6" name="ZoneTexte 5"/>
+          <p:cNvSpPr txBox="1"/>
+          <p:nvPr/>
+        </p:nvSpPr>
+        <p:spPr>
+          <a:xfrm>
+            <a:off x="1874195" y="1283791"/>
+            <a:ext cx="8443609" cy="1354217"/>
+          </a:xfrm>
+          <a:prstGeom prst="rect">
+            <a:avLst/>
+          </a:prstGeom>
+          <a:noFill/>
+        </p:spPr>
+        <p:txBody>
+          <a:bodyPr wrap="square" rtlCol="0">
+            <a:spAutoFit/>
+          </a:bodyPr>
+          <a:lstStyle/>
+          <a:p>
+            <a:pPr algn="ctr">
+              <a:spcAft>
+                <a:spcPts val="1200"/>
+              </a:spcAft>
+            </a:pPr>
+            <a:r>
+              <a:rPr lang="fr-FR" sz="2400" dirty="0"/>
+              <a:t>Ensuite, vous devrez mémoriser les paires de chiffres.</a:t>
+            </a:r>
+            <a:endParaRPr lang="en-GB" sz="2400" dirty="0" smtClean="0"/>
+          </a:p>
+          <a:p>
+            <a:pPr algn="ctr">
+              <a:spcAft>
+                <a:spcPts val="1200"/>
+              </a:spcAft>
+            </a:pPr>
+            <a:r>
+              <a:rPr lang="en-GB" sz="2400" dirty="0" err="1" smtClean="0"/>
+              <a:t>Chaque</a:t>
+            </a:r>
+            <a:r>
+              <a:rPr lang="en-GB" sz="2400" dirty="0" smtClean="0"/>
+              <a:t> </a:t>
+            </a:r>
+            <a:r>
+              <a:rPr lang="en-GB" sz="2400" dirty="0" err="1"/>
+              <a:t>paire</a:t>
+            </a:r>
+            <a:r>
+              <a:rPr lang="en-GB" sz="2400" dirty="0"/>
+              <a:t> de </a:t>
+            </a:r>
+            <a:r>
+              <a:rPr lang="en-GB" sz="2400" dirty="0" err="1"/>
+              <a:t>chiffre</a:t>
+            </a:r>
+            <a:r>
+              <a:rPr lang="en-GB" sz="2400" dirty="0"/>
+              <a:t> de la grille </a:t>
+            </a:r>
+            <a:r>
+              <a:rPr lang="en-GB" sz="2400" dirty="0" err="1"/>
+              <a:t>vous</a:t>
+            </a:r>
+            <a:r>
+              <a:rPr lang="en-GB" sz="2400" dirty="0"/>
+              <a:t> sera </a:t>
+            </a:r>
+            <a:r>
+              <a:rPr lang="en-GB" sz="2400" dirty="0" err="1"/>
+              <a:t>dévoilée</a:t>
+            </a:r>
+            <a:r>
+              <a:rPr lang="en-GB" sz="2400" dirty="0"/>
+              <a:t>, </a:t>
+            </a:r>
+            <a:r>
+              <a:rPr lang="en-GB" sz="2400" dirty="0" err="1"/>
+              <a:t>dans</a:t>
+            </a:r>
+            <a:r>
+              <a:rPr lang="en-GB" sz="2400" dirty="0"/>
+              <a:t> </a:t>
+            </a:r>
+            <a:r>
+              <a:rPr lang="en-GB" sz="2400" dirty="0" err="1"/>
+              <a:t>l’ordre</a:t>
+            </a:r>
+            <a:r>
+              <a:rPr lang="en-GB" sz="2400" dirty="0"/>
+              <a:t> (de 1 </a:t>
+            </a:r>
+            <a:r>
+              <a:rPr lang="fr-FR" sz="2400" dirty="0"/>
+              <a:t>à</a:t>
+            </a:r>
+            <a:r>
+              <a:rPr lang="en-GB" sz="2400" dirty="0"/>
+              <a:t> 8), </a:t>
+            </a:r>
+            <a:r>
+              <a:rPr lang="en-GB" sz="2400" dirty="0" err="1"/>
+              <a:t>seconde</a:t>
+            </a:r>
+            <a:r>
+              <a:rPr lang="en-GB" sz="2400" dirty="0"/>
+              <a:t> par </a:t>
+            </a:r>
+            <a:r>
+              <a:rPr lang="en-GB" sz="2400" dirty="0" err="1"/>
+              <a:t>seconde</a:t>
+            </a:r>
+            <a:r>
+              <a:rPr lang="en-GB" sz="2400" dirty="0"/>
+              <a:t>. </a:t>
+            </a:r>
+            <a:r>
+              <a:rPr lang="en-GB" sz="2400" dirty="0" err="1"/>
+              <a:t>Voici</a:t>
+            </a:r>
+            <a:r>
+              <a:rPr lang="en-GB" sz="2400" dirty="0"/>
+              <a:t> un </a:t>
+            </a:r>
+            <a:r>
+              <a:rPr lang="en-GB" sz="2400" dirty="0" err="1"/>
+              <a:t>exemple</a:t>
+            </a:r>
+            <a:r>
+              <a:rPr lang="en-GB" sz="2400" dirty="0"/>
+              <a:t>:</a:t>
             </a:r>
           </a:p>
         </p:txBody>
@@ -5953,8 +6058,12 @@
           <a:p>
             <a:pPr algn="ctr"/>
             <a:r>
+              <a:rPr lang="fr-FR" sz="2400" dirty="0" smtClean="0"/>
+              <a:t>En </a:t>
+            </a:r>
+            <a:r>
               <a:rPr lang="fr-FR" sz="2400" dirty="0"/>
-              <a:t>“En résumé, vous allez effectuer une série d’exercices de mémoire. Ces exercices seront plus ou moins difficiles. Pour chacun d’entre eux, nous vous demanderons d’auto-évaluer votre performance.</a:t>
+              <a:t>résumé, vous allez effectuer une série d’exercices de mémoire. Ces exercices seront plus ou moins difficiles. Pour chacun d’entre eux, nous vous demanderons d’auto-évaluer votre performance.</a:t>
             </a:r>
           </a:p>
           <a:p>
@@ -6076,132 +6185,6 @@
       </p:pic>
       <p:sp>
         <p:nvSpPr>
-          <p:cNvPr id="11" name="ZoneTexte 10"/>
-          <p:cNvSpPr txBox="1"/>
-          <p:nvPr/>
-        </p:nvSpPr>
-        <p:spPr>
-          <a:xfrm>
-            <a:off x="1874195" y="1478794"/>
-            <a:ext cx="8443609" cy="830997"/>
-          </a:xfrm>
-          <a:prstGeom prst="rect">
-            <a:avLst/>
-          </a:prstGeom>
-          <a:noFill/>
-        </p:spPr>
-        <p:txBody>
-          <a:bodyPr wrap="square" rtlCol="0">
-            <a:spAutoFit/>
-          </a:bodyPr>
-          <a:lstStyle/>
-          <a:p>
-            <a:pPr algn="ctr">
-              <a:spcAft>
-                <a:spcPts val="1200"/>
-              </a:spcAft>
-            </a:pPr>
-            <a:r>
-              <a:rPr lang="en-GB" sz="2400" dirty="0" err="1"/>
-              <a:t>Chaque</a:t>
-            </a:r>
-            <a:r>
-              <a:rPr lang="en-GB" sz="2400" dirty="0"/>
-              <a:t> </a:t>
-            </a:r>
-            <a:r>
-              <a:rPr lang="en-GB" sz="2400" dirty="0" err="1"/>
-              <a:t>paire</a:t>
-            </a:r>
-            <a:r>
-              <a:rPr lang="en-GB" sz="2400" dirty="0"/>
-              <a:t> de </a:t>
-            </a:r>
-            <a:r>
-              <a:rPr lang="en-GB" sz="2400" dirty="0" err="1"/>
-              <a:t>chiffre</a:t>
-            </a:r>
-            <a:r>
-              <a:rPr lang="en-GB" sz="2400" dirty="0"/>
-              <a:t> de la grille </a:t>
-            </a:r>
-            <a:r>
-              <a:rPr lang="en-GB" sz="2400" dirty="0" err="1"/>
-              <a:t>vous</a:t>
-            </a:r>
-            <a:r>
-              <a:rPr lang="en-GB" sz="2400" dirty="0"/>
-              <a:t> sera </a:t>
-            </a:r>
-            <a:r>
-              <a:rPr lang="en-GB" sz="2400" dirty="0" err="1"/>
-              <a:t>dévoilée</a:t>
-            </a:r>
-            <a:r>
-              <a:rPr lang="en-GB" sz="2400" dirty="0"/>
-              <a:t>, </a:t>
-            </a:r>
-            <a:r>
-              <a:rPr lang="en-GB" sz="2400" dirty="0" err="1"/>
-              <a:t>dans</a:t>
-            </a:r>
-            <a:r>
-              <a:rPr lang="en-GB" sz="2400" dirty="0"/>
-              <a:t> </a:t>
-            </a:r>
-            <a:r>
-              <a:rPr lang="en-GB" sz="2400" dirty="0" err="1"/>
-              <a:t>l’ordre</a:t>
-            </a:r>
-            <a:r>
-              <a:rPr lang="en-GB" sz="2400" dirty="0"/>
-              <a:t> (de 1 </a:t>
-            </a:r>
-            <a:r>
-              <a:rPr lang="fr-FR" sz="2400" dirty="0"/>
-              <a:t>à</a:t>
-            </a:r>
-            <a:r>
-              <a:rPr lang="en-GB" sz="2400" dirty="0"/>
-              <a:t> 8), </a:t>
-            </a:r>
-            <a:r>
-              <a:rPr lang="en-GB" sz="2400" dirty="0" err="1"/>
-              <a:t>seconde</a:t>
-            </a:r>
-            <a:r>
-              <a:rPr lang="en-GB" sz="2400" dirty="0"/>
-              <a:t> par </a:t>
-            </a:r>
-            <a:r>
-              <a:rPr lang="en-GB" sz="2400" dirty="0" err="1"/>
-              <a:t>seconde</a:t>
-            </a:r>
-            <a:r>
-              <a:rPr lang="en-GB" sz="2400" dirty="0"/>
-              <a:t>. </a:t>
-            </a:r>
-            <a:r>
-              <a:rPr lang="en-GB" sz="2400" dirty="0" err="1"/>
-              <a:t>Voici</a:t>
-            </a:r>
-            <a:r>
-              <a:rPr lang="en-GB" sz="2400" dirty="0"/>
-              <a:t> un </a:t>
-            </a:r>
-            <a:r>
-              <a:rPr lang="en-GB" sz="2400" dirty="0" err="1"/>
-              <a:t>exemple</a:t>
-            </a:r>
-            <a:r>
-              <a:rPr lang="en-GB" sz="2400" dirty="0"/>
-              <a:t>:</a:t>
-            </a:r>
-          </a:p>
-        </p:txBody>
-      </p:sp>
-      <p:sp>
-        <p:nvSpPr>
           <p:cNvPr id="12" name="ZoneTexte 11"/>
           <p:cNvSpPr txBox="1"/>
           <p:nvPr/>
@@ -6240,6 +6223,144 @@
                 </a:solidFill>
               </a:rPr>
               <a:t>ETAPE 3 - PHASE DE MEMORISATION</a:t>
+            </a:r>
+          </a:p>
+        </p:txBody>
+      </p:sp>
+      <p:sp>
+        <p:nvSpPr>
+          <p:cNvPr id="6" name="ZoneTexte 5"/>
+          <p:cNvSpPr txBox="1"/>
+          <p:nvPr/>
+        </p:nvSpPr>
+        <p:spPr>
+          <a:xfrm>
+            <a:off x="1874195" y="1283791"/>
+            <a:ext cx="8443609" cy="1354217"/>
+          </a:xfrm>
+          <a:prstGeom prst="rect">
+            <a:avLst/>
+          </a:prstGeom>
+          <a:noFill/>
+        </p:spPr>
+        <p:txBody>
+          <a:bodyPr wrap="square" rtlCol="0">
+            <a:spAutoFit/>
+          </a:bodyPr>
+          <a:lstStyle/>
+          <a:p>
+            <a:pPr algn="ctr">
+              <a:spcAft>
+                <a:spcPts val="1200"/>
+              </a:spcAft>
+            </a:pPr>
+            <a:r>
+              <a:rPr lang="fr-FR" sz="2400" dirty="0"/>
+              <a:t>Ensuite, vous devrez mémoriser les paires de chiffres.</a:t>
+            </a:r>
+            <a:endParaRPr lang="en-GB" sz="2400" dirty="0" smtClean="0"/>
+          </a:p>
+          <a:p>
+            <a:pPr algn="ctr">
+              <a:spcAft>
+                <a:spcPts val="1200"/>
+              </a:spcAft>
+            </a:pPr>
+            <a:r>
+              <a:rPr lang="en-GB" sz="2400" dirty="0" err="1" smtClean="0"/>
+              <a:t>Chaque</a:t>
+            </a:r>
+            <a:r>
+              <a:rPr lang="en-GB" sz="2400" dirty="0" smtClean="0"/>
+              <a:t> </a:t>
+            </a:r>
+            <a:r>
+              <a:rPr lang="en-GB" sz="2400" dirty="0" err="1"/>
+              <a:t>paire</a:t>
+            </a:r>
+            <a:r>
+              <a:rPr lang="en-GB" sz="2400" dirty="0"/>
+              <a:t> de </a:t>
+            </a:r>
+            <a:r>
+              <a:rPr lang="en-GB" sz="2400" dirty="0" err="1"/>
+              <a:t>chiffre</a:t>
+            </a:r>
+            <a:r>
+              <a:rPr lang="en-GB" sz="2400" dirty="0"/>
+              <a:t> de la grille </a:t>
+            </a:r>
+            <a:r>
+              <a:rPr lang="en-GB" sz="2400" dirty="0" err="1"/>
+              <a:t>vous</a:t>
+            </a:r>
+            <a:r>
+              <a:rPr lang="en-GB" sz="2400" dirty="0"/>
+              <a:t> sera </a:t>
+            </a:r>
+            <a:r>
+              <a:rPr lang="en-GB" sz="2400" dirty="0" err="1"/>
+              <a:t>dévoilée</a:t>
+            </a:r>
+            <a:r>
+              <a:rPr lang="en-GB" sz="2400" dirty="0"/>
+              <a:t>, </a:t>
+            </a:r>
+            <a:r>
+              <a:rPr lang="en-GB" sz="2400" dirty="0" err="1"/>
+              <a:t>dans</a:t>
+            </a:r>
+            <a:r>
+              <a:rPr lang="en-GB" sz="2400" dirty="0"/>
+              <a:t> </a:t>
+            </a:r>
+            <a:r>
+              <a:rPr lang="en-GB" sz="2400" dirty="0" err="1"/>
+              <a:t>l’ordre</a:t>
+            </a:r>
+            <a:r>
+              <a:rPr lang="en-GB" sz="2400" dirty="0"/>
+              <a:t> (de 1 </a:t>
+            </a:r>
+            <a:r>
+              <a:rPr lang="fr-FR" sz="2400" dirty="0"/>
+              <a:t>à</a:t>
+            </a:r>
+            <a:r>
+              <a:rPr lang="en-GB" sz="2400" dirty="0"/>
+              <a:t> 8), </a:t>
+            </a:r>
+            <a:r>
+              <a:rPr lang="en-GB" sz="2400" dirty="0" err="1"/>
+              <a:t>seconde</a:t>
+            </a:r>
+            <a:r>
+              <a:rPr lang="en-GB" sz="2400" dirty="0"/>
+              <a:t> par </a:t>
+            </a:r>
+            <a:r>
+              <a:rPr lang="en-GB" sz="2400" dirty="0" err="1"/>
+              <a:t>seconde</a:t>
+            </a:r>
+            <a:r>
+              <a:rPr lang="en-GB" sz="2400" dirty="0"/>
+              <a:t>. </a:t>
+            </a:r>
+            <a:r>
+              <a:rPr lang="en-GB" sz="2400" dirty="0" err="1"/>
+              <a:t>Voici</a:t>
+            </a:r>
+            <a:r>
+              <a:rPr lang="en-GB" sz="2400" dirty="0"/>
+              <a:t> un </a:t>
+            </a:r>
+            <a:r>
+              <a:rPr lang="en-GB" sz="2400" dirty="0" err="1"/>
+              <a:t>exemple</a:t>
+            </a:r>
+            <a:r>
+              <a:rPr lang="en-GB" sz="2400" dirty="0"/>
+              <a:t>:</a:t>
             </a:r>
           </a:p>
         </p:txBody>
@@ -6357,132 +6478,6 @@
       </p:pic>
       <p:sp>
         <p:nvSpPr>
-          <p:cNvPr id="11" name="ZoneTexte 10"/>
-          <p:cNvSpPr txBox="1"/>
-          <p:nvPr/>
-        </p:nvSpPr>
-        <p:spPr>
-          <a:xfrm>
-            <a:off x="1874195" y="1478794"/>
-            <a:ext cx="8443609" cy="830997"/>
-          </a:xfrm>
-          <a:prstGeom prst="rect">
-            <a:avLst/>
-          </a:prstGeom>
-          <a:noFill/>
-        </p:spPr>
-        <p:txBody>
-          <a:bodyPr wrap="square" rtlCol="0">
-            <a:spAutoFit/>
-          </a:bodyPr>
-          <a:lstStyle/>
-          <a:p>
-            <a:pPr algn="ctr">
-              <a:spcAft>
-                <a:spcPts val="1200"/>
-              </a:spcAft>
-            </a:pPr>
-            <a:r>
-              <a:rPr lang="en-GB" sz="2400" dirty="0" err="1"/>
-              <a:t>Chaque</a:t>
-            </a:r>
-            <a:r>
-              <a:rPr lang="en-GB" sz="2400" dirty="0"/>
-              <a:t> </a:t>
-            </a:r>
-            <a:r>
-              <a:rPr lang="en-GB" sz="2400" dirty="0" err="1"/>
-              <a:t>paire</a:t>
-            </a:r>
-            <a:r>
-              <a:rPr lang="en-GB" sz="2400" dirty="0"/>
-              <a:t> de </a:t>
-            </a:r>
-            <a:r>
-              <a:rPr lang="en-GB" sz="2400" dirty="0" err="1"/>
-              <a:t>chiffre</a:t>
-            </a:r>
-            <a:r>
-              <a:rPr lang="en-GB" sz="2400" dirty="0"/>
-              <a:t> de la grille </a:t>
-            </a:r>
-            <a:r>
-              <a:rPr lang="en-GB" sz="2400" dirty="0" err="1"/>
-              <a:t>vous</a:t>
-            </a:r>
-            <a:r>
-              <a:rPr lang="en-GB" sz="2400" dirty="0"/>
-              <a:t> sera </a:t>
-            </a:r>
-            <a:r>
-              <a:rPr lang="en-GB" sz="2400" dirty="0" err="1"/>
-              <a:t>dévoilée</a:t>
-            </a:r>
-            <a:r>
-              <a:rPr lang="en-GB" sz="2400" dirty="0"/>
-              <a:t>, </a:t>
-            </a:r>
-            <a:r>
-              <a:rPr lang="en-GB" sz="2400" dirty="0" err="1"/>
-              <a:t>dans</a:t>
-            </a:r>
-            <a:r>
-              <a:rPr lang="en-GB" sz="2400" dirty="0"/>
-              <a:t> </a:t>
-            </a:r>
-            <a:r>
-              <a:rPr lang="en-GB" sz="2400" dirty="0" err="1"/>
-              <a:t>l’ordre</a:t>
-            </a:r>
-            <a:r>
-              <a:rPr lang="en-GB" sz="2400" dirty="0"/>
-              <a:t> (de 1 </a:t>
-            </a:r>
-            <a:r>
-              <a:rPr lang="fr-FR" sz="2400" dirty="0"/>
-              <a:t>à</a:t>
-            </a:r>
-            <a:r>
-              <a:rPr lang="en-GB" sz="2400" dirty="0"/>
-              <a:t> 8), </a:t>
-            </a:r>
-            <a:r>
-              <a:rPr lang="en-GB" sz="2400" dirty="0" err="1"/>
-              <a:t>seconde</a:t>
-            </a:r>
-            <a:r>
-              <a:rPr lang="en-GB" sz="2400" dirty="0"/>
-              <a:t> par </a:t>
-            </a:r>
-            <a:r>
-              <a:rPr lang="en-GB" sz="2400" dirty="0" err="1"/>
-              <a:t>seconde</a:t>
-            </a:r>
-            <a:r>
-              <a:rPr lang="en-GB" sz="2400" dirty="0"/>
-              <a:t>. </a:t>
-            </a:r>
-            <a:r>
-              <a:rPr lang="en-GB" sz="2400" dirty="0" err="1"/>
-              <a:t>Voici</a:t>
-            </a:r>
-            <a:r>
-              <a:rPr lang="en-GB" sz="2400" dirty="0"/>
-              <a:t> un </a:t>
-            </a:r>
-            <a:r>
-              <a:rPr lang="en-GB" sz="2400" dirty="0" err="1"/>
-              <a:t>exemple</a:t>
-            </a:r>
-            <a:r>
-              <a:rPr lang="en-GB" sz="2400" dirty="0"/>
-              <a:t>:</a:t>
-            </a:r>
-          </a:p>
-        </p:txBody>
-      </p:sp>
-      <p:sp>
-        <p:nvSpPr>
           <p:cNvPr id="12" name="ZoneTexte 11"/>
           <p:cNvSpPr txBox="1"/>
           <p:nvPr/>
@@ -6521,6 +6516,144 @@
                 </a:solidFill>
               </a:rPr>
               <a:t>ETAPE 3 - PHASE DE MEMORISATION</a:t>
+            </a:r>
+          </a:p>
+        </p:txBody>
+      </p:sp>
+      <p:sp>
+        <p:nvSpPr>
+          <p:cNvPr id="6" name="ZoneTexte 5"/>
+          <p:cNvSpPr txBox="1"/>
+          <p:nvPr/>
+        </p:nvSpPr>
+        <p:spPr>
+          <a:xfrm>
+            <a:off x="1874195" y="1283791"/>
+            <a:ext cx="8443609" cy="1354217"/>
+          </a:xfrm>
+          <a:prstGeom prst="rect">
+            <a:avLst/>
+          </a:prstGeom>
+          <a:noFill/>
+        </p:spPr>
+        <p:txBody>
+          <a:bodyPr wrap="square" rtlCol="0">
+            <a:spAutoFit/>
+          </a:bodyPr>
+          <a:lstStyle/>
+          <a:p>
+            <a:pPr algn="ctr">
+              <a:spcAft>
+                <a:spcPts val="1200"/>
+              </a:spcAft>
+            </a:pPr>
+            <a:r>
+              <a:rPr lang="fr-FR" sz="2400" dirty="0"/>
+              <a:t>Ensuite, vous devrez mémoriser les paires de chiffres.</a:t>
+            </a:r>
+            <a:endParaRPr lang="en-GB" sz="2400" dirty="0" smtClean="0"/>
+          </a:p>
+          <a:p>
+            <a:pPr algn="ctr">
+              <a:spcAft>
+                <a:spcPts val="1200"/>
+              </a:spcAft>
+            </a:pPr>
+            <a:r>
+              <a:rPr lang="en-GB" sz="2400" dirty="0" err="1" smtClean="0"/>
+              <a:t>Chaque</a:t>
+            </a:r>
+            <a:r>
+              <a:rPr lang="en-GB" sz="2400" dirty="0" smtClean="0"/>
+              <a:t> </a:t>
+            </a:r>
+            <a:r>
+              <a:rPr lang="en-GB" sz="2400" dirty="0" err="1"/>
+              <a:t>paire</a:t>
+            </a:r>
+            <a:r>
+              <a:rPr lang="en-GB" sz="2400" dirty="0"/>
+              <a:t> de </a:t>
+            </a:r>
+            <a:r>
+              <a:rPr lang="en-GB" sz="2400" dirty="0" err="1"/>
+              <a:t>chiffre</a:t>
+            </a:r>
+            <a:r>
+              <a:rPr lang="en-GB" sz="2400" dirty="0"/>
+              <a:t> de la grille </a:t>
+            </a:r>
+            <a:r>
+              <a:rPr lang="en-GB" sz="2400" dirty="0" err="1"/>
+              <a:t>vous</a:t>
+            </a:r>
+            <a:r>
+              <a:rPr lang="en-GB" sz="2400" dirty="0"/>
+              <a:t> sera </a:t>
+            </a:r>
+            <a:r>
+              <a:rPr lang="en-GB" sz="2400" dirty="0" err="1"/>
+              <a:t>dévoilée</a:t>
+            </a:r>
+            <a:r>
+              <a:rPr lang="en-GB" sz="2400" dirty="0"/>
+              <a:t>, </a:t>
+            </a:r>
+            <a:r>
+              <a:rPr lang="en-GB" sz="2400" dirty="0" err="1"/>
+              <a:t>dans</a:t>
+            </a:r>
+            <a:r>
+              <a:rPr lang="en-GB" sz="2400" dirty="0"/>
+              <a:t> </a:t>
+            </a:r>
+            <a:r>
+              <a:rPr lang="en-GB" sz="2400" dirty="0" err="1"/>
+              <a:t>l’ordre</a:t>
+            </a:r>
+            <a:r>
+              <a:rPr lang="en-GB" sz="2400" dirty="0"/>
+              <a:t> (de 1 </a:t>
+            </a:r>
+            <a:r>
+              <a:rPr lang="fr-FR" sz="2400" dirty="0"/>
+              <a:t>à</a:t>
+            </a:r>
+            <a:r>
+              <a:rPr lang="en-GB" sz="2400" dirty="0"/>
+              <a:t> 8), </a:t>
+            </a:r>
+            <a:r>
+              <a:rPr lang="en-GB" sz="2400" dirty="0" err="1"/>
+              <a:t>seconde</a:t>
+            </a:r>
+            <a:r>
+              <a:rPr lang="en-GB" sz="2400" dirty="0"/>
+              <a:t> par </a:t>
+            </a:r>
+            <a:r>
+              <a:rPr lang="en-GB" sz="2400" dirty="0" err="1"/>
+              <a:t>seconde</a:t>
+            </a:r>
+            <a:r>
+              <a:rPr lang="en-GB" sz="2400" dirty="0"/>
+              <a:t>. </a:t>
+            </a:r>
+            <a:r>
+              <a:rPr lang="en-GB" sz="2400" dirty="0" err="1"/>
+              <a:t>Voici</a:t>
+            </a:r>
+            <a:r>
+              <a:rPr lang="en-GB" sz="2400" dirty="0"/>
+              <a:t> un </a:t>
+            </a:r>
+            <a:r>
+              <a:rPr lang="en-GB" sz="2400" dirty="0" err="1"/>
+              <a:t>exemple</a:t>
+            </a:r>
+            <a:r>
+              <a:rPr lang="en-GB" sz="2400" dirty="0"/>
+              <a:t>:</a:t>
             </a:r>
           </a:p>
         </p:txBody>
@@ -6736,35 +6869,6 @@
           </a:p>
         </p:txBody>
       </p:sp>
-      <p:pic>
-        <p:nvPicPr>
-          <p:cNvPr id="2" name="Picture 1">
-            <a:extLst>
-              <a:ext uri="{FF2B5EF4-FFF2-40B4-BE49-F238E27FC236}">
-                <a16:creationId xmlns:a16="http://schemas.microsoft.com/office/drawing/2014/main" id="{0BB677F4-C94A-4443-B094-1CFC75EE73B7}"/>
-              </a:ext>
-            </a:extLst>
-          </p:cNvPr>
-          <p:cNvPicPr>
-            <a:picLocks noChangeAspect="1"/>
-          </p:cNvPicPr>
-          <p:nvPr/>
-        </p:nvPicPr>
-        <p:blipFill rotWithShape="1">
-          <a:blip r:embed="rId2"/>
-          <a:srcRect l="39719" t="42933" r="39659" b="37321"/>
-          <a:stretch/>
-        </p:blipFill>
-        <p:spPr>
-          <a:xfrm>
-            <a:off x="4811268" y="3156021"/>
-            <a:ext cx="2569464" cy="1640237"/>
-          </a:xfrm>
-          <a:prstGeom prst="rect">
-            <a:avLst/>
-          </a:prstGeom>
-        </p:spPr>
-      </p:pic>
       <p:sp>
         <p:nvSpPr>
           <p:cNvPr id="3" name="Rectangle 2"/>
@@ -6885,6 +6989,30 @@
           </a:p>
         </p:txBody>
       </p:sp>
+      <p:pic>
+        <p:nvPicPr>
+          <p:cNvPr id="4" name="Image 3"/>
+          <p:cNvPicPr>
+            <a:picLocks noChangeAspect="1"/>
+          </p:cNvPicPr>
+          <p:nvPr/>
+        </p:nvPicPr>
+        <p:blipFill>
+          <a:blip r:embed="rId2"/>
+          <a:stretch>
+            <a:fillRect/>
+          </a:stretch>
+        </p:blipFill>
+        <p:spPr>
+          <a:xfrm>
+            <a:off x="4392826" y="2769590"/>
+            <a:ext cx="3724795" cy="2419688"/>
+          </a:xfrm>
+          <a:prstGeom prst="rect">
+            <a:avLst/>
+          </a:prstGeom>
+        </p:spPr>
+      </p:pic>
     </p:spTree>
     <p:extLst>
       <p:ext uri="{BB962C8B-B14F-4D97-AF65-F5344CB8AC3E}">
@@ -6963,87 +7091,6 @@
       </p:sp>
       <p:sp>
         <p:nvSpPr>
-          <p:cNvPr id="9" name="Rectangle 8"/>
-          <p:cNvSpPr/>
-          <p:nvPr/>
-        </p:nvSpPr>
-        <p:spPr>
-          <a:xfrm>
-            <a:off x="3554499" y="3080749"/>
-            <a:ext cx="5083002" cy="3026364"/>
-          </a:xfrm>
-          <a:prstGeom prst="rect">
-            <a:avLst/>
-          </a:prstGeom>
-          <a:noFill/>
-          <a:ln w="76200">
-            <a:solidFill>
-              <a:schemeClr val="bg1">
-                <a:lumMod val="65000"/>
-              </a:schemeClr>
-            </a:solidFill>
-          </a:ln>
-        </p:spPr>
-        <p:style>
-          <a:lnRef idx="2">
-            <a:schemeClr val="accent1">
-              <a:shade val="50000"/>
-            </a:schemeClr>
-          </a:lnRef>
-          <a:fillRef idx="1">
-            <a:schemeClr val="accent1"/>
-          </a:fillRef>
-          <a:effectRef idx="0">
-            <a:schemeClr val="accent1"/>
-          </a:effectRef>
-          <a:fontRef idx="minor">
-            <a:schemeClr val="lt1"/>
-          </a:fontRef>
-        </p:style>
-        <p:txBody>
-          <a:bodyPr rtlCol="0" anchor="ctr"/>
-          <a:lstStyle/>
-          <a:p>
-            <a:pPr algn="ctr"/>
-            <a:endParaRPr lang="en-GB">
-              <a:solidFill>
-                <a:schemeClr val="tx1"/>
-              </a:solidFill>
-            </a:endParaRPr>
-          </a:p>
-        </p:txBody>
-      </p:sp>
-      <p:pic>
-        <p:nvPicPr>
-          <p:cNvPr id="2" name="Picture 1">
-            <a:extLst>
-              <a:ext uri="{FF2B5EF4-FFF2-40B4-BE49-F238E27FC236}">
-                <a16:creationId xmlns:a16="http://schemas.microsoft.com/office/drawing/2014/main" id="{0BB677F4-C94A-4443-B094-1CFC75EE73B7}"/>
-              </a:ext>
-            </a:extLst>
-          </p:cNvPr>
-          <p:cNvPicPr>
-            <a:picLocks noChangeAspect="1"/>
-          </p:cNvPicPr>
-          <p:nvPr/>
-        </p:nvPicPr>
-        <p:blipFill rotWithShape="1">
-          <a:blip r:embed="rId2"/>
-          <a:srcRect l="39719" t="42933" r="39659" b="37321"/>
-          <a:stretch/>
-        </p:blipFill>
-        <p:spPr>
-          <a:xfrm>
-            <a:off x="4811268" y="3770518"/>
-            <a:ext cx="2569464" cy="1640237"/>
-          </a:xfrm>
-          <a:prstGeom prst="rect">
-            <a:avLst/>
-          </a:prstGeom>
-        </p:spPr>
-      </p:pic>
-      <p:sp>
-        <p:nvSpPr>
           <p:cNvPr id="12" name="ZoneTexte 11"/>
           <p:cNvSpPr txBox="1"/>
           <p:nvPr/>
@@ -7086,6 +7133,97 @@
           </a:p>
         </p:txBody>
       </p:sp>
+      <p:grpSp>
+        <p:nvGrpSpPr>
+          <p:cNvPr id="3" name="Groupe 2"/>
+          <p:cNvGrpSpPr/>
+          <p:nvPr/>
+        </p:nvGrpSpPr>
+        <p:grpSpPr>
+          <a:xfrm>
+            <a:off x="3554499" y="3293566"/>
+            <a:ext cx="5083002" cy="3026364"/>
+            <a:chOff x="3641585" y="3293566"/>
+            <a:chExt cx="5083002" cy="3026364"/>
+          </a:xfrm>
+        </p:grpSpPr>
+        <p:sp>
+          <p:nvSpPr>
+            <p:cNvPr id="6" name="Rectangle 5"/>
+            <p:cNvSpPr/>
+            <p:nvPr/>
+          </p:nvSpPr>
+          <p:spPr>
+            <a:xfrm>
+              <a:off x="3641585" y="3293566"/>
+              <a:ext cx="5083002" cy="3026364"/>
+            </a:xfrm>
+            <a:prstGeom prst="rect">
+              <a:avLst/>
+            </a:prstGeom>
+            <a:noFill/>
+            <a:ln w="76200">
+              <a:solidFill>
+                <a:schemeClr val="bg1">
+                  <a:lumMod val="65000"/>
+                </a:schemeClr>
+              </a:solidFill>
+            </a:ln>
+          </p:spPr>
+          <p:style>
+            <a:lnRef idx="2">
+              <a:schemeClr val="accent1">
+                <a:shade val="50000"/>
+              </a:schemeClr>
+            </a:lnRef>
+            <a:fillRef idx="1">
+              <a:schemeClr val="accent1"/>
+            </a:fillRef>
+            <a:effectRef idx="0">
+              <a:schemeClr val="accent1"/>
+            </a:effectRef>
+            <a:fontRef idx="minor">
+              <a:schemeClr val="lt1"/>
+            </a:fontRef>
+          </p:style>
+          <p:txBody>
+            <a:bodyPr rtlCol="0" anchor="ctr"/>
+            <a:lstStyle/>
+            <a:p>
+              <a:pPr algn="ctr"/>
+              <a:endParaRPr lang="en-GB">
+                <a:solidFill>
+                  <a:schemeClr val="tx1"/>
+                </a:solidFill>
+              </a:endParaRPr>
+            </a:p>
+          </p:txBody>
+        </p:sp>
+        <p:pic>
+          <p:nvPicPr>
+            <p:cNvPr id="8" name="Image 7"/>
+            <p:cNvPicPr>
+              <a:picLocks noChangeAspect="1"/>
+            </p:cNvPicPr>
+            <p:nvPr/>
+          </p:nvPicPr>
+          <p:blipFill>
+            <a:blip r:embed="rId2"/>
+            <a:stretch>
+              <a:fillRect/>
+            </a:stretch>
+          </p:blipFill>
+          <p:spPr>
+            <a:xfrm>
+              <a:off x="4479912" y="3596904"/>
+              <a:ext cx="3724795" cy="2419688"/>
+            </a:xfrm>
+            <a:prstGeom prst="rect">
+              <a:avLst/>
+            </a:prstGeom>
+          </p:spPr>
+        </p:pic>
+      </p:grpSp>
     </p:spTree>
     <p:extLst>
       <p:ext uri="{BB962C8B-B14F-4D97-AF65-F5344CB8AC3E}">
@@ -8027,57 +8165,22 @@
               </a:spcAft>
             </a:pPr>
             <a:r>
-              <a:rPr lang="en-GB" sz="2400" dirty="0"/>
-              <a:t>Apr</a:t>
-            </a:r>
-            <a:r>
-              <a:rPr lang="en-US" sz="2400" dirty="0" err="1"/>
-              <a:t>ès</a:t>
-            </a:r>
-            <a:r>
-              <a:rPr lang="en-US" sz="2400" dirty="0"/>
-              <a:t> la phase de test, nous </a:t>
-            </a:r>
-            <a:r>
-              <a:rPr lang="en-US" sz="2400" dirty="0" err="1"/>
-              <a:t>vous</a:t>
-            </a:r>
-            <a:r>
-              <a:rPr lang="en-US" sz="2400" dirty="0"/>
+              <a:rPr lang="fr-FR" sz="2400" dirty="0"/>
+              <a:t>Après la phase de test, nous vous demanderons de vous </a:t>
+            </a:r>
+            <a:r>
+              <a:rPr lang="fr-FR" sz="2400" dirty="0" err="1" smtClean="0"/>
+              <a:t>auto-évaluer</a:t>
+            </a:r>
+            <a:r>
+              <a:rPr lang="fr-FR" sz="2400" dirty="0" smtClean="0"/>
               <a:t> </a:t>
             </a:r>
             <a:r>
-              <a:rPr lang="en-US" sz="2400" dirty="0" err="1"/>
-              <a:t>demanderons</a:t>
-            </a:r>
-            <a:r>
-              <a:rPr lang="en-US" sz="2400" dirty="0"/>
-              <a:t> </a:t>
-            </a:r>
-            <a:r>
-              <a:rPr lang="en-US" sz="2400" dirty="0" err="1"/>
-              <a:t>d’évaluer</a:t>
-            </a:r>
-            <a:r>
-              <a:rPr lang="en-US" sz="2400" dirty="0"/>
-              <a:t> </a:t>
-            </a:r>
-            <a:r>
-              <a:rPr lang="en-US" sz="2400" dirty="0" err="1"/>
-              <a:t>votre</a:t>
-            </a:r>
-            <a:r>
-              <a:rPr lang="en-US" sz="2400" dirty="0"/>
-              <a:t> </a:t>
-            </a:r>
-            <a:r>
-              <a:rPr lang="en-US" sz="2400" dirty="0" err="1"/>
-              <a:t>confiance</a:t>
-            </a:r>
-            <a:r>
-              <a:rPr lang="en-US" sz="2400" dirty="0"/>
+              <a:rPr lang="en-US" sz="2400" dirty="0" smtClean="0"/>
               <a:t>:</a:t>
             </a:r>
+            <a:endParaRPr lang="en-US" sz="2400" dirty="0"/>
           </a:p>
         </p:txBody>
       </p:sp>
@@ -8259,8 +8362,21 @@
                   <a:srgbClr val="0070C0"/>
                 </a:solidFill>
               </a:rPr>
-              <a:t>ETAPE 4 - PHASE DE TEST</a:t>
-            </a:r>
+              <a:t>ETAPE </a:t>
+            </a:r>
+            <a:r>
+              <a:rPr lang="en-GB" sz="2400" b="1" dirty="0" smtClean="0">
+                <a:solidFill>
+                  <a:srgbClr val="0070C0"/>
+                </a:solidFill>
+              </a:rPr>
+              <a:t>5 : AUTO-ÉVALUATION</a:t>
+            </a:r>
+            <a:endParaRPr lang="en-GB" sz="2400" b="1" dirty="0">
+              <a:solidFill>
+                <a:srgbClr val="0070C0"/>
+              </a:solidFill>
+            </a:endParaRPr>
           </a:p>
         </p:txBody>
       </p:sp>
@@ -8421,20 +8537,20 @@
               <a:t> le </a:t>
             </a:r>
             <a:r>
-              <a:rPr lang="en-US" sz="2400" dirty="0" err="1"/>
-              <a:t>jugement</a:t>
+              <a:rPr lang="en-US" sz="2400" dirty="0" smtClean="0"/>
+              <a:t>auto-</a:t>
+            </a:r>
+            <a:r>
+              <a:rPr lang="en-US" sz="2400" dirty="0" err="1" smtClean="0"/>
+              <a:t>évaluations</a:t>
+            </a:r>
+            <a:r>
+              <a:rPr lang="en-US" sz="2400" dirty="0" smtClean="0"/>
+              <a:t>, </a:t>
             </a:r>
             <a:r>
               <a:rPr lang="en-US" sz="2400" dirty="0"/>
-              <a:t> de </a:t>
-            </a:r>
-            <a:r>
-              <a:rPr lang="en-US" sz="2400" dirty="0" err="1"/>
-              <a:t>confiance</a:t>
-            </a:r>
-            <a:r>
-              <a:rPr lang="en-US" sz="2400" dirty="0"/>
-              <a:t>, nous </a:t>
+              <a:t>nous </a:t>
             </a:r>
             <a:r>
               <a:rPr lang="en-US" sz="2400" dirty="0" err="1"/>
@@ -8702,8 +8818,21 @@
                   <a:srgbClr val="0070C0"/>
                 </a:solidFill>
               </a:rPr>
-              <a:t>ETAPE 4 - PHASE DE TEST</a:t>
-            </a:r>
+              <a:t>ETAPE </a:t>
+            </a:r>
+            <a:r>
+              <a:rPr lang="en-GB" sz="2400" b="1" dirty="0" smtClean="0">
+                <a:solidFill>
+                  <a:srgbClr val="0070C0"/>
+                </a:solidFill>
+              </a:rPr>
+              <a:t>6 – ÉVALUATION DE VOS RÉPONSES</a:t>
+            </a:r>
+            <a:endParaRPr lang="en-GB" sz="2400" b="1" dirty="0">
+              <a:solidFill>
+                <a:srgbClr val="0070C0"/>
+              </a:solidFill>
+            </a:endParaRPr>
           </a:p>
         </p:txBody>
       </p:sp>
@@ -8960,7 +9089,7 @@
       </p:cxnSp>
       <p:sp>
         <p:nvSpPr>
-          <p:cNvPr id="8" name="ZoneTexte 7"/>
+          <p:cNvPr id="7" name="ZoneTexte 6"/>
           <p:cNvSpPr txBox="1"/>
           <p:nvPr/>
         </p:nvSpPr>
@@ -8997,8 +9126,21 @@
                   <a:srgbClr val="0070C0"/>
                 </a:solidFill>
               </a:rPr>
-              <a:t>ETAPE 4 - PHASE DE TEST</a:t>
-            </a:r>
+              <a:t>ETAPE </a:t>
+            </a:r>
+            <a:r>
+              <a:rPr lang="en-GB" sz="2400" b="1" dirty="0" smtClean="0">
+                <a:solidFill>
+                  <a:srgbClr val="0070C0"/>
+                </a:solidFill>
+              </a:rPr>
+              <a:t>6 – ÉVALUATION DE VOS RÉPONSES</a:t>
+            </a:r>
+            <a:endParaRPr lang="en-GB" sz="2400" b="1" dirty="0">
+              <a:solidFill>
+                <a:srgbClr val="0070C0"/>
+              </a:solidFill>
+            </a:endParaRPr>
           </a:p>
         </p:txBody>
       </p:sp>
@@ -9603,7 +9745,7 @@
       </p:sp>
       <p:sp>
         <p:nvSpPr>
-          <p:cNvPr id="10" name="ZoneTexte 9"/>
+          <p:cNvPr id="7" name="ZoneTexte 6"/>
           <p:cNvSpPr txBox="1"/>
           <p:nvPr/>
         </p:nvSpPr>
@@ -9640,8 +9782,21 @@
                   <a:srgbClr val="0070C0"/>
                 </a:solidFill>
               </a:rPr>
-              <a:t>ETAPE 4 - PHASE DE TEST</a:t>
-            </a:r>
+              <a:t>ETAPE </a:t>
+            </a:r>
+            <a:r>
+              <a:rPr lang="en-GB" sz="2400" b="1" dirty="0" smtClean="0">
+                <a:solidFill>
+                  <a:srgbClr val="0070C0"/>
+                </a:solidFill>
+              </a:rPr>
+              <a:t>6 – ÉVALUATION DE VOS RÉPONSES</a:t>
+            </a:r>
+            <a:endParaRPr lang="en-GB" sz="2400" b="1" dirty="0">
+              <a:solidFill>
+                <a:srgbClr val="0070C0"/>
+              </a:solidFill>
+            </a:endParaRPr>
           </a:p>
         </p:txBody>
       </p:sp>
@@ -10017,35 +10172,6 @@
           </a:p>
         </p:txBody>
       </p:sp>
-      <p:pic>
-        <p:nvPicPr>
-          <p:cNvPr id="2" name="Picture 1">
-            <a:extLst>
-              <a:ext uri="{FF2B5EF4-FFF2-40B4-BE49-F238E27FC236}">
-                <a16:creationId xmlns:a16="http://schemas.microsoft.com/office/drawing/2014/main" id="{8ED5E4B4-017B-4856-B596-EA7C26A8DA95}"/>
-              </a:ext>
-            </a:extLst>
-          </p:cNvPr>
-          <p:cNvPicPr>
-            <a:picLocks noChangeAspect="1"/>
-          </p:cNvPicPr>
-          <p:nvPr/>
-        </p:nvPicPr>
-        <p:blipFill rotWithShape="1">
-          <a:blip r:embed="rId2"/>
-          <a:srcRect l="22380" t="48800" r="22494" b="19067"/>
-          <a:stretch/>
-        </p:blipFill>
-        <p:spPr>
-          <a:xfrm>
-            <a:off x="3142487" y="2706666"/>
-            <a:ext cx="5907024" cy="2203704"/>
-          </a:xfrm>
-          <a:prstGeom prst="rect">
-            <a:avLst/>
-          </a:prstGeom>
-        </p:spPr>
-      </p:pic>
       <p:sp>
         <p:nvSpPr>
           <p:cNvPr id="6" name="Rectangle 5">
@@ -10118,7 +10244,7 @@
         </p:nvSpPr>
         <p:spPr>
           <a:xfrm>
-            <a:off x="1874194" y="1129902"/>
+            <a:off x="1874192" y="1055221"/>
             <a:ext cx="8443609" cy="830997"/>
           </a:xfrm>
           <a:prstGeom prst="rect">
@@ -10183,16 +10309,17 @@
             </a:r>
             <a:r>
               <a:rPr lang="en-GB" sz="2400" dirty="0"/>
-              <a:t> de </a:t>
-            </a:r>
-            <a:r>
-              <a:rPr lang="en-GB" sz="2400" dirty="0" err="1"/>
-              <a:t>confiance</a:t>
-            </a:r>
-            <a:r>
-              <a:rPr lang="en-GB" sz="2400" dirty="0"/>
+              <a:t> </a:t>
+            </a:r>
+            <a:r>
+              <a:rPr lang="en-GB" sz="2400" dirty="0" err="1" smtClean="0"/>
+              <a:t>d’effort</a:t>
+            </a:r>
+            <a:r>
+              <a:rPr lang="en-GB" sz="2400" dirty="0" smtClean="0"/>
               <a:t>:</a:t>
             </a:r>
+            <a:endParaRPr lang="en-GB" sz="2400" dirty="0"/>
           </a:p>
         </p:txBody>
       </p:sp>
@@ -10271,136 +10398,105 @@
               <a:t> </a:t>
             </a:r>
             <a:r>
-              <a:rPr lang="en-GB" sz="2400" dirty="0" err="1"/>
-              <a:t>votre</a:t>
-            </a:r>
-            <a:r>
-              <a:rPr lang="en-GB" sz="2400" dirty="0"/>
-              <a:t> certitude </a:t>
-            </a:r>
-            <a:r>
-              <a:rPr lang="en-GB" sz="2400" dirty="0" err="1"/>
-              <a:t>d’atteindre</a:t>
-            </a:r>
-            <a:r>
-              <a:rPr lang="en-GB" sz="2400" dirty="0"/>
-              <a:t> le score </a:t>
-            </a:r>
-            <a:r>
-              <a:rPr lang="en-GB" sz="2400" dirty="0" err="1"/>
-              <a:t>cible</a:t>
-            </a:r>
-            <a:r>
-              <a:rPr lang="en-GB" sz="2400" dirty="0"/>
-              <a:t>, </a:t>
-            </a:r>
-            <a:r>
-              <a:rPr lang="en-GB" sz="2400" dirty="0" err="1"/>
-              <a:t>si</a:t>
-            </a:r>
-            <a:r>
-              <a:rPr lang="en-GB" sz="2400" dirty="0"/>
+              <a:rPr lang="en-GB" sz="2400" dirty="0" err="1" smtClean="0"/>
+              <a:t>combien</a:t>
+            </a:r>
+            <a:r>
+              <a:rPr lang="en-GB" sz="2400" dirty="0" smtClean="0"/>
               <a:t> </a:t>
             </a:r>
             <a:r>
-              <a:rPr lang="en-GB" sz="2400" dirty="0" err="1"/>
+              <a:rPr lang="en-GB" sz="2400" dirty="0" err="1" smtClean="0"/>
+              <a:t>d’effort</a:t>
+            </a:r>
+            <a:r>
+              <a:rPr lang="en-GB" sz="2400" dirty="0" smtClean="0"/>
+              <a:t> </a:t>
+            </a:r>
+            <a:r>
+              <a:rPr lang="en-GB" sz="2400" dirty="0" err="1" smtClean="0"/>
               <a:t>vous</a:t>
             </a:r>
             <a:r>
-              <a:rPr lang="en-GB" sz="2400" dirty="0"/>
+              <a:rPr lang="en-GB" sz="2400" dirty="0" smtClean="0"/>
               <a:t> </a:t>
             </a:r>
             <a:r>
-              <a:rPr lang="en-GB" sz="2400" dirty="0" err="1"/>
-              <a:t>aviez</a:t>
-            </a:r>
-            <a:r>
-              <a:rPr lang="en-GB" sz="2400" dirty="0"/>
+              <a:rPr lang="en-GB" sz="2400" dirty="0" err="1" smtClean="0"/>
+              <a:t>avez</a:t>
+            </a:r>
+            <a:r>
+              <a:rPr lang="en-GB" sz="2400" dirty="0" smtClean="0"/>
               <a:t> </a:t>
             </a:r>
             <a:r>
-              <a:rPr lang="en-GB" sz="2400" dirty="0" err="1"/>
-              <a:t>été</a:t>
-            </a:r>
-            <a:r>
-              <a:rPr lang="en-GB" sz="2400" dirty="0"/>
+              <a:rPr lang="en-GB" sz="2400" dirty="0" err="1" smtClean="0"/>
+              <a:t>fourni</a:t>
+            </a:r>
+            <a:r>
+              <a:rPr lang="en-GB" sz="2400" dirty="0" smtClean="0"/>
+              <a:t> pour </a:t>
+            </a:r>
+            <a:r>
+              <a:rPr lang="en-GB" sz="2400" dirty="0" err="1" smtClean="0"/>
+              <a:t>mémoriser</a:t>
+            </a:r>
+            <a:r>
+              <a:rPr lang="en-GB" sz="2400" dirty="0" smtClean="0"/>
+              <a:t> les </a:t>
+            </a:r>
+            <a:r>
+              <a:rPr lang="en-GB" sz="2400" dirty="0" err="1" smtClean="0"/>
+              <a:t>paires</a:t>
+            </a:r>
+            <a:r>
+              <a:rPr lang="en-GB" sz="2400" dirty="0" smtClean="0"/>
+              <a:t> de </a:t>
+            </a:r>
+            <a:r>
+              <a:rPr lang="en-GB" sz="2400" dirty="0" err="1" smtClean="0"/>
+              <a:t>cet</a:t>
+            </a:r>
+            <a:r>
+              <a:rPr lang="en-GB" sz="2400" dirty="0" smtClean="0"/>
               <a:t> </a:t>
             </a:r>
             <a:r>
-              <a:rPr lang="en-GB" sz="2400" dirty="0" err="1"/>
-              <a:t>testé</a:t>
-            </a:r>
-            <a:r>
-              <a:rPr lang="en-GB" sz="2400" dirty="0"/>
+              <a:rPr lang="en-GB" sz="2400" dirty="0" err="1" smtClean="0"/>
+              <a:t>exercice</a:t>
+            </a:r>
+            <a:r>
+              <a:rPr lang="en-GB" sz="2400" dirty="0" smtClean="0"/>
               <a:t>. </a:t>
             </a:r>
-          </a:p>
-        </p:txBody>
-      </p:sp>
-      <p:sp>
-        <p:nvSpPr>
-          <p:cNvPr id="4" name="TextBox 3">
-            <a:extLst>
-              <a:ext uri="{FF2B5EF4-FFF2-40B4-BE49-F238E27FC236}">
-                <a16:creationId xmlns:a16="http://schemas.microsoft.com/office/drawing/2014/main" id="{DFEEA791-0279-444E-8DBE-A13258AF07E7}"/>
-              </a:ext>
-            </a:extLst>
-          </p:cNvPr>
-          <p:cNvSpPr txBox="1"/>
-          <p:nvPr/>
-        </p:nvSpPr>
-        <p:spPr>
-          <a:xfrm>
-            <a:off x="3245358" y="2807405"/>
-            <a:ext cx="5907024" cy="523220"/>
+            <a:endParaRPr lang="en-GB" sz="2400" dirty="0"/>
+          </a:p>
+        </p:txBody>
+      </p:sp>
+      <p:pic>
+        <p:nvPicPr>
+          <p:cNvPr id="7" name="Image 6"/>
+          <p:cNvPicPr>
+            <a:picLocks noChangeAspect="1"/>
+          </p:cNvPicPr>
+          <p:nvPr/>
+        </p:nvPicPr>
+        <p:blipFill>
+          <a:blip r:embed="rId2"/>
+          <a:stretch>
+            <a:fillRect/>
+          </a:stretch>
+        </p:blipFill>
+        <p:spPr>
+          <a:xfrm>
+            <a:off x="3009467" y="2446186"/>
+            <a:ext cx="6173061" cy="2667372"/>
           </a:xfrm>
           <a:prstGeom prst="rect">
             <a:avLst/>
           </a:prstGeom>
-          <a:solidFill>
-            <a:schemeClr val="bg1"/>
-          </a:solidFill>
-        </p:spPr>
-        <p:txBody>
-          <a:bodyPr wrap="square" rtlCol="0">
-            <a:spAutoFit/>
-          </a:bodyPr>
-          <a:lstStyle/>
-          <a:p>
-            <a:r>
-              <a:rPr lang="fr-FR" sz="1400" dirty="0"/>
-              <a:t>Pensez-vous que vous auriez atteint le score cible de 8 si vous aviez été testé ?</a:t>
-            </a:r>
-          </a:p>
-          <a:p>
-            <a:r>
-              <a:rPr lang="fr-FR" sz="1400" dirty="0"/>
-              <a:t>- 100% = </a:t>
-            </a:r>
-            <a:r>
-              <a:rPr lang="fr-FR" sz="1400" b="1" dirty="0"/>
-              <a:t>Certainement pas</a:t>
-            </a:r>
-            <a:r>
-              <a:rPr lang="fr-FR" sz="1400" dirty="0"/>
-              <a:t>, 0% = </a:t>
-            </a:r>
-            <a:r>
-              <a:rPr lang="fr-FR" sz="1400" b="1" dirty="0"/>
-              <a:t>Je ne sais pas</a:t>
-            </a:r>
-            <a:r>
-              <a:rPr lang="fr-FR" sz="1400" dirty="0"/>
-              <a:t>, et 100% = </a:t>
-            </a:r>
-            <a:r>
-              <a:rPr lang="fr-FR" sz="1400" b="1" dirty="0"/>
-              <a:t>Absolument oui</a:t>
-            </a:r>
-            <a:endParaRPr lang="en-GB" sz="1400" b="1" dirty="0"/>
-          </a:p>
-        </p:txBody>
-      </p:sp>
+        </p:spPr>
+      </p:pic>
     </p:spTree>
     <p:extLst>
       <p:ext uri="{BB962C8B-B14F-4D97-AF65-F5344CB8AC3E}">
@@ -10475,330 +10571,349 @@
           </a:p>
         </p:txBody>
       </p:sp>
-      <p:sp>
-        <p:nvSpPr>
-          <p:cNvPr id="6" name="ZoneTexte 5"/>
-          <p:cNvSpPr txBox="1"/>
-          <p:nvPr/>
-        </p:nvSpPr>
-        <p:spPr>
-          <a:xfrm>
-            <a:off x="1467086" y="1210306"/>
-            <a:ext cx="9257828" cy="5262979"/>
-          </a:xfrm>
-          <a:prstGeom prst="rect">
-            <a:avLst/>
-          </a:prstGeom>
-          <a:noFill/>
-        </p:spPr>
-        <p:txBody>
-          <a:bodyPr wrap="square" rtlCol="0">
-            <a:spAutoFit/>
-          </a:bodyPr>
-          <a:lstStyle/>
-          <a:p>
-            <a:pPr algn="ctr"/>
-            <a:r>
-              <a:rPr lang="en-GB" sz="2400" dirty="0"/>
-              <a:t>Au total, le test </a:t>
-            </a:r>
-            <a:r>
-              <a:rPr lang="en-GB" sz="2400" dirty="0" err="1"/>
-              <a:t>comprend</a:t>
-            </a:r>
-            <a:r>
-              <a:rPr lang="en-GB" sz="2400" dirty="0"/>
-              <a:t> 30 </a:t>
-            </a:r>
-            <a:r>
-              <a:rPr lang="en-GB" sz="2400" dirty="0" err="1"/>
-              <a:t>exercices</a:t>
-            </a:r>
-            <a:r>
-              <a:rPr lang="en-GB" sz="2400" dirty="0"/>
-              <a:t> de </a:t>
-            </a:r>
-            <a:r>
-              <a:rPr lang="en-GB" sz="2400" dirty="0" err="1"/>
-              <a:t>mémoire</a:t>
-            </a:r>
-            <a:r>
-              <a:rPr lang="en-GB" sz="2400" dirty="0"/>
-              <a:t>.</a:t>
-            </a:r>
-          </a:p>
-          <a:p>
-            <a:pPr algn="ctr"/>
-            <a:endParaRPr lang="en-GB" sz="2400" dirty="0"/>
-          </a:p>
-          <a:p>
-            <a:pPr algn="ctr"/>
-            <a:r>
-              <a:rPr lang="en-GB" sz="2400" dirty="0" err="1"/>
-              <a:t>Chaque</a:t>
-            </a:r>
-            <a:r>
-              <a:rPr lang="en-GB" sz="2400" dirty="0"/>
-              <a:t> </a:t>
-            </a:r>
-            <a:r>
-              <a:rPr lang="en-GB" sz="2400" dirty="0" err="1"/>
-              <a:t>exercice</a:t>
-            </a:r>
-            <a:r>
-              <a:rPr lang="en-GB" sz="2400" dirty="0"/>
-              <a:t> de </a:t>
-            </a:r>
-            <a:r>
-              <a:rPr lang="en-GB" sz="2400" dirty="0" err="1"/>
-              <a:t>mémoire</a:t>
-            </a:r>
-            <a:r>
-              <a:rPr lang="en-GB" sz="2400" dirty="0"/>
-              <a:t> </a:t>
-            </a:r>
-            <a:r>
-              <a:rPr lang="en-GB" sz="2400" dirty="0" err="1"/>
-              <a:t>comprend</a:t>
-            </a:r>
-            <a:r>
-              <a:rPr lang="en-GB" sz="2400" dirty="0"/>
-              <a:t> 6 </a:t>
-            </a:r>
-            <a:r>
-              <a:rPr lang="en-GB" sz="2400" dirty="0" err="1"/>
-              <a:t>étapes</a:t>
-            </a:r>
-            <a:r>
-              <a:rPr lang="en-GB" sz="2400" dirty="0"/>
-              <a:t>:</a:t>
-            </a:r>
-          </a:p>
-          <a:p>
-            <a:pPr algn="ctr"/>
-            <a:r>
-              <a:rPr lang="en-GB" sz="2400" dirty="0" err="1"/>
-              <a:t>Etape</a:t>
-            </a:r>
-            <a:r>
-              <a:rPr lang="en-GB" sz="2400" dirty="0"/>
-              <a:t> 1: indication du score </a:t>
-            </a:r>
-            <a:r>
-              <a:rPr lang="en-GB" sz="2400" dirty="0" err="1"/>
-              <a:t>cible</a:t>
-            </a:r>
-            <a:endParaRPr lang="en-GB" sz="2400" dirty="0"/>
-          </a:p>
-          <a:p>
-            <a:pPr algn="ctr"/>
-            <a:r>
-              <a:rPr lang="en-GB" sz="2400" dirty="0" err="1"/>
-              <a:t>Etape</a:t>
-            </a:r>
-            <a:r>
-              <a:rPr lang="en-GB" sz="2400" dirty="0"/>
-              <a:t> 2: </a:t>
-            </a:r>
-            <a:r>
-              <a:rPr lang="en-GB" sz="2400" dirty="0" err="1"/>
-              <a:t>jugement</a:t>
-            </a:r>
-            <a:r>
-              <a:rPr lang="en-GB" sz="2400" dirty="0"/>
-              <a:t> </a:t>
-            </a:r>
-            <a:r>
-              <a:rPr lang="fr-FR" sz="2400" dirty="0"/>
-              <a:t>d’efficacité</a:t>
-            </a:r>
-          </a:p>
-          <a:p>
-            <a:pPr algn="ctr"/>
-            <a:r>
-              <a:rPr lang="en-GB" sz="2400" dirty="0" err="1"/>
-              <a:t>Etape</a:t>
-            </a:r>
-            <a:r>
-              <a:rPr lang="en-GB" sz="2400" dirty="0"/>
-              <a:t> 3: phase de </a:t>
-            </a:r>
-            <a:r>
-              <a:rPr lang="en-GB" sz="2400" dirty="0" err="1"/>
-              <a:t>mémorisation</a:t>
-            </a:r>
-            <a:endParaRPr lang="en-GB" sz="2400" dirty="0"/>
-          </a:p>
-          <a:p>
-            <a:pPr algn="ctr"/>
-            <a:r>
-              <a:rPr lang="en-GB" sz="2400" dirty="0" err="1"/>
-              <a:t>Etape</a:t>
-            </a:r>
-            <a:r>
-              <a:rPr lang="en-GB" sz="2400" dirty="0"/>
-              <a:t> 4: phase de test</a:t>
-            </a:r>
-          </a:p>
-          <a:p>
-            <a:pPr algn="ctr"/>
-            <a:r>
-              <a:rPr lang="en-GB" sz="2400" dirty="0" err="1"/>
-              <a:t>Etape</a:t>
-            </a:r>
-            <a:r>
-              <a:rPr lang="en-GB" sz="2400" dirty="0"/>
-              <a:t> 5: </a:t>
-            </a:r>
-            <a:r>
-              <a:rPr lang="en-GB" sz="2400" dirty="0" err="1"/>
-              <a:t>jugement</a:t>
-            </a:r>
-            <a:r>
-              <a:rPr lang="en-GB" sz="2400" dirty="0"/>
-              <a:t> de </a:t>
-            </a:r>
-            <a:r>
-              <a:rPr lang="en-GB" sz="2400" dirty="0" err="1"/>
-              <a:t>confiance</a:t>
-            </a:r>
-            <a:endParaRPr lang="en-GB" sz="2400" dirty="0"/>
-          </a:p>
-          <a:p>
-            <a:pPr algn="ctr"/>
-            <a:r>
-              <a:rPr lang="en-GB" sz="2400" dirty="0" err="1"/>
-              <a:t>Etape</a:t>
-            </a:r>
-            <a:r>
-              <a:rPr lang="en-GB" sz="2400" dirty="0"/>
-              <a:t> 6: retour sur </a:t>
-            </a:r>
-            <a:r>
-              <a:rPr lang="en-GB" sz="2400" dirty="0" err="1"/>
-              <a:t>votre</a:t>
-            </a:r>
-            <a:r>
-              <a:rPr lang="en-GB" sz="2400" dirty="0"/>
-              <a:t> performance</a:t>
-            </a:r>
-          </a:p>
-          <a:p>
-            <a:pPr algn="ctr"/>
-            <a:endParaRPr lang="en-GB" sz="2400" dirty="0"/>
-          </a:p>
-          <a:p>
-            <a:pPr algn="ctr"/>
-            <a:r>
-              <a:rPr lang="en-GB" sz="2400" dirty="0" err="1"/>
-              <a:t>Relisez</a:t>
-            </a:r>
-            <a:r>
-              <a:rPr lang="en-GB" sz="2400" dirty="0"/>
-              <a:t> </a:t>
-            </a:r>
-            <a:r>
-              <a:rPr lang="en-GB" sz="2400" dirty="0" err="1"/>
-              <a:t>ces</a:t>
-            </a:r>
-            <a:r>
-              <a:rPr lang="en-GB" sz="2400" dirty="0"/>
-              <a:t> instructions </a:t>
-            </a:r>
-            <a:r>
-              <a:rPr lang="en-GB" sz="2400" dirty="0" err="1"/>
-              <a:t>jusqu’à</a:t>
-            </a:r>
-            <a:r>
-              <a:rPr lang="en-GB" sz="2400" dirty="0"/>
-              <a:t> </a:t>
-            </a:r>
-            <a:r>
-              <a:rPr lang="en-GB" sz="2400" dirty="0" err="1"/>
-              <a:t>ce</a:t>
-            </a:r>
-            <a:r>
-              <a:rPr lang="en-GB" sz="2400" dirty="0"/>
-              <a:t> </a:t>
-            </a:r>
-            <a:r>
-              <a:rPr lang="en-GB" sz="2400" dirty="0" err="1"/>
-              <a:t>qu’elles</a:t>
-            </a:r>
-            <a:r>
-              <a:rPr lang="en-GB" sz="2400" dirty="0"/>
-              <a:t> </a:t>
-            </a:r>
-            <a:r>
-              <a:rPr lang="en-GB" sz="2400" dirty="0" err="1"/>
-              <a:t>soient</a:t>
-            </a:r>
-            <a:r>
-              <a:rPr lang="en-GB" sz="2400" dirty="0"/>
-              <a:t> </a:t>
-            </a:r>
-            <a:r>
-              <a:rPr lang="en-GB" sz="2400" dirty="0" err="1"/>
-              <a:t>parfaitement</a:t>
-            </a:r>
-            <a:r>
-              <a:rPr lang="en-GB" sz="2400" dirty="0"/>
-              <a:t> </a:t>
-            </a:r>
-            <a:r>
-              <a:rPr lang="en-GB" sz="2400" dirty="0" err="1"/>
-              <a:t>claires</a:t>
-            </a:r>
-            <a:r>
-              <a:rPr lang="en-GB" sz="2400" dirty="0"/>
-              <a:t>.</a:t>
-            </a:r>
-          </a:p>
-          <a:p>
-            <a:pPr algn="ctr"/>
-            <a:endParaRPr lang="en-GB" sz="2400" dirty="0"/>
-          </a:p>
-          <a:p>
-            <a:pPr algn="ctr"/>
-            <a:r>
-              <a:rPr lang="en-GB" sz="2400" dirty="0" err="1"/>
-              <a:t>Vous</a:t>
-            </a:r>
-            <a:r>
-              <a:rPr lang="en-GB" sz="2400" dirty="0"/>
-              <a:t> </a:t>
-            </a:r>
-            <a:r>
-              <a:rPr lang="en-GB" sz="2400" dirty="0" err="1"/>
-              <a:t>êtes</a:t>
-            </a:r>
-            <a:r>
-              <a:rPr lang="en-GB" sz="2400" dirty="0"/>
-              <a:t> prêt(e)? </a:t>
-            </a:r>
-            <a:r>
-              <a:rPr lang="en-GB" sz="2400" dirty="0" err="1"/>
-              <a:t>Cest</a:t>
-            </a:r>
-            <a:r>
-              <a:rPr lang="en-GB" sz="2400" dirty="0"/>
-              <a:t> </a:t>
-            </a:r>
-            <a:r>
-              <a:rPr lang="en-GB" sz="2400" dirty="0" err="1"/>
-              <a:t>parti</a:t>
-            </a:r>
-            <a:r>
-              <a:rPr lang="en-GB" sz="2400" dirty="0"/>
-              <a:t>…</a:t>
-            </a:r>
-          </a:p>
-          <a:p>
-            <a:pPr algn="ctr"/>
-            <a:endParaRPr lang="en-GB" sz="2400" b="1" dirty="0"/>
-          </a:p>
-        </p:txBody>
-      </p:sp>
+      <p:grpSp>
+        <p:nvGrpSpPr>
+          <p:cNvPr id="7" name="Groupe 6"/>
+          <p:cNvGrpSpPr/>
+          <p:nvPr/>
+        </p:nvGrpSpPr>
+        <p:grpSpPr>
+          <a:xfrm>
+            <a:off x="1467086" y="1065163"/>
+            <a:ext cx="9257828" cy="5632311"/>
+            <a:chOff x="1467086" y="1210306"/>
+            <a:chExt cx="9257828" cy="5632311"/>
+          </a:xfrm>
+        </p:grpSpPr>
+        <p:sp>
+          <p:nvSpPr>
+            <p:cNvPr id="6" name="ZoneTexte 5"/>
+            <p:cNvSpPr txBox="1"/>
+            <p:nvPr/>
+          </p:nvSpPr>
+          <p:spPr>
+            <a:xfrm>
+              <a:off x="1467086" y="1210306"/>
+              <a:ext cx="9257828" cy="5632311"/>
+            </a:xfrm>
+            <a:prstGeom prst="rect">
+              <a:avLst/>
+            </a:prstGeom>
+            <a:noFill/>
+          </p:spPr>
+          <p:txBody>
+            <a:bodyPr wrap="square" numCol="1" rtlCol="0">
+              <a:spAutoFit/>
+            </a:bodyPr>
+            <a:lstStyle/>
+            <a:p>
+              <a:pPr algn="ctr"/>
+              <a:r>
+                <a:rPr lang="en-GB" sz="2400" dirty="0"/>
+                <a:t>Au total, le test </a:t>
+              </a:r>
+              <a:r>
+                <a:rPr lang="en-GB" sz="2400" dirty="0" err="1"/>
+                <a:t>comprend</a:t>
+              </a:r>
+              <a:r>
+                <a:rPr lang="en-GB" sz="2400" dirty="0"/>
+                <a:t> </a:t>
+              </a:r>
+              <a:r>
+                <a:rPr lang="en-GB" sz="2400" dirty="0" smtClean="0"/>
+                <a:t>20 </a:t>
+              </a:r>
+              <a:r>
+                <a:rPr lang="en-GB" sz="2400" dirty="0" err="1"/>
+                <a:t>exercices</a:t>
+              </a:r>
+              <a:r>
+                <a:rPr lang="en-GB" sz="2400" dirty="0"/>
+                <a:t> de </a:t>
+              </a:r>
+              <a:r>
+                <a:rPr lang="en-GB" sz="2400" dirty="0" err="1"/>
+                <a:t>mémoire</a:t>
+              </a:r>
+              <a:r>
+                <a:rPr lang="en-GB" sz="2400" dirty="0"/>
+                <a:t>.</a:t>
+              </a:r>
+            </a:p>
+            <a:p>
+              <a:pPr algn="ctr"/>
+              <a:endParaRPr lang="en-GB" sz="2400" dirty="0"/>
+            </a:p>
+            <a:p>
+              <a:pPr algn="ctr"/>
+              <a:r>
+                <a:rPr lang="fr-FR" sz="2400" dirty="0"/>
+                <a:t>Chaque exercice de mémoire comprend 6 étapes </a:t>
+              </a:r>
+              <a:r>
+                <a:rPr lang="fr-FR" sz="2400" dirty="0" smtClean="0"/>
+                <a:t>:</a:t>
+              </a:r>
+            </a:p>
+            <a:p>
+              <a:pPr algn="ctr"/>
+              <a:endParaRPr lang="fr-FR" sz="2400" dirty="0"/>
+            </a:p>
+            <a:p>
+              <a:pPr algn="ctr"/>
+              <a:r>
+                <a:rPr lang="fr-FR" sz="2400" dirty="0">
+                  <a:solidFill>
+                    <a:schemeClr val="bg1"/>
+                  </a:solidFill>
+                </a:rPr>
+                <a:t>Etape 1 : nous vous indiquons le score cible</a:t>
+              </a:r>
+            </a:p>
+            <a:p>
+              <a:pPr algn="ctr"/>
+              <a:r>
+                <a:rPr lang="fr-FR" sz="2400" dirty="0">
+                  <a:solidFill>
+                    <a:schemeClr val="bg1"/>
+                  </a:solidFill>
+                </a:rPr>
+                <a:t>Etape 2 : vous imaginez la quantité d’effort dont vous pensez avoir besoin</a:t>
+              </a:r>
+            </a:p>
+            <a:p>
+              <a:pPr algn="ctr"/>
+              <a:r>
+                <a:rPr lang="fr-FR" sz="2400" dirty="0">
+                  <a:solidFill>
+                    <a:schemeClr val="bg1"/>
+                  </a:solidFill>
+                </a:rPr>
+                <a:t>Etape 3 : vous mémorisez la grille</a:t>
+              </a:r>
+            </a:p>
+            <a:p>
+              <a:pPr algn="ctr"/>
+              <a:r>
+                <a:rPr lang="fr-FR" sz="2400" dirty="0">
+                  <a:solidFill>
+                    <a:schemeClr val="bg1"/>
+                  </a:solidFill>
+                </a:rPr>
+                <a:t>Etape 4 : nous testons votre mémoire</a:t>
+              </a:r>
+            </a:p>
+            <a:p>
+              <a:pPr algn="ctr"/>
+              <a:r>
+                <a:rPr lang="fr-FR" sz="2400" dirty="0" smtClean="0">
+                  <a:solidFill>
+                    <a:schemeClr val="bg1"/>
+                  </a:solidFill>
+                </a:rPr>
+                <a:t>Etape 5 : vous autoévaluez votre performance</a:t>
+              </a:r>
+            </a:p>
+            <a:p>
+              <a:pPr algn="ctr"/>
+              <a:r>
+                <a:rPr lang="fr-FR" sz="2400" dirty="0" smtClean="0">
+                  <a:solidFill>
+                    <a:schemeClr val="bg1"/>
+                  </a:solidFill>
+                </a:rPr>
+                <a:t>Etape </a:t>
+              </a:r>
+              <a:r>
+                <a:rPr lang="fr-FR" sz="2400" dirty="0">
+                  <a:solidFill>
+                    <a:schemeClr val="bg1"/>
+                  </a:solidFill>
+                </a:rPr>
+                <a:t>6 : nous évaluons vos réponses </a:t>
+              </a:r>
+            </a:p>
+            <a:p>
+              <a:pPr algn="ctr"/>
+              <a:endParaRPr lang="en-GB" sz="2400" dirty="0" smtClean="0"/>
+            </a:p>
+            <a:p>
+              <a:pPr algn="ctr"/>
+              <a:endParaRPr lang="en-GB" sz="2400" dirty="0" smtClean="0"/>
+            </a:p>
+            <a:p>
+              <a:pPr algn="ctr"/>
+              <a:r>
+                <a:rPr lang="en-GB" sz="2400" dirty="0" err="1" smtClean="0"/>
+                <a:t>Relisez</a:t>
+              </a:r>
+              <a:r>
+                <a:rPr lang="en-GB" sz="2400" dirty="0" smtClean="0"/>
+                <a:t> </a:t>
+              </a:r>
+              <a:r>
+                <a:rPr lang="en-GB" sz="2400" dirty="0" err="1"/>
+                <a:t>ces</a:t>
+              </a:r>
+              <a:r>
+                <a:rPr lang="en-GB" sz="2400" dirty="0"/>
+                <a:t> instructions </a:t>
+              </a:r>
+              <a:r>
+                <a:rPr lang="en-GB" sz="2400" dirty="0" err="1"/>
+                <a:t>jusqu’à</a:t>
+              </a:r>
+              <a:r>
+                <a:rPr lang="en-GB" sz="2400" dirty="0"/>
+                <a:t> </a:t>
+              </a:r>
+              <a:r>
+                <a:rPr lang="en-GB" sz="2400" dirty="0" err="1"/>
+                <a:t>ce</a:t>
+              </a:r>
+              <a:r>
+                <a:rPr lang="en-GB" sz="2400" dirty="0"/>
+                <a:t> </a:t>
+              </a:r>
+              <a:r>
+                <a:rPr lang="en-GB" sz="2400" dirty="0" err="1"/>
+                <a:t>qu’elles</a:t>
+              </a:r>
+              <a:r>
+                <a:rPr lang="en-GB" sz="2400" dirty="0"/>
+                <a:t> </a:t>
+              </a:r>
+              <a:r>
+                <a:rPr lang="en-GB" sz="2400" dirty="0" err="1"/>
+                <a:t>soient</a:t>
+              </a:r>
+              <a:r>
+                <a:rPr lang="en-GB" sz="2400" dirty="0"/>
+                <a:t> </a:t>
+              </a:r>
+              <a:r>
+                <a:rPr lang="en-GB" sz="2400" dirty="0" err="1"/>
+                <a:t>parfaitement</a:t>
+              </a:r>
+              <a:r>
+                <a:rPr lang="en-GB" sz="2400" dirty="0"/>
+                <a:t> </a:t>
+              </a:r>
+              <a:r>
+                <a:rPr lang="en-GB" sz="2400" dirty="0" err="1"/>
+                <a:t>claires</a:t>
+              </a:r>
+              <a:r>
+                <a:rPr lang="en-GB" sz="2400" dirty="0"/>
+                <a:t>.</a:t>
+              </a:r>
+            </a:p>
+            <a:p>
+              <a:pPr algn="ctr"/>
+              <a:endParaRPr lang="en-GB" sz="2400" dirty="0"/>
+            </a:p>
+            <a:p>
+              <a:pPr algn="ctr"/>
+              <a:endParaRPr lang="en-GB" sz="2400" b="1" dirty="0"/>
+            </a:p>
+          </p:txBody>
+        </p:sp>
+        <p:sp>
+          <p:nvSpPr>
+            <p:cNvPr id="3" name="Rectangle 2"/>
+            <p:cNvSpPr/>
+            <p:nvPr/>
+          </p:nvSpPr>
+          <p:spPr>
+            <a:xfrm>
+              <a:off x="3352800" y="2681237"/>
+              <a:ext cx="6020651" cy="2677656"/>
+            </a:xfrm>
+            <a:prstGeom prst="rect">
+              <a:avLst/>
+            </a:prstGeom>
+          </p:spPr>
+          <p:txBody>
+            <a:bodyPr wrap="square">
+              <a:spAutoFit/>
+            </a:bodyPr>
+            <a:lstStyle/>
+            <a:p>
+              <a:r>
+                <a:rPr lang="fr-FR" sz="2400" b="1" dirty="0" smtClean="0"/>
+                <a:t>Etape </a:t>
+              </a:r>
+              <a:r>
+                <a:rPr lang="fr-FR" sz="2400" b="1" dirty="0"/>
+                <a:t>1 </a:t>
+              </a:r>
+              <a:r>
+                <a:rPr lang="fr-FR" sz="2400" dirty="0"/>
+                <a:t>: nous vous indiquons le score cible</a:t>
+              </a:r>
+            </a:p>
+            <a:p>
+              <a:r>
+                <a:rPr lang="fr-FR" sz="2400" b="1" dirty="0"/>
+                <a:t>Etape 2</a:t>
+              </a:r>
+              <a:r>
+                <a:rPr lang="fr-FR" sz="2400" dirty="0"/>
+                <a:t> : vous imaginez la quantité d’effort dont vous pensez avoir besoin</a:t>
+              </a:r>
+            </a:p>
+            <a:p>
+              <a:r>
+                <a:rPr lang="fr-FR" sz="2400" b="1" dirty="0"/>
+                <a:t>Etape 3 </a:t>
+              </a:r>
+              <a:r>
+                <a:rPr lang="fr-FR" sz="2400" dirty="0"/>
+                <a:t>: vous mémorisez la grille</a:t>
+              </a:r>
+            </a:p>
+            <a:p>
+              <a:r>
+                <a:rPr lang="fr-FR" sz="2400" b="1" dirty="0"/>
+                <a:t>Etape 4</a:t>
+              </a:r>
+              <a:r>
+                <a:rPr lang="fr-FR" sz="2400" dirty="0"/>
+                <a:t> : nous testons votre mémoire</a:t>
+              </a:r>
+            </a:p>
+            <a:p>
+              <a:r>
+                <a:rPr lang="fr-FR" sz="2400" b="1" dirty="0"/>
+                <a:t>Etape 5</a:t>
+              </a:r>
+              <a:r>
+                <a:rPr lang="fr-FR" sz="2400" dirty="0"/>
+                <a:t> : vous </a:t>
+              </a:r>
+              <a:r>
+                <a:rPr lang="fr-FR" sz="2400" dirty="0" err="1"/>
+                <a:t>auto-évaluez</a:t>
+              </a:r>
+              <a:r>
+                <a:rPr lang="fr-FR" sz="2400" dirty="0"/>
+                <a:t> votre performance</a:t>
+              </a:r>
+            </a:p>
+            <a:p>
+              <a:r>
+                <a:rPr lang="fr-FR" sz="2400" b="1" dirty="0"/>
+                <a:t>Etape 6</a:t>
+              </a:r>
+              <a:r>
+                <a:rPr lang="fr-FR" sz="2400" dirty="0"/>
+                <a:t> : nous évaluons vos réponses </a:t>
+              </a:r>
+            </a:p>
+          </p:txBody>
+        </p:sp>
+      </p:grpSp>
     </p:spTree>
     <p:extLst>
       <p:ext uri="{BB962C8B-B14F-4D97-AF65-F5344CB8AC3E}">
@@ -10809,6 +10924,226 @@
   <p:clrMapOvr>
     <a:masterClrMapping/>
   </p:clrMapOvr>
+</p:sld>
+</file>
+
+<file path=ppt/slides/slide34.xml><?xml version="1.0" encoding="utf-8"?>
+<p:sld xmlns:a="http://schemas.openxmlformats.org/drawingml/2006/main" xmlns:r="http://schemas.openxmlformats.org/officeDocument/2006/relationships" xmlns:p="http://schemas.openxmlformats.org/presentationml/2006/main">
+  <p:cSld>
+    <p:spTree>
+      <p:nvGrpSpPr>
+        <p:cNvPr id="1" name=""/>
+        <p:cNvGrpSpPr/>
+        <p:nvPr/>
+      </p:nvGrpSpPr>
+      <p:grpSpPr>
+        <a:xfrm>
+          <a:off x="0" y="0"/>
+          <a:ext cx="0" cy="0"/>
+          <a:chOff x="0" y="0"/>
+          <a:chExt cx="0" cy="0"/>
+        </a:xfrm>
+      </p:grpSpPr>
+      <p:sp>
+        <p:nvSpPr>
+          <p:cNvPr id="5" name="ZoneTexte 4"/>
+          <p:cNvSpPr txBox="1"/>
+          <p:nvPr/>
+        </p:nvSpPr>
+        <p:spPr>
+          <a:xfrm>
+            <a:off x="3878093" y="379385"/>
+            <a:ext cx="4435815" cy="461665"/>
+          </a:xfrm>
+          <a:prstGeom prst="rect">
+            <a:avLst/>
+          </a:prstGeom>
+          <a:noFill/>
+          <a:ln>
+            <a:noFill/>
+          </a:ln>
+        </p:spPr>
+        <p:txBody>
+          <a:bodyPr wrap="square" rtlCol="0" anchor="ctr">
+            <a:spAutoFit/>
+          </a:bodyPr>
+          <a:lstStyle/>
+          <a:p>
+            <a:pPr algn="ctr">
+              <a:spcBef>
+                <a:spcPts val="1800"/>
+              </a:spcBef>
+              <a:spcAft>
+                <a:spcPts val="1800"/>
+              </a:spcAft>
+            </a:pPr>
+            <a:r>
+              <a:rPr lang="en-GB" sz="2400" b="1" dirty="0" smtClean="0">
+                <a:solidFill>
+                  <a:srgbClr val="0070C0"/>
+                </a:solidFill>
+              </a:rPr>
+              <a:t>VOTRE CAPACITÉ INITIALE</a:t>
+            </a:r>
+            <a:endParaRPr lang="en-GB" sz="2400" b="1" dirty="0">
+              <a:solidFill>
+                <a:srgbClr val="0070C0"/>
+              </a:solidFill>
+            </a:endParaRPr>
+          </a:p>
+        </p:txBody>
+      </p:sp>
+      <p:sp>
+        <p:nvSpPr>
+          <p:cNvPr id="6" name="ZoneTexte 5"/>
+          <p:cNvSpPr txBox="1"/>
+          <p:nvPr/>
+        </p:nvSpPr>
+        <p:spPr>
+          <a:xfrm>
+            <a:off x="1467086" y="2327905"/>
+            <a:ext cx="9257828" cy="2616101"/>
+          </a:xfrm>
+          <a:prstGeom prst="rect">
+            <a:avLst/>
+          </a:prstGeom>
+          <a:noFill/>
+        </p:spPr>
+        <p:txBody>
+          <a:bodyPr wrap="square" numCol="1" rtlCol="0">
+            <a:spAutoFit/>
+          </a:bodyPr>
+          <a:lstStyle/>
+          <a:p>
+            <a:pPr algn="ctr">
+              <a:spcAft>
+                <a:spcPts val="1200"/>
+              </a:spcAft>
+            </a:pPr>
+            <a:r>
+              <a:rPr lang="en-GB" sz="2400" dirty="0" smtClean="0"/>
+              <a:t>Avant le premier </a:t>
+            </a:r>
+            <a:r>
+              <a:rPr lang="en-GB" sz="2400" dirty="0" err="1" smtClean="0"/>
+              <a:t>exercice</a:t>
+            </a:r>
+            <a:r>
+              <a:rPr lang="en-GB" sz="2400" dirty="0" smtClean="0"/>
+              <a:t>, nous </a:t>
+            </a:r>
+            <a:r>
+              <a:rPr lang="en-GB" sz="2400" dirty="0" err="1" smtClean="0"/>
+              <a:t>voullons</a:t>
+            </a:r>
+            <a:r>
+              <a:rPr lang="en-GB" sz="2400" dirty="0" smtClean="0"/>
+              <a:t> </a:t>
+            </a:r>
+            <a:r>
+              <a:rPr lang="en-GB" sz="2400" dirty="0" err="1" smtClean="0"/>
+              <a:t>mesurer</a:t>
+            </a:r>
+            <a:r>
+              <a:rPr lang="en-GB" sz="2400" dirty="0" smtClean="0"/>
+              <a:t> </a:t>
+            </a:r>
+            <a:r>
+              <a:rPr lang="fr-FR" sz="2400" dirty="0"/>
+              <a:t>votre capacité </a:t>
+            </a:r>
+            <a:r>
+              <a:rPr lang="fr-FR" sz="2400" dirty="0" smtClean="0"/>
+              <a:t>initiale à </a:t>
+            </a:r>
+            <a:r>
+              <a:rPr lang="fr-FR" sz="2400" dirty="0" err="1"/>
+              <a:t>auto-évaluer</a:t>
+            </a:r>
+            <a:r>
+              <a:rPr lang="fr-FR" sz="2400" dirty="0"/>
+              <a:t> correctement vos compétences </a:t>
+            </a:r>
+            <a:r>
+              <a:rPr lang="fr-FR" sz="2400" dirty="0" smtClean="0"/>
+              <a:t>mentales.</a:t>
+            </a:r>
+          </a:p>
+          <a:p>
+            <a:pPr algn="ctr">
+              <a:spcAft>
+                <a:spcPts val="1200"/>
+              </a:spcAft>
+            </a:pPr>
+            <a:r>
+              <a:rPr lang="fr-FR" sz="2400" dirty="0"/>
+              <a:t>Nous vous montrerons la grille une fois et puis vous demanderons d’imaginer combien d’effort cela vous demanderait pour atteindre </a:t>
+            </a:r>
+            <a:r>
+              <a:rPr lang="fr-FR" sz="2400" dirty="0" smtClean="0"/>
+              <a:t>différents scores.</a:t>
+            </a:r>
+            <a:endParaRPr lang="fr-FR" sz="2400" dirty="0" smtClean="0"/>
+          </a:p>
+          <a:p>
+            <a:pPr algn="ctr">
+              <a:spcAft>
+                <a:spcPts val="1200"/>
+              </a:spcAft>
+            </a:pPr>
+            <a:r>
+              <a:rPr lang="en-GB" sz="2400" dirty="0" err="1"/>
+              <a:t>Vous</a:t>
+            </a:r>
+            <a:r>
+              <a:rPr lang="en-GB" sz="2400" dirty="0"/>
+              <a:t> </a:t>
+            </a:r>
+            <a:r>
+              <a:rPr lang="en-GB" sz="2400" dirty="0" err="1"/>
+              <a:t>êtes</a:t>
+            </a:r>
+            <a:r>
+              <a:rPr lang="en-GB" sz="2400" dirty="0"/>
+              <a:t> prêt(e)? </a:t>
+            </a:r>
+            <a:r>
+              <a:rPr lang="en-GB" sz="2400" dirty="0" err="1"/>
+              <a:t>Cest</a:t>
+            </a:r>
+            <a:r>
+              <a:rPr lang="en-GB" sz="2400" dirty="0"/>
+              <a:t> </a:t>
+            </a:r>
+            <a:r>
+              <a:rPr lang="en-GB" sz="2400" dirty="0" err="1"/>
+              <a:t>parti</a:t>
+            </a:r>
+            <a:r>
+              <a:rPr lang="en-GB" sz="2400" dirty="0" smtClean="0"/>
+              <a:t>…</a:t>
+            </a:r>
+            <a:endParaRPr lang="en-GB" sz="2400" dirty="0"/>
+          </a:p>
+        </p:txBody>
+      </p:sp>
+    </p:spTree>
+    <p:extLst>
+      <p:ext uri="{BB962C8B-B14F-4D97-AF65-F5344CB8AC3E}">
+        <p14:creationId xmlns:p14="http://schemas.microsoft.com/office/powerpoint/2010/main" val="2216696504"/>
+      </p:ext>
+    </p:extLst>
+  </p:cSld>
+  <p:clrMapOvr>
+    <a:masterClrMapping/>
+  </p:clrMapOvr>
+  <p:timing>
+    <p:tnLst>
+      <p:par>
+        <p:cTn id="1" dur="indefinite" restart="never" nodeType="tmRoot"/>
+      </p:par>
+    </p:tnLst>
+  </p:timing>
 </p:sld>
 </file>
 
@@ -11160,8 +11495,8 @@
         </p:nvSpPr>
         <p:spPr>
           <a:xfrm>
-            <a:off x="1874194" y="1403927"/>
-            <a:ext cx="8443609" cy="4616648"/>
+            <a:off x="1874195" y="1737755"/>
+            <a:ext cx="8443609" cy="4093428"/>
           </a:xfrm>
           <a:prstGeom prst="rect">
             <a:avLst/>
@@ -11209,14 +11544,6 @@
                 <a:spcPts val="1200"/>
               </a:spcAft>
             </a:pPr>
-            <a:endParaRPr lang="fr-FR" sz="2400" dirty="0"/>
-          </a:p>
-          <a:p>
-            <a:pPr algn="ctr">
-              <a:spcAft>
-                <a:spcPts val="1200"/>
-              </a:spcAft>
-            </a:pPr>
             <a:r>
               <a:rPr lang="fr-FR" sz="2400" dirty="0"/>
               <a:t>Nous vous indiquerons le score cible au début de chaque exercice. Vous aurez la possibilité de doser votre effort de mémorisation en visualisant l’emplacement des 8 paires de chiffres autant de fois que vous le souhaitez, avant de démarrer la phase de test. </a:t>
@@ -11260,7 +11587,23 @@
                   <a:srgbClr val="0070C0"/>
                 </a:solidFill>
               </a:rPr>
-              <a:t>LES EXERCICES DE MÉMOIRE :</a:t>
+              <a:t>LES EXERCICES DE </a:t>
+            </a:r>
+            <a:r>
+              <a:rPr lang="en-GB" sz="2400" b="1" dirty="0" smtClean="0">
+                <a:solidFill>
+                  <a:srgbClr val="0070C0"/>
+                </a:solidFill>
+              </a:rPr>
+              <a:t>MEMOIRE </a:t>
+            </a:r>
+            <a:r>
+              <a:rPr lang="en-GB" sz="2400" b="1" dirty="0">
+                <a:solidFill>
+                  <a:srgbClr val="0070C0"/>
+                </a:solidFill>
+              </a:rPr>
+              <a:t>:</a:t>
             </a:r>
           </a:p>
           <a:p>
@@ -11342,7 +11685,23 @@
                   <a:srgbClr val="0070C0"/>
                 </a:solidFill>
               </a:rPr>
-              <a:t>LES EXERCICES DE MÉMOIRE :</a:t>
+              <a:t>LES EXERCICES DE </a:t>
+            </a:r>
+            <a:r>
+              <a:rPr lang="fr-FR" sz="2400" b="1" dirty="0" smtClean="0">
+                <a:solidFill>
+                  <a:srgbClr val="0070C0"/>
+                </a:solidFill>
+              </a:rPr>
+              <a:t>MEMOIRE </a:t>
+            </a:r>
+            <a:r>
+              <a:rPr lang="fr-FR" sz="2400" b="1" dirty="0">
+                <a:solidFill>
+                  <a:srgbClr val="0070C0"/>
+                </a:solidFill>
+              </a:rPr>
+              <a:t>:</a:t>
             </a:r>
           </a:p>
           <a:p>
@@ -11492,7 +11851,7 @@
         </p:nvSpPr>
         <p:spPr>
           <a:xfrm>
-            <a:off x="3576701" y="379385"/>
+            <a:off x="3576701" y="393899"/>
             <a:ext cx="5038598" cy="461665"/>
           </a:xfrm>
           <a:prstGeom prst="rect">
@@ -11523,7 +11882,23 @@
                   <a:srgbClr val="0070C0"/>
                 </a:solidFill>
               </a:rPr>
-              <a:t>ETAPE 1 - AFFICHAGE DU SCORE CIBLE</a:t>
+              <a:t>ETAPE </a:t>
+            </a:r>
+            <a:r>
+              <a:rPr lang="en-GB" sz="2400" b="1" dirty="0" smtClean="0">
+                <a:solidFill>
+                  <a:srgbClr val="0070C0"/>
+                </a:solidFill>
+              </a:rPr>
+              <a:t>1 - AFFICHAGE </a:t>
+            </a:r>
+            <a:r>
+              <a:rPr lang="en-GB" sz="2400" b="1" dirty="0">
+                <a:solidFill>
+                  <a:srgbClr val="0070C0"/>
+                </a:solidFill>
+              </a:rPr>
+              <a:t>DU SCORE CIBLE</a:t>
             </a:r>
           </a:p>
         </p:txBody>
@@ -11629,8 +12004,8 @@
         </p:nvSpPr>
         <p:spPr>
           <a:xfrm>
-            <a:off x="4915030" y="3993766"/>
-            <a:ext cx="2361935" cy="1569660"/>
+            <a:off x="4779798" y="3993766"/>
+            <a:ext cx="2632399" cy="1200329"/>
           </a:xfrm>
           <a:prstGeom prst="rect">
             <a:avLst/>
@@ -11760,7 +12135,23 @@
                   <a:srgbClr val="0070C0"/>
                 </a:solidFill>
               </a:rPr>
-              <a:t>ETAPE 2 – IMAGINATION DE L’EFFORT</a:t>
+              <a:t>ETAPE 2 </a:t>
+            </a:r>
+            <a:r>
+              <a:rPr lang="fr-FR" sz="2400" b="1" dirty="0" smtClean="0">
+                <a:solidFill>
+                  <a:srgbClr val="0070C0"/>
+                </a:solidFill>
+              </a:rPr>
+              <a:t>- </a:t>
+            </a:r>
+            <a:r>
+              <a:rPr lang="fr-FR" sz="2400" b="1" dirty="0">
+                <a:solidFill>
+                  <a:srgbClr val="0070C0"/>
+                </a:solidFill>
+              </a:rPr>
+              <a:t>IMAGINATION DE L’EFFORT</a:t>
             </a:r>
             <a:endParaRPr lang="en-GB" sz="2400" b="1" dirty="0">
               <a:solidFill>
@@ -12140,20 +12531,16 @@
               <a:t> de la grille pour </a:t>
             </a:r>
             <a:r>
-              <a:rPr lang="en-GB" dirty="0" err="1"/>
-              <a:t>vous</a:t>
+              <a:rPr lang="en-GB" dirty="0" err="1" smtClean="0"/>
+              <a:t>atteindre</a:t>
+            </a:r>
+            <a:r>
+              <a:rPr lang="en-GB" dirty="0" smtClean="0"/>
+              <a:t> </a:t>
             </a:r>
             <a:r>
               <a:rPr lang="en-GB" dirty="0"/>
-              <a:t> </a:t>
-            </a:r>
-            <a:r>
-              <a:rPr lang="en-GB" dirty="0" err="1"/>
-              <a:t>atteindre</a:t>
-            </a:r>
-            <a:r>
-              <a:rPr lang="en-GB" dirty="0"/>
-              <a:t> le score </a:t>
+              <a:t>le score </a:t>
             </a:r>
             <a:r>
               <a:rPr lang="en-GB" dirty="0" err="1"/>
@@ -12206,7 +12593,15 @@
                   <a:srgbClr val="0070C0"/>
                 </a:solidFill>
               </a:rPr>
-              <a:t>ETAPE 2 - JUGEMENT D’EFFICACITE</a:t>
+              <a:t>ETAPE 2 - IMAGINATION DE </a:t>
+            </a:r>
+            <a:r>
+              <a:rPr lang="fr-FR" sz="2400" b="1" dirty="0" smtClean="0">
+                <a:solidFill>
+                  <a:srgbClr val="0070C0"/>
+                </a:solidFill>
+              </a:rPr>
+              <a:t>L’EFFORT</a:t>
             </a:r>
             <a:endParaRPr lang="en-GB" sz="2400" b="1" dirty="0">
               <a:solidFill>

--- a/src/SE_ELAN/Stimuli/Instructions.pptx
+++ b/src/SE_ELAN/Stimuli/Instructions.pptx
@@ -11033,8 +11033,8 @@
               <a:t>, nous </a:t>
             </a:r>
             <a:r>
-              <a:rPr lang="en-GB" sz="2400" dirty="0" err="1" smtClean="0"/>
-              <a:t>voullons</a:t>
+              <a:rPr lang="en-GB" sz="2400" smtClean="0"/>
+              <a:t>voulons</a:t>
             </a:r>
             <a:r>
               <a:rPr lang="en-GB" sz="2400" dirty="0" smtClean="0"/>
@@ -11083,7 +11083,6 @@
               <a:rPr lang="fr-FR" sz="2400" dirty="0" smtClean="0"/>
               <a:t>différents scores.</a:t>
             </a:r>
-            <a:endParaRPr lang="fr-FR" sz="2400" dirty="0" smtClean="0"/>
           </a:p>
           <a:p>
             <a:pPr algn="ctr">

--- a/src/SE_ELAN/Stimuli/Instructions.pptx
+++ b/src/SE_ELAN/Stimuli/Instructions.pptx
@@ -318,7 +318,7 @@
           <a:p>
             <a:fld id="{9D7F7A4F-C86B-4E97-8396-79EF10BBD040}" type="slidenum">
               <a:rPr lang="en-GB" smtClean="0"/>
-              <a:t>‹N°›</a:t>
+              <a:t>‹#›</a:t>
             </a:fld>
             <a:endParaRPr lang="en-GB" dirty="0"/>
           </a:p>
@@ -488,7 +488,7 @@
           <a:p>
             <a:fld id="{9D7F7A4F-C86B-4E97-8396-79EF10BBD040}" type="slidenum">
               <a:rPr lang="en-GB" smtClean="0"/>
-              <a:t>‹N°›</a:t>
+              <a:t>‹#›</a:t>
             </a:fld>
             <a:endParaRPr lang="en-GB" dirty="0"/>
           </a:p>
@@ -668,7 +668,7 @@
           <a:p>
             <a:fld id="{9D7F7A4F-C86B-4E97-8396-79EF10BBD040}" type="slidenum">
               <a:rPr lang="en-GB" smtClean="0"/>
-              <a:t>‹N°›</a:t>
+              <a:t>‹#›</a:t>
             </a:fld>
             <a:endParaRPr lang="en-GB" dirty="0"/>
           </a:p>
@@ -838,7 +838,7 @@
           <a:p>
             <a:fld id="{9D7F7A4F-C86B-4E97-8396-79EF10BBD040}" type="slidenum">
               <a:rPr lang="en-GB" smtClean="0"/>
-              <a:t>‹N°›</a:t>
+              <a:t>‹#›</a:t>
             </a:fld>
             <a:endParaRPr lang="en-GB" dirty="0"/>
           </a:p>
@@ -1084,7 +1084,7 @@
           <a:p>
             <a:fld id="{9D7F7A4F-C86B-4E97-8396-79EF10BBD040}" type="slidenum">
               <a:rPr lang="en-GB" smtClean="0"/>
-              <a:t>‹N°›</a:t>
+              <a:t>‹#›</a:t>
             </a:fld>
             <a:endParaRPr lang="en-GB" dirty="0"/>
           </a:p>
@@ -1316,7 +1316,7 @@
           <a:p>
             <a:fld id="{9D7F7A4F-C86B-4E97-8396-79EF10BBD040}" type="slidenum">
               <a:rPr lang="en-GB" smtClean="0"/>
-              <a:t>‹N°›</a:t>
+              <a:t>‹#›</a:t>
             </a:fld>
             <a:endParaRPr lang="en-GB" dirty="0"/>
           </a:p>
@@ -1683,7 +1683,7 @@
           <a:p>
             <a:fld id="{9D7F7A4F-C86B-4E97-8396-79EF10BBD040}" type="slidenum">
               <a:rPr lang="en-GB" smtClean="0"/>
-              <a:t>‹N°›</a:t>
+              <a:t>‹#›</a:t>
             </a:fld>
             <a:endParaRPr lang="en-GB" dirty="0"/>
           </a:p>
@@ -1801,7 +1801,7 @@
           <a:p>
             <a:fld id="{9D7F7A4F-C86B-4E97-8396-79EF10BBD040}" type="slidenum">
               <a:rPr lang="en-GB" smtClean="0"/>
-              <a:t>‹N°›</a:t>
+              <a:t>‹#›</a:t>
             </a:fld>
             <a:endParaRPr lang="en-GB" dirty="0"/>
           </a:p>
@@ -1896,7 +1896,7 @@
           <a:p>
             <a:fld id="{9D7F7A4F-C86B-4E97-8396-79EF10BBD040}" type="slidenum">
               <a:rPr lang="en-GB" smtClean="0"/>
-              <a:t>‹N°›</a:t>
+              <a:t>‹#›</a:t>
             </a:fld>
             <a:endParaRPr lang="en-GB" dirty="0"/>
           </a:p>
@@ -2173,7 +2173,7 @@
           <a:p>
             <a:fld id="{9D7F7A4F-C86B-4E97-8396-79EF10BBD040}" type="slidenum">
               <a:rPr lang="en-GB" smtClean="0"/>
-              <a:t>‹N°›</a:t>
+              <a:t>‹#›</a:t>
             </a:fld>
             <a:endParaRPr lang="en-GB" dirty="0"/>
           </a:p>
@@ -2426,7 +2426,7 @@
           <a:p>
             <a:fld id="{9D7F7A4F-C86B-4E97-8396-79EF10BBD040}" type="slidenum">
               <a:rPr lang="en-GB" smtClean="0"/>
-              <a:t>‹N°›</a:t>
+              <a:t>‹#›</a:t>
             </a:fld>
             <a:endParaRPr lang="en-GB" dirty="0"/>
           </a:p>
@@ -2675,7 +2675,7 @@
           <a:p>
             <a:fld id="{9D7F7A4F-C86B-4E97-8396-79EF10BBD040}" type="slidenum">
               <a:rPr lang="en-GB" smtClean="0"/>
-              <a:t>‹N°›</a:t>
+              <a:t>‹#›</a:t>
             </a:fld>
             <a:endParaRPr lang="en-GB" dirty="0"/>
           </a:p>
@@ -3449,15 +3449,7 @@
                   <a:srgbClr val="0070C0"/>
                 </a:solidFill>
               </a:rPr>
-              <a:t>ETAPE 2 - IMAGINATION DE </a:t>
-            </a:r>
-            <a:r>
-              <a:rPr lang="fr-FR" sz="2400" b="1" dirty="0" smtClean="0">
-                <a:solidFill>
-                  <a:srgbClr val="0070C0"/>
-                </a:solidFill>
-              </a:rPr>
-              <a:t>L’EFFORT</a:t>
+              <a:t>ETAPE 2 - IMAGINATION DE L’EFFORT</a:t>
             </a:r>
             <a:endParaRPr lang="en-GB" sz="2400" b="1" dirty="0">
               <a:solidFill>
@@ -3710,15 +3702,7 @@
                   <a:srgbClr val="0070C0"/>
                 </a:solidFill>
               </a:rPr>
-              <a:t>ETAPE 2 - IMAGINATION DE </a:t>
-            </a:r>
-            <a:r>
-              <a:rPr lang="fr-FR" sz="2400" b="1" dirty="0" smtClean="0">
-                <a:solidFill>
-                  <a:srgbClr val="0070C0"/>
-                </a:solidFill>
-              </a:rPr>
-              <a:t>L’EFFORT</a:t>
+              <a:t>ETAPE 2 - IMAGINATION DE L’EFFORT</a:t>
             </a:r>
             <a:endParaRPr lang="en-GB" sz="2400" b="1" dirty="0">
               <a:solidFill>
@@ -3947,15 +3931,7 @@
                   <a:srgbClr val="0070C0"/>
                 </a:solidFill>
               </a:rPr>
-              <a:t>ETAPE 2 - IMAGINATION DE </a:t>
-            </a:r>
-            <a:r>
-              <a:rPr lang="fr-FR" sz="2400" b="1" dirty="0" smtClean="0">
-                <a:solidFill>
-                  <a:srgbClr val="0070C0"/>
-                </a:solidFill>
-              </a:rPr>
-              <a:t>L’EFFORT</a:t>
+              <a:t>ETAPE 2 - IMAGINATION DE L’EFFORT</a:t>
             </a:r>
             <a:endParaRPr lang="en-GB" sz="2400" b="1" dirty="0">
               <a:solidFill>
@@ -4189,15 +4165,7 @@
                   <a:srgbClr val="0070C0"/>
                 </a:solidFill>
               </a:rPr>
-              <a:t>ETAPE 2 - IMAGINATION DE </a:t>
-            </a:r>
-            <a:r>
-              <a:rPr lang="fr-FR" sz="2400" b="1" dirty="0" smtClean="0">
-                <a:solidFill>
-                  <a:srgbClr val="0070C0"/>
-                </a:solidFill>
-              </a:rPr>
-              <a:t>L’EFFORT</a:t>
+              <a:t>ETAPE 2 - IMAGINATION DE L’EFFORT</a:t>
             </a:r>
             <a:endParaRPr lang="en-GB" sz="2400" b="1" dirty="0">
               <a:solidFill>
@@ -4312,7 +4280,7 @@
               <a:rPr lang="fr-FR" sz="2400" dirty="0"/>
               <a:t>Ensuite, vous devrez mémoriser les paires de chiffres.</a:t>
             </a:r>
-            <a:endParaRPr lang="en-GB" sz="2400" dirty="0" smtClean="0"/>
+            <a:endParaRPr lang="en-GB" sz="2400" dirty="0"/>
           </a:p>
           <a:p>
             <a:pPr algn="ctr">
@@ -4321,11 +4289,11 @@
               </a:spcAft>
             </a:pPr>
             <a:r>
-              <a:rPr lang="en-GB" sz="2400" dirty="0" err="1" smtClean="0"/>
+              <a:rPr lang="en-GB" sz="2400" dirty="0" err="1"/>
               <a:t>Chaque</a:t>
             </a:r>
             <a:r>
-              <a:rPr lang="en-GB" sz="2400" dirty="0" smtClean="0"/>
+              <a:rPr lang="en-GB" sz="2400" dirty="0"/>
               <a:t> </a:t>
             </a:r>
             <a:r>
@@ -4686,7 +4654,7 @@
               <a:rPr lang="fr-FR" sz="2400" dirty="0"/>
               <a:t>Ensuite, vous devrez mémoriser les paires de chiffres.</a:t>
             </a:r>
-            <a:endParaRPr lang="en-GB" sz="2400" dirty="0" smtClean="0"/>
+            <a:endParaRPr lang="en-GB" sz="2400" dirty="0"/>
           </a:p>
           <a:p>
             <a:pPr algn="ctr">
@@ -4695,11 +4663,11 @@
               </a:spcAft>
             </a:pPr>
             <a:r>
-              <a:rPr lang="en-GB" sz="2400" dirty="0" err="1" smtClean="0"/>
+              <a:rPr lang="en-GB" sz="2400" dirty="0" err="1"/>
               <a:t>Chaque</a:t>
             </a:r>
             <a:r>
-              <a:rPr lang="en-GB" sz="2400" dirty="0" smtClean="0"/>
+              <a:rPr lang="en-GB" sz="2400" dirty="0"/>
               <a:t> </a:t>
             </a:r>
             <a:r>
@@ -4979,7 +4947,7 @@
               <a:rPr lang="fr-FR" sz="2400" dirty="0"/>
               <a:t>Ensuite, vous devrez mémoriser les paires de chiffres.</a:t>
             </a:r>
-            <a:endParaRPr lang="en-GB" sz="2400" dirty="0" smtClean="0"/>
+            <a:endParaRPr lang="en-GB" sz="2400" dirty="0"/>
           </a:p>
           <a:p>
             <a:pPr algn="ctr">
@@ -4988,11 +4956,11 @@
               </a:spcAft>
             </a:pPr>
             <a:r>
-              <a:rPr lang="en-GB" sz="2400" dirty="0" err="1" smtClean="0"/>
+              <a:rPr lang="en-GB" sz="2400" dirty="0" err="1"/>
               <a:t>Chaque</a:t>
             </a:r>
             <a:r>
-              <a:rPr lang="en-GB" sz="2400" dirty="0" smtClean="0"/>
+              <a:rPr lang="en-GB" sz="2400" dirty="0"/>
               <a:t> </a:t>
             </a:r>
             <a:r>
@@ -5272,7 +5240,7 @@
               <a:rPr lang="fr-FR" sz="2400" dirty="0"/>
               <a:t>Ensuite, vous devrez mémoriser les paires de chiffres.</a:t>
             </a:r>
-            <a:endParaRPr lang="en-GB" sz="2400" dirty="0" smtClean="0"/>
+            <a:endParaRPr lang="en-GB" sz="2400" dirty="0"/>
           </a:p>
           <a:p>
             <a:pPr algn="ctr">
@@ -5281,11 +5249,11 @@
               </a:spcAft>
             </a:pPr>
             <a:r>
-              <a:rPr lang="en-GB" sz="2400" dirty="0" err="1" smtClean="0"/>
+              <a:rPr lang="en-GB" sz="2400" dirty="0" err="1"/>
               <a:t>Chaque</a:t>
             </a:r>
             <a:r>
-              <a:rPr lang="en-GB" sz="2400" dirty="0" smtClean="0"/>
+              <a:rPr lang="en-GB" sz="2400" dirty="0"/>
               <a:t> </a:t>
             </a:r>
             <a:r>
@@ -5565,7 +5533,7 @@
               <a:rPr lang="fr-FR" sz="2400" dirty="0"/>
               <a:t>Ensuite, vous devrez mémoriser les paires de chiffres.</a:t>
             </a:r>
-            <a:endParaRPr lang="en-GB" sz="2400" dirty="0" smtClean="0"/>
+            <a:endParaRPr lang="en-GB" sz="2400" dirty="0"/>
           </a:p>
           <a:p>
             <a:pPr algn="ctr">
@@ -5574,11 +5542,11 @@
               </a:spcAft>
             </a:pPr>
             <a:r>
-              <a:rPr lang="en-GB" sz="2400" dirty="0" err="1" smtClean="0"/>
+              <a:rPr lang="en-GB" sz="2400" dirty="0" err="1"/>
               <a:t>Chaque</a:t>
             </a:r>
             <a:r>
-              <a:rPr lang="en-GB" sz="2400" dirty="0" smtClean="0"/>
+              <a:rPr lang="en-GB" sz="2400" dirty="0"/>
               <a:t> </a:t>
             </a:r>
             <a:r>
@@ -5858,7 +5826,7 @@
               <a:rPr lang="fr-FR" sz="2400" dirty="0"/>
               <a:t>Ensuite, vous devrez mémoriser les paires de chiffres.</a:t>
             </a:r>
-            <a:endParaRPr lang="en-GB" sz="2400" dirty="0" smtClean="0"/>
+            <a:endParaRPr lang="en-GB" sz="2400" dirty="0"/>
           </a:p>
           <a:p>
             <a:pPr algn="ctr">
@@ -5867,11 +5835,11 @@
               </a:spcAft>
             </a:pPr>
             <a:r>
-              <a:rPr lang="en-GB" sz="2400" dirty="0" err="1" smtClean="0"/>
+              <a:rPr lang="en-GB" sz="2400" dirty="0" err="1"/>
               <a:t>Chaque</a:t>
             </a:r>
             <a:r>
-              <a:rPr lang="en-GB" sz="2400" dirty="0" smtClean="0"/>
+              <a:rPr lang="en-GB" sz="2400" dirty="0"/>
               <a:t> </a:t>
             </a:r>
             <a:r>
@@ -6058,12 +6026,8 @@
           <a:p>
             <a:pPr algn="ctr"/>
             <a:r>
-              <a:rPr lang="fr-FR" sz="2400" dirty="0" smtClean="0"/>
-              <a:t>En </a:t>
-            </a:r>
-            <a:r>
               <a:rPr lang="fr-FR" sz="2400" dirty="0"/>
-              <a:t>résumé, vous allez effectuer une série d’exercices de mémoire. Ces exercices seront plus ou moins difficiles. Pour chacun d’entre eux, nous vous demanderons d’auto-évaluer votre performance.</a:t>
+              <a:t>En résumé, vous allez effectuer une série d’exercices de mémoire. Ces exercices seront plus ou moins difficiles. Pour chacun d’entre eux, nous vous demanderons d’auto-évaluer votre performance.</a:t>
             </a:r>
           </a:p>
           <a:p>
@@ -6258,7 +6222,7 @@
               <a:rPr lang="fr-FR" sz="2400" dirty="0"/>
               <a:t>Ensuite, vous devrez mémoriser les paires de chiffres.</a:t>
             </a:r>
-            <a:endParaRPr lang="en-GB" sz="2400" dirty="0" smtClean="0"/>
+            <a:endParaRPr lang="en-GB" sz="2400" dirty="0"/>
           </a:p>
           <a:p>
             <a:pPr algn="ctr">
@@ -6267,11 +6231,11 @@
               </a:spcAft>
             </a:pPr>
             <a:r>
-              <a:rPr lang="en-GB" sz="2400" dirty="0" err="1" smtClean="0"/>
+              <a:rPr lang="en-GB" sz="2400" dirty="0" err="1"/>
               <a:t>Chaque</a:t>
             </a:r>
             <a:r>
-              <a:rPr lang="en-GB" sz="2400" dirty="0" smtClean="0"/>
+              <a:rPr lang="en-GB" sz="2400" dirty="0"/>
               <a:t> </a:t>
             </a:r>
             <a:r>
@@ -6551,7 +6515,7 @@
               <a:rPr lang="fr-FR" sz="2400" dirty="0"/>
               <a:t>Ensuite, vous devrez mémoriser les paires de chiffres.</a:t>
             </a:r>
-            <a:endParaRPr lang="en-GB" sz="2400" dirty="0" smtClean="0"/>
+            <a:endParaRPr lang="en-GB" sz="2400" dirty="0"/>
           </a:p>
           <a:p>
             <a:pPr algn="ctr">
@@ -6560,11 +6524,11 @@
               </a:spcAft>
             </a:pPr>
             <a:r>
-              <a:rPr lang="en-GB" sz="2400" dirty="0" err="1" smtClean="0"/>
+              <a:rPr lang="en-GB" sz="2400" dirty="0" err="1"/>
               <a:t>Chaque</a:t>
             </a:r>
             <a:r>
-              <a:rPr lang="en-GB" sz="2400" dirty="0" smtClean="0"/>
+              <a:rPr lang="en-GB" sz="2400" dirty="0"/>
               <a:t> </a:t>
             </a:r>
             <a:r>
@@ -8169,18 +8133,17 @@
               <a:t>Après la phase de test, nous vous demanderons de vous </a:t>
             </a:r>
             <a:r>
-              <a:rPr lang="fr-FR" sz="2400" dirty="0" err="1" smtClean="0"/>
+              <a:rPr lang="fr-FR" sz="2400" dirty="0" err="1"/>
               <a:t>auto-évaluer</a:t>
             </a:r>
             <a:r>
-              <a:rPr lang="fr-FR" sz="2400" dirty="0" smtClean="0"/>
+              <a:rPr lang="fr-FR" sz="2400" dirty="0"/>
               <a:t> </a:t>
             </a:r>
             <a:r>
-              <a:rPr lang="en-US" sz="2400" dirty="0" smtClean="0"/>
+              <a:rPr lang="en-US" sz="2400" dirty="0"/>
               <a:t>:</a:t>
             </a:r>
-            <a:endParaRPr lang="en-US" sz="2400" dirty="0"/>
           </a:p>
         </p:txBody>
       </p:sp>
@@ -8362,21 +8325,8 @@
                   <a:srgbClr val="0070C0"/>
                 </a:solidFill>
               </a:rPr>
-              <a:t>ETAPE </a:t>
-            </a:r>
-            <a:r>
-              <a:rPr lang="en-GB" sz="2400" b="1" dirty="0" smtClean="0">
-                <a:solidFill>
-                  <a:srgbClr val="0070C0"/>
-                </a:solidFill>
-              </a:rPr>
-              <a:t>5 : AUTO-ÉVALUATION</a:t>
-            </a:r>
-            <a:endParaRPr lang="en-GB" sz="2400" b="1" dirty="0">
-              <a:solidFill>
-                <a:srgbClr val="0070C0"/>
-              </a:solidFill>
-            </a:endParaRPr>
+              <a:t>ETAPE 5 : AUTO-ÉVALUATION</a:t>
+            </a:r>
           </a:p>
         </p:txBody>
       </p:sp>
@@ -8534,23 +8484,15 @@
             </a:r>
             <a:r>
               <a:rPr lang="en-US" sz="2400" dirty="0"/>
-              <a:t> le </a:t>
-            </a:r>
-            <a:r>
-              <a:rPr lang="en-US" sz="2400" dirty="0" smtClean="0"/>
-              <a:t>auto-</a:t>
-            </a:r>
-            <a:r>
-              <a:rPr lang="en-US" sz="2400" dirty="0" err="1" smtClean="0"/>
+              <a:t> le auto-</a:t>
+            </a:r>
+            <a:r>
+              <a:rPr lang="en-US" sz="2400" dirty="0" err="1"/>
               <a:t>évaluations</a:t>
             </a:r>
             <a:r>
-              <a:rPr lang="en-US" sz="2400" dirty="0" smtClean="0"/>
-              <a:t>, </a:t>
-            </a:r>
-            <a:r>
               <a:rPr lang="en-US" sz="2400" dirty="0"/>
-              <a:t>nous </a:t>
+              <a:t>, nous </a:t>
             </a:r>
             <a:r>
               <a:rPr lang="en-US" sz="2400" dirty="0" err="1"/>
@@ -8818,21 +8760,8 @@
                   <a:srgbClr val="0070C0"/>
                 </a:solidFill>
               </a:rPr>
-              <a:t>ETAPE </a:t>
-            </a:r>
-            <a:r>
-              <a:rPr lang="en-GB" sz="2400" b="1" dirty="0" smtClean="0">
-                <a:solidFill>
-                  <a:srgbClr val="0070C0"/>
-                </a:solidFill>
-              </a:rPr>
-              <a:t>6 – ÉVALUATION DE VOS RÉPONSES</a:t>
-            </a:r>
-            <a:endParaRPr lang="en-GB" sz="2400" b="1" dirty="0">
-              <a:solidFill>
-                <a:srgbClr val="0070C0"/>
-              </a:solidFill>
-            </a:endParaRPr>
+              <a:t>ETAPE 6 – ÉVALUATION DE VOS RÉPONSES</a:t>
+            </a:r>
           </a:p>
         </p:txBody>
       </p:sp>
@@ -9126,21 +9055,8 @@
                   <a:srgbClr val="0070C0"/>
                 </a:solidFill>
               </a:rPr>
-              <a:t>ETAPE </a:t>
-            </a:r>
-            <a:r>
-              <a:rPr lang="en-GB" sz="2400" b="1" dirty="0" smtClean="0">
-                <a:solidFill>
-                  <a:srgbClr val="0070C0"/>
-                </a:solidFill>
-              </a:rPr>
-              <a:t>6 – ÉVALUATION DE VOS RÉPONSES</a:t>
-            </a:r>
-            <a:endParaRPr lang="en-GB" sz="2400" b="1" dirty="0">
-              <a:solidFill>
-                <a:srgbClr val="0070C0"/>
-              </a:solidFill>
-            </a:endParaRPr>
+              <a:t>ETAPE 6 – ÉVALUATION DE VOS RÉPONSES</a:t>
+            </a:r>
           </a:p>
         </p:txBody>
       </p:sp>
@@ -9782,21 +9698,8 @@
                   <a:srgbClr val="0070C0"/>
                 </a:solidFill>
               </a:rPr>
-              <a:t>ETAPE </a:t>
-            </a:r>
-            <a:r>
-              <a:rPr lang="en-GB" sz="2400" b="1" dirty="0" smtClean="0">
-                <a:solidFill>
-                  <a:srgbClr val="0070C0"/>
-                </a:solidFill>
-              </a:rPr>
-              <a:t>6 – ÉVALUATION DE VOS RÉPONSES</a:t>
-            </a:r>
-            <a:endParaRPr lang="en-GB" sz="2400" b="1" dirty="0">
-              <a:solidFill>
-                <a:srgbClr val="0070C0"/>
-              </a:solidFill>
-            </a:endParaRPr>
+              <a:t>ETAPE 6 – ÉVALUATION DE VOS RÉPONSES</a:t>
+            </a:r>
           </a:p>
         </p:txBody>
       </p:sp>
@@ -10312,14 +10215,13 @@
               <a:t> </a:t>
             </a:r>
             <a:r>
-              <a:rPr lang="en-GB" sz="2400" dirty="0" err="1" smtClean="0"/>
+              <a:rPr lang="en-GB" sz="2400" dirty="0" err="1"/>
               <a:t>d’effort</a:t>
             </a:r>
             <a:r>
-              <a:rPr lang="en-GB" sz="2400" dirty="0" smtClean="0"/>
+              <a:rPr lang="en-GB" sz="2400" dirty="0"/>
               <a:t>:</a:t>
             </a:r>
-            <a:endParaRPr lang="en-GB" sz="2400" dirty="0"/>
           </a:p>
         </p:txBody>
       </p:sp>
@@ -10398,78 +10300,77 @@
               <a:t> </a:t>
             </a:r>
             <a:r>
-              <a:rPr lang="en-GB" sz="2400" dirty="0" err="1" smtClean="0"/>
+              <a:rPr lang="en-GB" sz="2400" dirty="0" err="1"/>
               <a:t>combien</a:t>
             </a:r>
             <a:r>
-              <a:rPr lang="en-GB" sz="2400" dirty="0" smtClean="0"/>
+              <a:rPr lang="en-GB" sz="2400" dirty="0"/>
               <a:t> </a:t>
             </a:r>
             <a:r>
-              <a:rPr lang="en-GB" sz="2400" dirty="0" err="1" smtClean="0"/>
+              <a:rPr lang="en-GB" sz="2400" dirty="0" err="1"/>
               <a:t>d’effort</a:t>
             </a:r>
             <a:r>
-              <a:rPr lang="en-GB" sz="2400" dirty="0" smtClean="0"/>
+              <a:rPr lang="en-GB" sz="2400" dirty="0"/>
               <a:t> </a:t>
             </a:r>
             <a:r>
-              <a:rPr lang="en-GB" sz="2400" dirty="0" err="1" smtClean="0"/>
+              <a:rPr lang="en-GB" sz="2400" dirty="0" err="1"/>
               <a:t>vous</a:t>
             </a:r>
             <a:r>
-              <a:rPr lang="en-GB" sz="2400" dirty="0" smtClean="0"/>
+              <a:rPr lang="en-GB" sz="2400" dirty="0"/>
               <a:t> </a:t>
             </a:r>
             <a:r>
-              <a:rPr lang="en-GB" sz="2400" dirty="0" err="1" smtClean="0"/>
+              <a:rPr lang="en-GB" sz="2400" dirty="0" err="1"/>
               <a:t>avez</a:t>
             </a:r>
             <a:r>
-              <a:rPr lang="en-GB" sz="2400" dirty="0" smtClean="0"/>
+              <a:rPr lang="en-GB" sz="2400" dirty="0"/>
               <a:t> </a:t>
             </a:r>
             <a:r>
-              <a:rPr lang="en-GB" sz="2400" dirty="0" err="1" smtClean="0"/>
+              <a:rPr lang="en-GB" sz="2400" dirty="0" err="1"/>
               <a:t>fourni</a:t>
             </a:r>
             <a:r>
-              <a:rPr lang="en-GB" sz="2400" dirty="0" smtClean="0"/>
+              <a:rPr lang="en-GB" sz="2400" dirty="0"/>
               <a:t> pour </a:t>
             </a:r>
             <a:r>
-              <a:rPr lang="en-GB" sz="2400" dirty="0" err="1" smtClean="0"/>
+              <a:rPr lang="en-GB" sz="2400" dirty="0" err="1"/>
               <a:t>mémoriser</a:t>
             </a:r>
             <a:r>
-              <a:rPr lang="en-GB" sz="2400" dirty="0" smtClean="0"/>
+              <a:rPr lang="en-GB" sz="2400" dirty="0"/>
               <a:t> les </a:t>
             </a:r>
             <a:r>
-              <a:rPr lang="en-GB" sz="2400" dirty="0" err="1" smtClean="0"/>
+              <a:rPr lang="en-GB" sz="2400" dirty="0" err="1"/>
               <a:t>paires</a:t>
             </a:r>
             <a:r>
-              <a:rPr lang="en-GB" sz="2400" dirty="0" smtClean="0"/>
+              <a:rPr lang="en-GB" sz="2400" dirty="0"/>
               <a:t> de </a:t>
             </a:r>
             <a:r>
-              <a:rPr lang="en-GB" sz="2400" dirty="0" err="1" smtClean="0"/>
+              <a:rPr lang="en-GB" sz="2400" dirty="0" err="1"/>
               <a:t>cet</a:t>
             </a:r>
             <a:r>
-              <a:rPr lang="en-GB" sz="2400" dirty="0" smtClean="0"/>
+              <a:rPr lang="en-GB" sz="2400" dirty="0"/>
               <a:t> </a:t>
             </a:r>
             <a:r>
-              <a:rPr lang="en-GB" sz="2400" dirty="0" err="1" smtClean="0"/>
+              <a:rPr lang="en-GB" sz="2400" dirty="0" err="1"/>
               <a:t>exercice</a:t>
             </a:r>
             <a:r>
-              <a:rPr lang="en-GB" sz="2400" dirty="0" smtClean="0"/>
+              <a:rPr lang="en-GB" sz="2400" dirty="0"/>
               <a:t>. </a:t>
             </a:r>
-            <a:endParaRPr lang="en-GB" sz="2400" dirty="0"/>
           </a:p>
         </p:txBody>
       </p:sp>
@@ -10618,11 +10519,7 @@
               </a:r>
               <a:r>
                 <a:rPr lang="en-GB" sz="2400" dirty="0"/>
-                <a:t> </a:t>
-              </a:r>
-              <a:r>
-                <a:rPr lang="en-GB" sz="2400" dirty="0" smtClean="0"/>
-                <a:t>20 </a:t>
+                <a:t> 20 </a:t>
               </a:r>
               <a:r>
                 <a:rPr lang="en-GB" sz="2400" dirty="0" err="1"/>
@@ -10649,11 +10546,7 @@
               <a:pPr algn="ctr"/>
               <a:r>
                 <a:rPr lang="fr-FR" sz="2400" dirty="0"/>
-                <a:t>Chaque exercice de mémoire comprend 6 étapes </a:t>
-              </a:r>
-              <a:r>
-                <a:rPr lang="fr-FR" sz="2400" dirty="0" smtClean="0"/>
-                <a:t>:</a:t>
+                <a:t>Chaque exercice de mémoire comprend 6 étapes :</a:t>
               </a:r>
             </a:p>
             <a:p>
@@ -10707,7 +10600,7 @@
             <a:p>
               <a:pPr algn="ctr"/>
               <a:r>
-                <a:rPr lang="fr-FR" sz="2400" dirty="0" smtClean="0">
+                <a:rPr lang="fr-FR" sz="2400" dirty="0">
                   <a:solidFill>
                     <a:schemeClr val="bg1"/>
                   </a:solidFill>
@@ -10718,38 +10611,30 @@
             <a:p>
               <a:pPr algn="ctr"/>
               <a:r>
-                <a:rPr lang="fr-FR" sz="2400" dirty="0" smtClean="0">
-                  <a:solidFill>
-                    <a:schemeClr val="bg1"/>
-                  </a:solidFill>
-                </a:rPr>
-                <a:t>Etape </a:t>
-              </a:r>
-              <a:r>
                 <a:rPr lang="fr-FR" sz="2400" dirty="0">
                   <a:solidFill>
                     <a:schemeClr val="bg1"/>
                   </a:solidFill>
                 </a:rPr>
-                <a:t>6 : nous évaluons vos réponses </a:t>
+                <a:t>Etape 6 : nous évaluons vos réponses </a:t>
               </a:r>
             </a:p>
             <a:p>
               <a:pPr algn="ctr"/>
-              <a:endParaRPr lang="en-GB" sz="2400" dirty="0" smtClean="0"/>
+              <a:endParaRPr lang="en-GB" sz="2400" dirty="0"/>
             </a:p>
             <a:p>
               <a:pPr algn="ctr"/>
-              <a:endParaRPr lang="en-GB" sz="2400" dirty="0" smtClean="0"/>
+              <a:endParaRPr lang="en-GB" sz="2400" dirty="0"/>
             </a:p>
             <a:p>
               <a:pPr algn="ctr"/>
               <a:r>
-                <a:rPr lang="en-GB" sz="2400" dirty="0" err="1" smtClean="0"/>
+                <a:rPr lang="en-GB" sz="2400" dirty="0" err="1"/>
                 <a:t>Relisez</a:t>
               </a:r>
               <a:r>
-                <a:rPr lang="en-GB" sz="2400" dirty="0" smtClean="0"/>
+                <a:rPr lang="en-GB" sz="2400" dirty="0"/>
                 <a:t> </a:t>
               </a:r>
               <a:r>
@@ -10841,12 +10726,8 @@
             <a:lstStyle/>
             <a:p>
               <a:r>
-                <a:rPr lang="fr-FR" sz="2400" b="1" dirty="0" smtClean="0"/>
-                <a:t>Etape </a:t>
-              </a:r>
-              <a:r>
                 <a:rPr lang="fr-FR" sz="2400" b="1" dirty="0"/>
-                <a:t>1 </a:t>
+                <a:t>Etape 1 </a:t>
               </a:r>
               <a:r>
                 <a:rPr lang="fr-FR" sz="2400" dirty="0"/>
@@ -10978,18 +10859,13 @@
               </a:spcAft>
             </a:pPr>
             <a:r>
-              <a:rPr lang="en-GB" sz="2400" b="1" dirty="0" smtClean="0">
+              <a:rPr lang="en-GB" sz="2400" b="1" dirty="0">
                 <a:solidFill>
                   <a:srgbClr val="0070C0"/>
                 </a:solidFill>
               </a:rPr>
               <a:t>VOTRE CAPACITÉ INITIALE</a:t>
             </a:r>
-            <a:endParaRPr lang="en-GB" sz="2400" b="1" dirty="0">
-              <a:solidFill>
-                <a:srgbClr val="0070C0"/>
-              </a:solidFill>
-            </a:endParaRPr>
           </a:p>
         </p:txBody>
       </p:sp>
@@ -11021,40 +10897,36 @@
               </a:spcAft>
             </a:pPr>
             <a:r>
-              <a:rPr lang="en-GB" sz="2400" dirty="0" smtClean="0"/>
+              <a:rPr lang="en-GB" sz="2400" dirty="0"/>
               <a:t>Avant le premier </a:t>
             </a:r>
             <a:r>
-              <a:rPr lang="en-GB" sz="2400" dirty="0" err="1" smtClean="0"/>
+              <a:rPr lang="en-GB" sz="2400" dirty="0" err="1"/>
               <a:t>exercice</a:t>
             </a:r>
             <a:r>
-              <a:rPr lang="en-GB" sz="2400" dirty="0" smtClean="0"/>
+              <a:rPr lang="en-GB" sz="2400" dirty="0"/>
               <a:t>, nous </a:t>
             </a:r>
             <a:r>
-              <a:rPr lang="en-GB" sz="2400" smtClean="0"/>
+              <a:rPr lang="en-GB" sz="2400"/>
               <a:t>voulons</a:t>
             </a:r>
             <a:r>
-              <a:rPr lang="en-GB" sz="2400" dirty="0" smtClean="0"/>
+              <a:rPr lang="en-GB" sz="2400" dirty="0"/>
               <a:t> </a:t>
             </a:r>
             <a:r>
-              <a:rPr lang="en-GB" sz="2400" dirty="0" err="1" smtClean="0"/>
+              <a:rPr lang="en-GB" sz="2400" dirty="0" err="1"/>
               <a:t>mesurer</a:t>
             </a:r>
             <a:r>
-              <a:rPr lang="en-GB" sz="2400" dirty="0" smtClean="0"/>
+              <a:rPr lang="en-GB" sz="2400" dirty="0"/>
               <a:t> </a:t>
             </a:r>
             <a:r>
               <a:rPr lang="fr-FR" sz="2400" dirty="0"/>
-              <a:t>votre capacité </a:t>
-            </a:r>
-            <a:r>
-              <a:rPr lang="fr-FR" sz="2400" dirty="0" smtClean="0"/>
-              <a:t>initiale à </a:t>
+              <a:t>votre capacité initiale à </a:t>
             </a:r>
             <a:r>
               <a:rPr lang="fr-FR" sz="2400" dirty="0" err="1"/>
@@ -11062,11 +10934,7 @@
             </a:r>
             <a:r>
               <a:rPr lang="fr-FR" sz="2400" dirty="0"/>
-              <a:t> correctement vos compétences </a:t>
-            </a:r>
-            <a:r>
-              <a:rPr lang="fr-FR" sz="2400" dirty="0" smtClean="0"/>
-              <a:t>mentales.</a:t>
+              <a:t> correctement vos compétences mentales.</a:t>
             </a:r>
           </a:p>
           <a:p>
@@ -11077,11 +10945,7 @@
             </a:pPr>
             <a:r>
               <a:rPr lang="fr-FR" sz="2400" dirty="0"/>
-              <a:t>Nous vous montrerons la grille une fois et puis vous demanderons d’imaginer combien d’effort cela vous demanderait pour atteindre </a:t>
-            </a:r>
-            <a:r>
-              <a:rPr lang="fr-FR" sz="2400" dirty="0" smtClean="0"/>
-              <a:t>différents scores.</a:t>
+              <a:t>Nous vous montrerons la grille une fois et puis vous demanderons d’imaginer combien d’effort cela vous demanderait pour atteindre différents scores.</a:t>
             </a:r>
           </a:p>
           <a:p>
@@ -11119,10 +10983,9 @@
               <a:t>parti</a:t>
             </a:r>
             <a:r>
-              <a:rPr lang="en-GB" sz="2400" dirty="0" smtClean="0"/>
+              <a:rPr lang="en-GB" sz="2400" dirty="0"/>
               <a:t>…</a:t>
             </a:r>
-            <a:endParaRPr lang="en-GB" sz="2400" dirty="0"/>
           </a:p>
         </p:txBody>
       </p:sp>
@@ -11136,13 +10999,6 @@
   <p:clrMapOvr>
     <a:masterClrMapping/>
   </p:clrMapOvr>
-  <p:timing>
-    <p:tnLst>
-      <p:par>
-        <p:cTn id="1" dur="indefinite" restart="never" nodeType="tmRoot"/>
-      </p:par>
-    </p:tnLst>
-  </p:timing>
 </p:sld>
 </file>
 
@@ -11586,23 +11442,7 @@
                   <a:srgbClr val="0070C0"/>
                 </a:solidFill>
               </a:rPr>
-              <a:t>LES EXERCICES DE </a:t>
-            </a:r>
-            <a:r>
-              <a:rPr lang="en-GB" sz="2400" b="1" dirty="0" smtClean="0">
-                <a:solidFill>
-                  <a:srgbClr val="0070C0"/>
-                </a:solidFill>
-              </a:rPr>
-              <a:t>MEMOIRE </a:t>
-            </a:r>
-            <a:r>
-              <a:rPr lang="en-GB" sz="2400" b="1" dirty="0">
-                <a:solidFill>
-                  <a:srgbClr val="0070C0"/>
-                </a:solidFill>
-              </a:rPr>
-              <a:t>:</a:t>
+              <a:t>LES EXERCICES DE MEMOIRE :</a:t>
             </a:r>
           </a:p>
           <a:p>
@@ -11684,23 +11524,7 @@
                   <a:srgbClr val="0070C0"/>
                 </a:solidFill>
               </a:rPr>
-              <a:t>LES EXERCICES DE </a:t>
-            </a:r>
-            <a:r>
-              <a:rPr lang="fr-FR" sz="2400" b="1" dirty="0" smtClean="0">
-                <a:solidFill>
-                  <a:srgbClr val="0070C0"/>
-                </a:solidFill>
-              </a:rPr>
-              <a:t>MEMOIRE </a:t>
-            </a:r>
-            <a:r>
-              <a:rPr lang="fr-FR" sz="2400" b="1" dirty="0">
-                <a:solidFill>
-                  <a:srgbClr val="0070C0"/>
-                </a:solidFill>
-              </a:rPr>
-              <a:t>:</a:t>
+              <a:t>LES EXERCICES DE MEMOIRE :</a:t>
             </a:r>
           </a:p>
           <a:p>
@@ -11881,23 +11705,7 @@
                   <a:srgbClr val="0070C0"/>
                 </a:solidFill>
               </a:rPr>
-              <a:t>ETAPE </a:t>
-            </a:r>
-            <a:r>
-              <a:rPr lang="en-GB" sz="2400" b="1" dirty="0" smtClean="0">
-                <a:solidFill>
-                  <a:srgbClr val="0070C0"/>
-                </a:solidFill>
-              </a:rPr>
-              <a:t>1 - AFFICHAGE </a:t>
-            </a:r>
-            <a:r>
-              <a:rPr lang="en-GB" sz="2400" b="1" dirty="0">
-                <a:solidFill>
-                  <a:srgbClr val="0070C0"/>
-                </a:solidFill>
-              </a:rPr>
-              <a:t>DU SCORE CIBLE</a:t>
+              <a:t>ETAPE 1 - AFFICHAGE DU SCORE CIBLE</a:t>
             </a:r>
           </a:p>
         </p:txBody>
@@ -12134,23 +11942,7 @@
                   <a:srgbClr val="0070C0"/>
                 </a:solidFill>
               </a:rPr>
-              <a:t>ETAPE 2 </a:t>
-            </a:r>
-            <a:r>
-              <a:rPr lang="fr-FR" sz="2400" b="1" dirty="0" smtClean="0">
-                <a:solidFill>
-                  <a:srgbClr val="0070C0"/>
-                </a:solidFill>
-              </a:rPr>
-              <a:t>- </a:t>
-            </a:r>
-            <a:r>
-              <a:rPr lang="fr-FR" sz="2400" b="1" dirty="0">
-                <a:solidFill>
-                  <a:srgbClr val="0070C0"/>
-                </a:solidFill>
-              </a:rPr>
-              <a:t>IMAGINATION DE L’EFFORT</a:t>
+              <a:t>ETAPE 2 - IMAGINATION DE L’EFFORT</a:t>
             </a:r>
             <a:endParaRPr lang="en-GB" sz="2400" b="1" dirty="0">
               <a:solidFill>
@@ -12530,16 +12322,12 @@
               <a:t> de la grille pour </a:t>
             </a:r>
             <a:r>
-              <a:rPr lang="en-GB" dirty="0" err="1" smtClean="0"/>
+              <a:rPr lang="en-GB" dirty="0" err="1"/>
               <a:t>atteindre</a:t>
             </a:r>
             <a:r>
-              <a:rPr lang="en-GB" dirty="0" smtClean="0"/>
-              <a:t> </a:t>
-            </a:r>
-            <a:r>
               <a:rPr lang="en-GB" dirty="0"/>
-              <a:t>le score </a:t>
+              <a:t> le score </a:t>
             </a:r>
             <a:r>
               <a:rPr lang="en-GB" dirty="0" err="1"/>
@@ -12592,15 +12380,7 @@
                   <a:srgbClr val="0070C0"/>
                 </a:solidFill>
               </a:rPr>
-              <a:t>ETAPE 2 - IMAGINATION DE </a:t>
-            </a:r>
-            <a:r>
-              <a:rPr lang="fr-FR" sz="2400" b="1" dirty="0" smtClean="0">
-                <a:solidFill>
-                  <a:srgbClr val="0070C0"/>
-                </a:solidFill>
-              </a:rPr>
-              <a:t>L’EFFORT</a:t>
+              <a:t>ETAPE 2 - IMAGINATION DE L’EFFORT</a:t>
             </a:r>
             <a:endParaRPr lang="en-GB" sz="2400" b="1" dirty="0">
               <a:solidFill>

--- a/src/SE_ELAN/Stimuli/Instructions.pptx
+++ b/src/SE_ELAN/Stimuli/Instructions.pptx
@@ -4,6 +4,9 @@
   <p:sldMasterIdLst>
     <p:sldMasterId id="2147483648" r:id="rId1"/>
   </p:sldMasterIdLst>
+  <p:handoutMasterIdLst>
+    <p:handoutMasterId r:id="rId36"/>
+  </p:handoutMasterIdLst>
   <p:sldIdLst>
     <p:sldId id="256" r:id="rId2"/>
     <p:sldId id="270" r:id="rId3"/>
@@ -145,6 +148,171 @@
 </p:presentation>
 </file>
 
+<file path=ppt/handoutMasters/handoutMaster1.xml><?xml version="1.0" encoding="utf-8"?>
+<p:handoutMaster xmlns:a="http://schemas.openxmlformats.org/drawingml/2006/main" xmlns:r="http://schemas.openxmlformats.org/officeDocument/2006/relationships" xmlns:p="http://schemas.openxmlformats.org/presentationml/2006/main">
+  <p:cSld>
+    <p:bg>
+      <p:bgRef idx="1001">
+        <a:schemeClr val="bg1"/>
+      </p:bgRef>
+    </p:bg>
+    <p:spTree>
+      <p:nvGrpSpPr>
+        <p:cNvPr id="1" name=""/>
+        <p:cNvGrpSpPr/>
+        <p:nvPr/>
+      </p:nvGrpSpPr>
+      <p:grpSpPr>
+        <a:xfrm>
+          <a:off x="0" y="0"/>
+          <a:ext cx="0" cy="0"/>
+          <a:chOff x="0" y="0"/>
+          <a:chExt cx="0" cy="0"/>
+        </a:xfrm>
+      </p:grpSpPr>
+      <p:sp>
+        <p:nvSpPr>
+          <p:cNvPr id="2" name="Espace réservé de l'en-tête 1"/>
+          <p:cNvSpPr>
+            <a:spLocks noGrp="1"/>
+          </p:cNvSpPr>
+          <p:nvPr>
+            <p:ph type="hdr" sz="quarter"/>
+          </p:nvPr>
+        </p:nvSpPr>
+        <p:spPr>
+          <a:xfrm>
+            <a:off x="0" y="0"/>
+            <a:ext cx="2971800" cy="458788"/>
+          </a:xfrm>
+          <a:prstGeom prst="rect">
+            <a:avLst/>
+          </a:prstGeom>
+        </p:spPr>
+        <p:txBody>
+          <a:bodyPr vert="horz" lIns="91440" tIns="45720" rIns="91440" bIns="45720" rtlCol="0"/>
+          <a:lstStyle>
+            <a:lvl1pPr algn="l">
+              <a:defRPr sz="1200"/>
+            </a:lvl1pPr>
+          </a:lstStyle>
+          <a:p>
+            <a:endParaRPr lang="en-GB"/>
+          </a:p>
+        </p:txBody>
+      </p:sp>
+      <p:sp>
+        <p:nvSpPr>
+          <p:cNvPr id="3" name="Espace réservé de la date 2"/>
+          <p:cNvSpPr>
+            <a:spLocks noGrp="1"/>
+          </p:cNvSpPr>
+          <p:nvPr>
+            <p:ph type="dt" sz="quarter" idx="1"/>
+          </p:nvPr>
+        </p:nvSpPr>
+        <p:spPr>
+          <a:xfrm>
+            <a:off x="3884614" y="0"/>
+            <a:ext cx="2971800" cy="458788"/>
+          </a:xfrm>
+          <a:prstGeom prst="rect">
+            <a:avLst/>
+          </a:prstGeom>
+        </p:spPr>
+        <p:txBody>
+          <a:bodyPr vert="horz" lIns="91440" tIns="45720" rIns="91440" bIns="45720" rtlCol="0"/>
+          <a:lstStyle>
+            <a:lvl1pPr algn="r">
+              <a:defRPr sz="1200"/>
+            </a:lvl1pPr>
+          </a:lstStyle>
+          <a:p>
+            <a:fld id="{457B588A-FAB3-4C3F-A999-7E77BA0B8118}" type="datetimeFigureOut">
+              <a:rPr lang="en-GB" smtClean="0"/>
+              <a:t>20/10/2021</a:t>
+            </a:fld>
+            <a:endParaRPr lang="en-GB"/>
+          </a:p>
+        </p:txBody>
+      </p:sp>
+      <p:sp>
+        <p:nvSpPr>
+          <p:cNvPr id="4" name="Espace réservé du pied de page 3"/>
+          <p:cNvSpPr>
+            <a:spLocks noGrp="1"/>
+          </p:cNvSpPr>
+          <p:nvPr>
+            <p:ph type="ftr" sz="quarter" idx="2"/>
+          </p:nvPr>
+        </p:nvSpPr>
+        <p:spPr>
+          <a:xfrm>
+            <a:off x="0" y="8685214"/>
+            <a:ext cx="2971800" cy="458787"/>
+          </a:xfrm>
+          <a:prstGeom prst="rect">
+            <a:avLst/>
+          </a:prstGeom>
+        </p:spPr>
+        <p:txBody>
+          <a:bodyPr vert="horz" lIns="91440" tIns="45720" rIns="91440" bIns="45720" rtlCol="0" anchor="b"/>
+          <a:lstStyle>
+            <a:lvl1pPr algn="l">
+              <a:defRPr sz="1200"/>
+            </a:lvl1pPr>
+          </a:lstStyle>
+          <a:p>
+            <a:endParaRPr lang="en-GB"/>
+          </a:p>
+        </p:txBody>
+      </p:sp>
+      <p:sp>
+        <p:nvSpPr>
+          <p:cNvPr id="5" name="Espace réservé du numéro de diapositive 4"/>
+          <p:cNvSpPr>
+            <a:spLocks noGrp="1"/>
+          </p:cNvSpPr>
+          <p:nvPr>
+            <p:ph type="sldNum" sz="quarter" idx="3"/>
+          </p:nvPr>
+        </p:nvSpPr>
+        <p:spPr>
+          <a:xfrm>
+            <a:off x="3884614" y="8685214"/>
+            <a:ext cx="2971800" cy="458787"/>
+          </a:xfrm>
+          <a:prstGeom prst="rect">
+            <a:avLst/>
+          </a:prstGeom>
+        </p:spPr>
+        <p:txBody>
+          <a:bodyPr vert="horz" lIns="91440" tIns="45720" rIns="91440" bIns="45720" rtlCol="0" anchor="b"/>
+          <a:lstStyle>
+            <a:lvl1pPr algn="r">
+              <a:defRPr sz="1200"/>
+            </a:lvl1pPr>
+          </a:lstStyle>
+          <a:p>
+            <a:fld id="{756993CC-A683-496E-881E-006544134775}" type="slidenum">
+              <a:rPr lang="en-GB" smtClean="0"/>
+              <a:t>‹N°›</a:t>
+            </a:fld>
+            <a:endParaRPr lang="en-GB"/>
+          </a:p>
+        </p:txBody>
+      </p:sp>
+    </p:spTree>
+    <p:extLst>
+      <p:ext uri="{BB962C8B-B14F-4D97-AF65-F5344CB8AC3E}">
+        <p14:creationId xmlns:p14="http://schemas.microsoft.com/office/powerpoint/2010/main" val="1058301140"/>
+      </p:ext>
+    </p:extLst>
+  </p:cSld>
+  <p:clrMap bg1="lt1" tx1="dk1" bg2="lt2" tx2="dk2" accent1="accent1" accent2="accent2" accent3="accent3" accent4="accent4" accent5="accent5" accent6="accent6" hlink="hlink" folHlink="folHlink"/>
+</p:handoutMaster>
+</file>
+
 <file path=ppt/slideLayouts/slideLayout1.xml><?xml version="1.0" encoding="utf-8"?>
 <p:sldLayout xmlns:a="http://schemas.openxmlformats.org/drawingml/2006/main" xmlns:r="http://schemas.openxmlformats.org/officeDocument/2006/relationships" xmlns:p="http://schemas.openxmlformats.org/presentationml/2006/main" type="title" preserve="1">
   <p:cSld name="Diapositive de titre">
@@ -276,7 +444,7 @@
           <a:p>
             <a:fld id="{1C2A38D2-D57A-4E64-B95F-0826012D069A}" type="datetimeFigureOut">
               <a:rPr lang="en-GB" smtClean="0"/>
-              <a:t>19/10/2021</a:t>
+              <a:t>20/10/2021</a:t>
             </a:fld>
             <a:endParaRPr lang="en-GB" dirty="0"/>
           </a:p>
@@ -318,7 +486,7 @@
           <a:p>
             <a:fld id="{9D7F7A4F-C86B-4E97-8396-79EF10BBD040}" type="slidenum">
               <a:rPr lang="en-GB" smtClean="0"/>
-              <a:t>‹#›</a:t>
+              <a:t>‹N°›</a:t>
             </a:fld>
             <a:endParaRPr lang="en-GB" dirty="0"/>
           </a:p>
@@ -446,7 +614,7 @@
           <a:p>
             <a:fld id="{1C2A38D2-D57A-4E64-B95F-0826012D069A}" type="datetimeFigureOut">
               <a:rPr lang="en-GB" smtClean="0"/>
-              <a:t>19/10/2021</a:t>
+              <a:t>20/10/2021</a:t>
             </a:fld>
             <a:endParaRPr lang="en-GB" dirty="0"/>
           </a:p>
@@ -488,7 +656,7 @@
           <a:p>
             <a:fld id="{9D7F7A4F-C86B-4E97-8396-79EF10BBD040}" type="slidenum">
               <a:rPr lang="en-GB" smtClean="0"/>
-              <a:t>‹#›</a:t>
+              <a:t>‹N°›</a:t>
             </a:fld>
             <a:endParaRPr lang="en-GB" dirty="0"/>
           </a:p>
@@ -626,7 +794,7 @@
           <a:p>
             <a:fld id="{1C2A38D2-D57A-4E64-B95F-0826012D069A}" type="datetimeFigureOut">
               <a:rPr lang="en-GB" smtClean="0"/>
-              <a:t>19/10/2021</a:t>
+              <a:t>20/10/2021</a:t>
             </a:fld>
             <a:endParaRPr lang="en-GB" dirty="0"/>
           </a:p>
@@ -668,7 +836,7 @@
           <a:p>
             <a:fld id="{9D7F7A4F-C86B-4E97-8396-79EF10BBD040}" type="slidenum">
               <a:rPr lang="en-GB" smtClean="0"/>
-              <a:t>‹#›</a:t>
+              <a:t>‹N°›</a:t>
             </a:fld>
             <a:endParaRPr lang="en-GB" dirty="0"/>
           </a:p>
@@ -796,7 +964,7 @@
           <a:p>
             <a:fld id="{1C2A38D2-D57A-4E64-B95F-0826012D069A}" type="datetimeFigureOut">
               <a:rPr lang="en-GB" smtClean="0"/>
-              <a:t>19/10/2021</a:t>
+              <a:t>20/10/2021</a:t>
             </a:fld>
             <a:endParaRPr lang="en-GB" dirty="0"/>
           </a:p>
@@ -838,7 +1006,7 @@
           <a:p>
             <a:fld id="{9D7F7A4F-C86B-4E97-8396-79EF10BBD040}" type="slidenum">
               <a:rPr lang="en-GB" smtClean="0"/>
-              <a:t>‹#›</a:t>
+              <a:t>‹N°›</a:t>
             </a:fld>
             <a:endParaRPr lang="en-GB" dirty="0"/>
           </a:p>
@@ -1042,7 +1210,7 @@
           <a:p>
             <a:fld id="{1C2A38D2-D57A-4E64-B95F-0826012D069A}" type="datetimeFigureOut">
               <a:rPr lang="en-GB" smtClean="0"/>
-              <a:t>19/10/2021</a:t>
+              <a:t>20/10/2021</a:t>
             </a:fld>
             <a:endParaRPr lang="en-GB" dirty="0"/>
           </a:p>
@@ -1084,7 +1252,7 @@
           <a:p>
             <a:fld id="{9D7F7A4F-C86B-4E97-8396-79EF10BBD040}" type="slidenum">
               <a:rPr lang="en-GB" smtClean="0"/>
-              <a:t>‹#›</a:t>
+              <a:t>‹N°›</a:t>
             </a:fld>
             <a:endParaRPr lang="en-GB" dirty="0"/>
           </a:p>
@@ -1274,7 +1442,7 @@
           <a:p>
             <a:fld id="{1C2A38D2-D57A-4E64-B95F-0826012D069A}" type="datetimeFigureOut">
               <a:rPr lang="en-GB" smtClean="0"/>
-              <a:t>19/10/2021</a:t>
+              <a:t>20/10/2021</a:t>
             </a:fld>
             <a:endParaRPr lang="en-GB" dirty="0"/>
           </a:p>
@@ -1316,7 +1484,7 @@
           <a:p>
             <a:fld id="{9D7F7A4F-C86B-4E97-8396-79EF10BBD040}" type="slidenum">
               <a:rPr lang="en-GB" smtClean="0"/>
-              <a:t>‹#›</a:t>
+              <a:t>‹N°›</a:t>
             </a:fld>
             <a:endParaRPr lang="en-GB" dirty="0"/>
           </a:p>
@@ -1641,7 +1809,7 @@
           <a:p>
             <a:fld id="{1C2A38D2-D57A-4E64-B95F-0826012D069A}" type="datetimeFigureOut">
               <a:rPr lang="en-GB" smtClean="0"/>
-              <a:t>19/10/2021</a:t>
+              <a:t>20/10/2021</a:t>
             </a:fld>
             <a:endParaRPr lang="en-GB" dirty="0"/>
           </a:p>
@@ -1683,7 +1851,7 @@
           <a:p>
             <a:fld id="{9D7F7A4F-C86B-4E97-8396-79EF10BBD040}" type="slidenum">
               <a:rPr lang="en-GB" smtClean="0"/>
-              <a:t>‹#›</a:t>
+              <a:t>‹N°›</a:t>
             </a:fld>
             <a:endParaRPr lang="en-GB" dirty="0"/>
           </a:p>
@@ -1759,7 +1927,7 @@
           <a:p>
             <a:fld id="{1C2A38D2-D57A-4E64-B95F-0826012D069A}" type="datetimeFigureOut">
               <a:rPr lang="en-GB" smtClean="0"/>
-              <a:t>19/10/2021</a:t>
+              <a:t>20/10/2021</a:t>
             </a:fld>
             <a:endParaRPr lang="en-GB" dirty="0"/>
           </a:p>
@@ -1801,7 +1969,7 @@
           <a:p>
             <a:fld id="{9D7F7A4F-C86B-4E97-8396-79EF10BBD040}" type="slidenum">
               <a:rPr lang="en-GB" smtClean="0"/>
-              <a:t>‹#›</a:t>
+              <a:t>‹N°›</a:t>
             </a:fld>
             <a:endParaRPr lang="en-GB" dirty="0"/>
           </a:p>
@@ -1854,7 +2022,7 @@
           <a:p>
             <a:fld id="{1C2A38D2-D57A-4E64-B95F-0826012D069A}" type="datetimeFigureOut">
               <a:rPr lang="en-GB" smtClean="0"/>
-              <a:t>19/10/2021</a:t>
+              <a:t>20/10/2021</a:t>
             </a:fld>
             <a:endParaRPr lang="en-GB" dirty="0"/>
           </a:p>
@@ -1896,7 +2064,7 @@
           <a:p>
             <a:fld id="{9D7F7A4F-C86B-4E97-8396-79EF10BBD040}" type="slidenum">
               <a:rPr lang="en-GB" smtClean="0"/>
-              <a:t>‹#›</a:t>
+              <a:t>‹N°›</a:t>
             </a:fld>
             <a:endParaRPr lang="en-GB" dirty="0"/>
           </a:p>
@@ -2131,7 +2299,7 @@
           <a:p>
             <a:fld id="{1C2A38D2-D57A-4E64-B95F-0826012D069A}" type="datetimeFigureOut">
               <a:rPr lang="en-GB" smtClean="0"/>
-              <a:t>19/10/2021</a:t>
+              <a:t>20/10/2021</a:t>
             </a:fld>
             <a:endParaRPr lang="en-GB" dirty="0"/>
           </a:p>
@@ -2173,7 +2341,7 @@
           <a:p>
             <a:fld id="{9D7F7A4F-C86B-4E97-8396-79EF10BBD040}" type="slidenum">
               <a:rPr lang="en-GB" smtClean="0"/>
-              <a:t>‹#›</a:t>
+              <a:t>‹N°›</a:t>
             </a:fld>
             <a:endParaRPr lang="en-GB" dirty="0"/>
           </a:p>
@@ -2384,7 +2552,7 @@
           <a:p>
             <a:fld id="{1C2A38D2-D57A-4E64-B95F-0826012D069A}" type="datetimeFigureOut">
               <a:rPr lang="en-GB" smtClean="0"/>
-              <a:t>19/10/2021</a:t>
+              <a:t>20/10/2021</a:t>
             </a:fld>
             <a:endParaRPr lang="en-GB" dirty="0"/>
           </a:p>
@@ -2426,7 +2594,7 @@
           <a:p>
             <a:fld id="{9D7F7A4F-C86B-4E97-8396-79EF10BBD040}" type="slidenum">
               <a:rPr lang="en-GB" smtClean="0"/>
-              <a:t>‹#›</a:t>
+              <a:t>‹N°›</a:t>
             </a:fld>
             <a:endParaRPr lang="en-GB" dirty="0"/>
           </a:p>
@@ -2597,7 +2765,7 @@
           <a:p>
             <a:fld id="{1C2A38D2-D57A-4E64-B95F-0826012D069A}" type="datetimeFigureOut">
               <a:rPr lang="en-GB" smtClean="0"/>
-              <a:t>19/10/2021</a:t>
+              <a:t>20/10/2021</a:t>
             </a:fld>
             <a:endParaRPr lang="en-GB" dirty="0"/>
           </a:p>
@@ -2675,7 +2843,7 @@
           <a:p>
             <a:fld id="{9D7F7A4F-C86B-4E97-8396-79EF10BBD040}" type="slidenum">
               <a:rPr lang="en-GB" smtClean="0"/>
-              <a:t>‹#›</a:t>
+              <a:t>‹N°›</a:t>
             </a:fld>
             <a:endParaRPr lang="en-GB" dirty="0"/>
           </a:p>
@@ -4213,7 +4381,7 @@
         </p:nvSpPr>
         <p:spPr>
           <a:xfrm>
-            <a:off x="3099106" y="350357"/>
+            <a:off x="3099106" y="366983"/>
             <a:ext cx="5993789" cy="461665"/>
           </a:xfrm>
           <a:prstGeom prst="rect">
@@ -4468,6 +4636,214 @@
           </a:prstGeom>
         </p:spPr>
       </p:pic>
+      <p:grpSp>
+        <p:nvGrpSpPr>
+          <p:cNvPr id="8" name="Groupe 7"/>
+          <p:cNvGrpSpPr/>
+          <p:nvPr/>
+        </p:nvGrpSpPr>
+        <p:grpSpPr>
+          <a:xfrm>
+            <a:off x="4819152" y="3429000"/>
+            <a:ext cx="2553693" cy="2475203"/>
+            <a:chOff x="4807226" y="3724111"/>
+            <a:chExt cx="2553693" cy="2475203"/>
+          </a:xfrm>
+        </p:grpSpPr>
+        <p:grpSp>
+          <p:nvGrpSpPr>
+            <p:cNvPr id="10" name="Groupe 9"/>
+            <p:cNvGrpSpPr/>
+            <p:nvPr/>
+          </p:nvGrpSpPr>
+          <p:grpSpPr>
+            <a:xfrm>
+              <a:off x="4807226" y="3724111"/>
+              <a:ext cx="2553693" cy="2475203"/>
+              <a:chOff x="4807226" y="3724111"/>
+              <a:chExt cx="2553693" cy="2475203"/>
+            </a:xfrm>
+          </p:grpSpPr>
+          <p:pic>
+            <p:nvPicPr>
+              <p:cNvPr id="13" name="Picture 1">
+                <a:extLst>
+                  <a:ext uri="{FF2B5EF4-FFF2-40B4-BE49-F238E27FC236}">
+                    <a16:creationId xmlns:a16="http://schemas.microsoft.com/office/drawing/2014/main" id="{88F87B56-3A1F-46ED-B0F7-1E813590C499}"/>
+                  </a:ext>
+                </a:extLst>
+              </p:cNvPr>
+              <p:cNvPicPr>
+                <a:picLocks noChangeAspect="1"/>
+              </p:cNvPicPr>
+              <p:nvPr/>
+            </p:nvPicPr>
+            <p:blipFill rotWithShape="1">
+              <a:blip r:embed="rId3"/>
+              <a:srcRect l="25294" t="16027" r="25294" b="12133"/>
+              <a:stretch/>
+            </p:blipFill>
+            <p:spPr>
+              <a:xfrm>
+                <a:off x="4807226" y="3724111"/>
+                <a:ext cx="2553693" cy="2475203"/>
+              </a:xfrm>
+              <a:prstGeom prst="rect">
+                <a:avLst/>
+              </a:prstGeom>
+            </p:spPr>
+          </p:pic>
+          <p:pic>
+            <p:nvPicPr>
+              <p:cNvPr id="14" name="Picture 1">
+                <a:extLst>
+                  <a:ext uri="{FF2B5EF4-FFF2-40B4-BE49-F238E27FC236}">
+                    <a16:creationId xmlns:a16="http://schemas.microsoft.com/office/drawing/2014/main" id="{88F87B56-3A1F-46ED-B0F7-1E813590C499}"/>
+                  </a:ext>
+                </a:extLst>
+              </p:cNvPr>
+              <p:cNvPicPr>
+                <a:picLocks noChangeAspect="1"/>
+              </p:cNvPicPr>
+              <p:nvPr/>
+            </p:nvPicPr>
+            <p:blipFill rotWithShape="1">
+              <a:blip r:embed="rId3"/>
+              <a:srcRect l="49823" t="69829" r="37838" b="12205"/>
+              <a:stretch/>
+            </p:blipFill>
+            <p:spPr>
+              <a:xfrm>
+                <a:off x="6072272" y="4325560"/>
+                <a:ext cx="637735" cy="618978"/>
+              </a:xfrm>
+              <a:prstGeom prst="rect">
+                <a:avLst/>
+              </a:prstGeom>
+            </p:spPr>
+          </p:pic>
+        </p:grpSp>
+        <p:sp>
+          <p:nvSpPr>
+            <p:cNvPr id="11" name="Rectangle 10"/>
+            <p:cNvSpPr/>
+            <p:nvPr/>
+          </p:nvSpPr>
+          <p:spPr>
+            <a:xfrm>
+              <a:off x="6160294" y="4405464"/>
+              <a:ext cx="469106" cy="464191"/>
+            </a:xfrm>
+            <a:prstGeom prst="rect">
+              <a:avLst/>
+            </a:prstGeom>
+            <a:solidFill>
+              <a:schemeClr val="bg1"/>
+            </a:solidFill>
+            <a:ln>
+              <a:solidFill>
+                <a:schemeClr val="bg1"/>
+              </a:solidFill>
+            </a:ln>
+          </p:spPr>
+          <p:style>
+            <a:lnRef idx="2">
+              <a:schemeClr val="accent1">
+                <a:shade val="50000"/>
+              </a:schemeClr>
+            </a:lnRef>
+            <a:fillRef idx="1">
+              <a:schemeClr val="accent1"/>
+            </a:fillRef>
+            <a:effectRef idx="0">
+              <a:schemeClr val="accent1"/>
+            </a:effectRef>
+            <a:fontRef idx="minor">
+              <a:schemeClr val="lt1"/>
+            </a:fontRef>
+          </p:style>
+          <p:txBody>
+            <a:bodyPr rtlCol="0" anchor="ctr"/>
+            <a:lstStyle/>
+            <a:p>
+              <a:pPr algn="ctr"/>
+              <a:r>
+                <a:rPr lang="en-GB" sz="2800" dirty="0" smtClean="0">
+                  <a:solidFill>
+                    <a:schemeClr val="tx1"/>
+                  </a:solidFill>
+                </a:rPr>
+                <a:t>1</a:t>
+              </a:r>
+              <a:endParaRPr lang="en-GB" dirty="0">
+                <a:solidFill>
+                  <a:schemeClr val="tx1"/>
+                </a:solidFill>
+              </a:endParaRPr>
+            </a:p>
+          </p:txBody>
+        </p:sp>
+        <p:sp>
+          <p:nvSpPr>
+            <p:cNvPr id="12" name="Rectangle 11"/>
+            <p:cNvSpPr/>
+            <p:nvPr/>
+          </p:nvSpPr>
+          <p:spPr>
+            <a:xfrm>
+              <a:off x="6164899" y="5662764"/>
+              <a:ext cx="469106" cy="464191"/>
+            </a:xfrm>
+            <a:prstGeom prst="rect">
+              <a:avLst/>
+            </a:prstGeom>
+            <a:solidFill>
+              <a:schemeClr val="bg1"/>
+            </a:solidFill>
+            <a:ln>
+              <a:solidFill>
+                <a:schemeClr val="bg1"/>
+              </a:solidFill>
+            </a:ln>
+          </p:spPr>
+          <p:style>
+            <a:lnRef idx="2">
+              <a:schemeClr val="accent1">
+                <a:shade val="50000"/>
+              </a:schemeClr>
+            </a:lnRef>
+            <a:fillRef idx="1">
+              <a:schemeClr val="accent1"/>
+            </a:fillRef>
+            <a:effectRef idx="0">
+              <a:schemeClr val="accent1"/>
+            </a:effectRef>
+            <a:fontRef idx="minor">
+              <a:schemeClr val="lt1"/>
+            </a:fontRef>
+          </p:style>
+          <p:txBody>
+            <a:bodyPr rtlCol="0" anchor="ctr"/>
+            <a:lstStyle/>
+            <a:p>
+              <a:pPr algn="ctr"/>
+              <a:r>
+                <a:rPr lang="en-GB" sz="2800" dirty="0">
+                  <a:solidFill>
+                    <a:schemeClr val="tx1"/>
+                  </a:solidFill>
+                </a:rPr>
+                <a:t>1</a:t>
+              </a:r>
+              <a:endParaRPr lang="en-GB" dirty="0">
+                <a:solidFill>
+                  <a:schemeClr val="tx1"/>
+                </a:solidFill>
+              </a:endParaRPr>
+            </a:p>
+          </p:txBody>
+        </p:sp>
+      </p:grpSp>
     </p:spTree>
     <p:extLst>
       <p:ext uri="{BB962C8B-B14F-4D97-AF65-F5344CB8AC3E}">
@@ -4761,6 +5137,273 @@
           </a:p>
         </p:txBody>
       </p:sp>
+      <p:grpSp>
+        <p:nvGrpSpPr>
+          <p:cNvPr id="3" name="Groupe 2"/>
+          <p:cNvGrpSpPr/>
+          <p:nvPr/>
+        </p:nvGrpSpPr>
+        <p:grpSpPr>
+          <a:xfrm>
+            <a:off x="4823852" y="3418718"/>
+            <a:ext cx="2553693" cy="2475203"/>
+            <a:chOff x="4832165" y="3402092"/>
+            <a:chExt cx="2553693" cy="2475203"/>
+          </a:xfrm>
+        </p:grpSpPr>
+        <p:grpSp>
+          <p:nvGrpSpPr>
+            <p:cNvPr id="7" name="Groupe 6"/>
+            <p:cNvGrpSpPr/>
+            <p:nvPr/>
+          </p:nvGrpSpPr>
+          <p:grpSpPr>
+            <a:xfrm>
+              <a:off x="4832165" y="3402092"/>
+              <a:ext cx="2553693" cy="2475203"/>
+              <a:chOff x="4807226" y="3724111"/>
+              <a:chExt cx="2553693" cy="2475203"/>
+            </a:xfrm>
+          </p:grpSpPr>
+          <p:grpSp>
+            <p:nvGrpSpPr>
+              <p:cNvPr id="8" name="Groupe 7"/>
+              <p:cNvGrpSpPr/>
+              <p:nvPr/>
+            </p:nvGrpSpPr>
+            <p:grpSpPr>
+              <a:xfrm>
+                <a:off x="4807226" y="3724111"/>
+                <a:ext cx="2553693" cy="2475203"/>
+                <a:chOff x="4807226" y="3724111"/>
+                <a:chExt cx="2553693" cy="2475203"/>
+              </a:xfrm>
+            </p:grpSpPr>
+            <p:pic>
+              <p:nvPicPr>
+                <p:cNvPr id="12" name="Picture 1">
+                  <a:extLst>
+                    <a:ext uri="{FF2B5EF4-FFF2-40B4-BE49-F238E27FC236}">
+                      <a16:creationId xmlns:a16="http://schemas.microsoft.com/office/drawing/2014/main" id="{88F87B56-3A1F-46ED-B0F7-1E813590C499}"/>
+                    </a:ext>
+                  </a:extLst>
+                </p:cNvPr>
+                <p:cNvPicPr>
+                  <a:picLocks noChangeAspect="1"/>
+                </p:cNvPicPr>
+                <p:nvPr/>
+              </p:nvPicPr>
+              <p:blipFill rotWithShape="1">
+                <a:blip r:embed="rId3"/>
+                <a:srcRect l="25294" t="16027" r="25294" b="12133"/>
+                <a:stretch/>
+              </p:blipFill>
+              <p:spPr>
+                <a:xfrm>
+                  <a:off x="4807226" y="3724111"/>
+                  <a:ext cx="2553693" cy="2475203"/>
+                </a:xfrm>
+                <a:prstGeom prst="rect">
+                  <a:avLst/>
+                </a:prstGeom>
+              </p:spPr>
+            </p:pic>
+            <p:pic>
+              <p:nvPicPr>
+                <p:cNvPr id="13" name="Picture 1">
+                  <a:extLst>
+                    <a:ext uri="{FF2B5EF4-FFF2-40B4-BE49-F238E27FC236}">
+                      <a16:creationId xmlns:a16="http://schemas.microsoft.com/office/drawing/2014/main" id="{88F87B56-3A1F-46ED-B0F7-1E813590C499}"/>
+                    </a:ext>
+                  </a:extLst>
+                </p:cNvPr>
+                <p:cNvPicPr>
+                  <a:picLocks noChangeAspect="1"/>
+                </p:cNvPicPr>
+                <p:nvPr/>
+              </p:nvPicPr>
+              <p:blipFill rotWithShape="1">
+                <a:blip r:embed="rId3"/>
+                <a:srcRect l="49823" t="69829" r="37838" b="12205"/>
+                <a:stretch/>
+              </p:blipFill>
+              <p:spPr>
+                <a:xfrm>
+                  <a:off x="6072272" y="4325560"/>
+                  <a:ext cx="637735" cy="618978"/>
+                </a:xfrm>
+                <a:prstGeom prst="rect">
+                  <a:avLst/>
+                </a:prstGeom>
+              </p:spPr>
+            </p:pic>
+          </p:grpSp>
+          <p:sp>
+            <p:nvSpPr>
+              <p:cNvPr id="10" name="Rectangle 9"/>
+              <p:cNvSpPr/>
+              <p:nvPr/>
+            </p:nvSpPr>
+            <p:spPr>
+              <a:xfrm>
+                <a:off x="6160294" y="4405464"/>
+                <a:ext cx="469106" cy="464191"/>
+              </a:xfrm>
+              <a:prstGeom prst="rect">
+                <a:avLst/>
+              </a:prstGeom>
+              <a:solidFill>
+                <a:schemeClr val="bg1"/>
+              </a:solidFill>
+              <a:ln>
+                <a:solidFill>
+                  <a:schemeClr val="bg1"/>
+                </a:solidFill>
+              </a:ln>
+            </p:spPr>
+            <p:style>
+              <a:lnRef idx="2">
+                <a:schemeClr val="accent1">
+                  <a:shade val="50000"/>
+                </a:schemeClr>
+              </a:lnRef>
+              <a:fillRef idx="1">
+                <a:schemeClr val="accent1"/>
+              </a:fillRef>
+              <a:effectRef idx="0">
+                <a:schemeClr val="accent1"/>
+              </a:effectRef>
+              <a:fontRef idx="minor">
+                <a:schemeClr val="lt1"/>
+              </a:fontRef>
+            </p:style>
+            <p:txBody>
+              <a:bodyPr rtlCol="0" anchor="ctr"/>
+              <a:lstStyle/>
+              <a:p>
+                <a:pPr algn="ctr"/>
+                <a:endParaRPr lang="en-GB" dirty="0">
+                  <a:solidFill>
+                    <a:schemeClr val="tx1"/>
+                  </a:solidFill>
+                </a:endParaRPr>
+              </a:p>
+            </p:txBody>
+          </p:sp>
+          <p:sp>
+            <p:nvSpPr>
+              <p:cNvPr id="11" name="Rectangle 10"/>
+              <p:cNvSpPr/>
+              <p:nvPr/>
+            </p:nvSpPr>
+            <p:spPr>
+              <a:xfrm>
+                <a:off x="6156586" y="5662764"/>
+                <a:ext cx="469106" cy="464191"/>
+              </a:xfrm>
+              <a:prstGeom prst="rect">
+                <a:avLst/>
+              </a:prstGeom>
+              <a:solidFill>
+                <a:schemeClr val="bg1"/>
+              </a:solidFill>
+              <a:ln>
+                <a:solidFill>
+                  <a:schemeClr val="bg1"/>
+                </a:solidFill>
+              </a:ln>
+            </p:spPr>
+            <p:style>
+              <a:lnRef idx="2">
+                <a:schemeClr val="accent1">
+                  <a:shade val="50000"/>
+                </a:schemeClr>
+              </a:lnRef>
+              <a:fillRef idx="1">
+                <a:schemeClr val="accent1"/>
+              </a:fillRef>
+              <a:effectRef idx="0">
+                <a:schemeClr val="accent1"/>
+              </a:effectRef>
+              <a:fontRef idx="minor">
+                <a:schemeClr val="lt1"/>
+              </a:fontRef>
+            </p:style>
+            <p:txBody>
+              <a:bodyPr rtlCol="0" anchor="ctr"/>
+              <a:lstStyle/>
+              <a:p>
+                <a:pPr algn="ctr"/>
+                <a:endParaRPr lang="en-GB" dirty="0">
+                  <a:solidFill>
+                    <a:schemeClr val="tx1"/>
+                  </a:solidFill>
+                </a:endParaRPr>
+              </a:p>
+            </p:txBody>
+          </p:sp>
+        </p:grpSp>
+        <p:sp>
+          <p:nvSpPr>
+            <p:cNvPr id="2" name="ZoneTexte 1"/>
+            <p:cNvSpPr txBox="1"/>
+            <p:nvPr/>
+          </p:nvSpPr>
+          <p:spPr>
+            <a:xfrm>
+              <a:off x="5619405" y="3427022"/>
+              <a:ext cx="367408" cy="523220"/>
+            </a:xfrm>
+            <a:prstGeom prst="rect">
+              <a:avLst/>
+            </a:prstGeom>
+            <a:noFill/>
+          </p:spPr>
+          <p:txBody>
+            <a:bodyPr wrap="none" rtlCol="0">
+              <a:spAutoFit/>
+            </a:bodyPr>
+            <a:lstStyle/>
+            <a:p>
+              <a:r>
+                <a:rPr lang="en-GB" sz="2800" dirty="0" smtClean="0"/>
+                <a:t>2</a:t>
+              </a:r>
+              <a:endParaRPr lang="en-GB" dirty="0"/>
+            </a:p>
+          </p:txBody>
+        </p:sp>
+        <p:sp>
+          <p:nvSpPr>
+            <p:cNvPr id="15" name="ZoneTexte 14"/>
+            <p:cNvSpPr txBox="1"/>
+            <p:nvPr/>
+          </p:nvSpPr>
+          <p:spPr>
+            <a:xfrm>
+              <a:off x="6860772" y="5300157"/>
+              <a:ext cx="367408" cy="523220"/>
+            </a:xfrm>
+            <a:prstGeom prst="rect">
+              <a:avLst/>
+            </a:prstGeom>
+            <a:noFill/>
+          </p:spPr>
+          <p:txBody>
+            <a:bodyPr wrap="none" rtlCol="0">
+              <a:spAutoFit/>
+            </a:bodyPr>
+            <a:lstStyle/>
+            <a:p>
+              <a:r>
+                <a:rPr lang="en-GB" sz="2800" dirty="0" smtClean="0"/>
+                <a:t>2</a:t>
+              </a:r>
+              <a:endParaRPr lang="en-GB" dirty="0"/>
+            </a:p>
+          </p:txBody>
+        </p:sp>
+      </p:grpSp>
     </p:spTree>
     <p:extLst>
       <p:ext uri="{BB962C8B-B14F-4D97-AF65-F5344CB8AC3E}">
@@ -5054,6 +5697,299 @@
           </a:p>
         </p:txBody>
       </p:sp>
+      <p:grpSp>
+        <p:nvGrpSpPr>
+          <p:cNvPr id="8" name="Groupe 7"/>
+          <p:cNvGrpSpPr/>
+          <p:nvPr/>
+        </p:nvGrpSpPr>
+        <p:grpSpPr>
+          <a:xfrm>
+            <a:off x="4819152" y="3429000"/>
+            <a:ext cx="2553693" cy="2475203"/>
+            <a:chOff x="4832165" y="3402092"/>
+            <a:chExt cx="2553693" cy="2475203"/>
+          </a:xfrm>
+        </p:grpSpPr>
+        <p:grpSp>
+          <p:nvGrpSpPr>
+            <p:cNvPr id="10" name="Groupe 9"/>
+            <p:cNvGrpSpPr/>
+            <p:nvPr/>
+          </p:nvGrpSpPr>
+          <p:grpSpPr>
+            <a:xfrm>
+              <a:off x="4832165" y="3402092"/>
+              <a:ext cx="2553693" cy="2475203"/>
+              <a:chOff x="4807226" y="3724111"/>
+              <a:chExt cx="2553693" cy="2475203"/>
+            </a:xfrm>
+          </p:grpSpPr>
+          <p:grpSp>
+            <p:nvGrpSpPr>
+              <p:cNvPr id="14" name="Groupe 13"/>
+              <p:cNvGrpSpPr/>
+              <p:nvPr/>
+            </p:nvGrpSpPr>
+            <p:grpSpPr>
+              <a:xfrm>
+                <a:off x="4807226" y="3724111"/>
+                <a:ext cx="2553693" cy="2475203"/>
+                <a:chOff x="4807226" y="3724111"/>
+                <a:chExt cx="2553693" cy="2475203"/>
+              </a:xfrm>
+            </p:grpSpPr>
+            <p:pic>
+              <p:nvPicPr>
+                <p:cNvPr id="17" name="Picture 1">
+                  <a:extLst>
+                    <a:ext uri="{FF2B5EF4-FFF2-40B4-BE49-F238E27FC236}">
+                      <a16:creationId xmlns:a16="http://schemas.microsoft.com/office/drawing/2014/main" id="{88F87B56-3A1F-46ED-B0F7-1E813590C499}"/>
+                    </a:ext>
+                  </a:extLst>
+                </p:cNvPr>
+                <p:cNvPicPr>
+                  <a:picLocks noChangeAspect="1"/>
+                </p:cNvPicPr>
+                <p:nvPr/>
+              </p:nvPicPr>
+              <p:blipFill rotWithShape="1">
+                <a:blip r:embed="rId3"/>
+                <a:srcRect l="25294" t="16027" r="25294" b="12133"/>
+                <a:stretch/>
+              </p:blipFill>
+              <p:spPr>
+                <a:xfrm>
+                  <a:off x="4807226" y="3724111"/>
+                  <a:ext cx="2553693" cy="2475203"/>
+                </a:xfrm>
+                <a:prstGeom prst="rect">
+                  <a:avLst/>
+                </a:prstGeom>
+              </p:spPr>
+            </p:pic>
+            <p:pic>
+              <p:nvPicPr>
+                <p:cNvPr id="18" name="Picture 1">
+                  <a:extLst>
+                    <a:ext uri="{FF2B5EF4-FFF2-40B4-BE49-F238E27FC236}">
+                      <a16:creationId xmlns:a16="http://schemas.microsoft.com/office/drawing/2014/main" id="{88F87B56-3A1F-46ED-B0F7-1E813590C499}"/>
+                    </a:ext>
+                  </a:extLst>
+                </p:cNvPr>
+                <p:cNvPicPr>
+                  <a:picLocks noChangeAspect="1"/>
+                </p:cNvPicPr>
+                <p:nvPr/>
+              </p:nvPicPr>
+              <p:blipFill rotWithShape="1">
+                <a:blip r:embed="rId3"/>
+                <a:srcRect l="49823" t="69829" r="37838" b="12205"/>
+                <a:stretch/>
+              </p:blipFill>
+              <p:spPr>
+                <a:xfrm>
+                  <a:off x="6072272" y="4325560"/>
+                  <a:ext cx="637735" cy="618978"/>
+                </a:xfrm>
+                <a:prstGeom prst="rect">
+                  <a:avLst/>
+                </a:prstGeom>
+              </p:spPr>
+            </p:pic>
+          </p:grpSp>
+          <p:sp>
+            <p:nvSpPr>
+              <p:cNvPr id="15" name="Rectangle 14"/>
+              <p:cNvSpPr/>
+              <p:nvPr/>
+            </p:nvSpPr>
+            <p:spPr>
+              <a:xfrm>
+                <a:off x="6160294" y="4405464"/>
+                <a:ext cx="469106" cy="464191"/>
+              </a:xfrm>
+              <a:prstGeom prst="rect">
+                <a:avLst/>
+              </a:prstGeom>
+              <a:solidFill>
+                <a:schemeClr val="bg1"/>
+              </a:solidFill>
+              <a:ln>
+                <a:solidFill>
+                  <a:schemeClr val="bg1"/>
+                </a:solidFill>
+              </a:ln>
+            </p:spPr>
+            <p:style>
+              <a:lnRef idx="2">
+                <a:schemeClr val="accent1">
+                  <a:shade val="50000"/>
+                </a:schemeClr>
+              </a:lnRef>
+              <a:fillRef idx="1">
+                <a:schemeClr val="accent1"/>
+              </a:fillRef>
+              <a:effectRef idx="0">
+                <a:schemeClr val="accent1"/>
+              </a:effectRef>
+              <a:fontRef idx="minor">
+                <a:schemeClr val="lt1"/>
+              </a:fontRef>
+            </p:style>
+            <p:txBody>
+              <a:bodyPr rtlCol="0" anchor="ctr"/>
+              <a:lstStyle/>
+              <a:p>
+                <a:pPr algn="ctr"/>
+                <a:endParaRPr lang="en-GB" dirty="0">
+                  <a:solidFill>
+                    <a:schemeClr val="tx1"/>
+                  </a:solidFill>
+                </a:endParaRPr>
+              </a:p>
+            </p:txBody>
+          </p:sp>
+          <p:sp>
+            <p:nvSpPr>
+              <p:cNvPr id="16" name="Rectangle 15"/>
+              <p:cNvSpPr/>
+              <p:nvPr/>
+            </p:nvSpPr>
+            <p:spPr>
+              <a:xfrm>
+                <a:off x="6164899" y="5654451"/>
+                <a:ext cx="469106" cy="464191"/>
+              </a:xfrm>
+              <a:prstGeom prst="rect">
+                <a:avLst/>
+              </a:prstGeom>
+              <a:solidFill>
+                <a:schemeClr val="bg1"/>
+              </a:solidFill>
+              <a:ln>
+                <a:solidFill>
+                  <a:schemeClr val="bg1"/>
+                </a:solidFill>
+              </a:ln>
+            </p:spPr>
+            <p:style>
+              <a:lnRef idx="2">
+                <a:schemeClr val="accent1">
+                  <a:shade val="50000"/>
+                </a:schemeClr>
+              </a:lnRef>
+              <a:fillRef idx="1">
+                <a:schemeClr val="accent1"/>
+              </a:fillRef>
+              <a:effectRef idx="0">
+                <a:schemeClr val="accent1"/>
+              </a:effectRef>
+              <a:fontRef idx="minor">
+                <a:schemeClr val="lt1"/>
+              </a:fontRef>
+            </p:style>
+            <p:txBody>
+              <a:bodyPr rtlCol="0" anchor="ctr"/>
+              <a:lstStyle/>
+              <a:p>
+                <a:pPr algn="ctr"/>
+                <a:endParaRPr lang="en-GB" dirty="0">
+                  <a:solidFill>
+                    <a:schemeClr val="tx1"/>
+                  </a:solidFill>
+                </a:endParaRPr>
+              </a:p>
+            </p:txBody>
+          </p:sp>
+        </p:grpSp>
+        <p:sp>
+          <p:nvSpPr>
+            <p:cNvPr id="11" name="ZoneTexte 10"/>
+            <p:cNvSpPr txBox="1"/>
+            <p:nvPr/>
+          </p:nvSpPr>
+          <p:spPr>
+            <a:xfrm>
+              <a:off x="5619405" y="3427022"/>
+              <a:ext cx="184731" cy="369332"/>
+            </a:xfrm>
+            <a:prstGeom prst="rect">
+              <a:avLst/>
+            </a:prstGeom>
+            <a:noFill/>
+          </p:spPr>
+          <p:txBody>
+            <a:bodyPr wrap="none" rtlCol="0">
+              <a:spAutoFit/>
+            </a:bodyPr>
+            <a:lstStyle/>
+            <a:p>
+              <a:endParaRPr lang="en-GB" dirty="0"/>
+            </a:p>
+          </p:txBody>
+        </p:sp>
+      </p:grpSp>
+      <p:sp>
+        <p:nvSpPr>
+          <p:cNvPr id="2" name="ZoneTexte 1"/>
+          <p:cNvSpPr txBox="1"/>
+          <p:nvPr/>
+        </p:nvSpPr>
+        <p:spPr>
+          <a:xfrm>
+            <a:off x="6252222" y="4738129"/>
+            <a:ext cx="340158" cy="461665"/>
+          </a:xfrm>
+          <a:prstGeom prst="rect">
+            <a:avLst/>
+          </a:prstGeom>
+          <a:noFill/>
+        </p:spPr>
+        <p:txBody>
+          <a:bodyPr wrap="none" rtlCol="0">
+            <a:spAutoFit/>
+          </a:bodyPr>
+          <a:lstStyle/>
+          <a:p>
+            <a:r>
+              <a:rPr lang="en-GB" sz="2400" dirty="0" smtClean="0"/>
+              <a:t>3</a:t>
+            </a:r>
+            <a:endParaRPr lang="en-GB" sz="2400" dirty="0"/>
+          </a:p>
+        </p:txBody>
+      </p:sp>
+      <p:sp>
+        <p:nvSpPr>
+          <p:cNvPr id="19" name="ZoneTexte 18"/>
+          <p:cNvSpPr txBox="1"/>
+          <p:nvPr/>
+        </p:nvSpPr>
+        <p:spPr>
+          <a:xfrm>
+            <a:off x="4987752" y="5361866"/>
+            <a:ext cx="340158" cy="461665"/>
+          </a:xfrm>
+          <a:prstGeom prst="rect">
+            <a:avLst/>
+          </a:prstGeom>
+          <a:noFill/>
+        </p:spPr>
+        <p:txBody>
+          <a:bodyPr wrap="none" rtlCol="0">
+            <a:spAutoFit/>
+          </a:bodyPr>
+          <a:lstStyle/>
+          <a:p>
+            <a:r>
+              <a:rPr lang="en-GB" sz="2400" dirty="0" smtClean="0"/>
+              <a:t>3</a:t>
+            </a:r>
+            <a:endParaRPr lang="en-GB" sz="2400" dirty="0"/>
+          </a:p>
+        </p:txBody>
+      </p:sp>
     </p:spTree>
     <p:extLst>
       <p:ext uri="{BB962C8B-B14F-4D97-AF65-F5344CB8AC3E}">
@@ -5347,6 +6283,298 @@
           </a:p>
         </p:txBody>
       </p:sp>
+      <p:grpSp>
+        <p:nvGrpSpPr>
+          <p:cNvPr id="19" name="Groupe 18"/>
+          <p:cNvGrpSpPr/>
+          <p:nvPr/>
+        </p:nvGrpSpPr>
+        <p:grpSpPr>
+          <a:xfrm>
+            <a:off x="4819152" y="3429000"/>
+            <a:ext cx="2553693" cy="2475203"/>
+            <a:chOff x="4832165" y="3402092"/>
+            <a:chExt cx="2553693" cy="2475203"/>
+          </a:xfrm>
+        </p:grpSpPr>
+        <p:grpSp>
+          <p:nvGrpSpPr>
+            <p:cNvPr id="20" name="Groupe 19"/>
+            <p:cNvGrpSpPr/>
+            <p:nvPr/>
+          </p:nvGrpSpPr>
+          <p:grpSpPr>
+            <a:xfrm>
+              <a:off x="4832165" y="3402092"/>
+              <a:ext cx="2553693" cy="2475203"/>
+              <a:chOff x="4807226" y="3724111"/>
+              <a:chExt cx="2553693" cy="2475203"/>
+            </a:xfrm>
+          </p:grpSpPr>
+          <p:grpSp>
+            <p:nvGrpSpPr>
+              <p:cNvPr id="22" name="Groupe 21"/>
+              <p:cNvGrpSpPr/>
+              <p:nvPr/>
+            </p:nvGrpSpPr>
+            <p:grpSpPr>
+              <a:xfrm>
+                <a:off x="4807226" y="3724111"/>
+                <a:ext cx="2553693" cy="2475203"/>
+                <a:chOff x="4807226" y="3724111"/>
+                <a:chExt cx="2553693" cy="2475203"/>
+              </a:xfrm>
+            </p:grpSpPr>
+            <p:pic>
+              <p:nvPicPr>
+                <p:cNvPr id="25" name="Picture 1">
+                  <a:extLst>
+                    <a:ext uri="{FF2B5EF4-FFF2-40B4-BE49-F238E27FC236}">
+                      <a16:creationId xmlns:a16="http://schemas.microsoft.com/office/drawing/2014/main" id="{88F87B56-3A1F-46ED-B0F7-1E813590C499}"/>
+                    </a:ext>
+                  </a:extLst>
+                </p:cNvPr>
+                <p:cNvPicPr>
+                  <a:picLocks noChangeAspect="1"/>
+                </p:cNvPicPr>
+                <p:nvPr/>
+              </p:nvPicPr>
+              <p:blipFill rotWithShape="1">
+                <a:blip r:embed="rId3"/>
+                <a:srcRect l="25294" t="16027" r="25294" b="12133"/>
+                <a:stretch/>
+              </p:blipFill>
+              <p:spPr>
+                <a:xfrm>
+                  <a:off x="4807226" y="3724111"/>
+                  <a:ext cx="2553693" cy="2475203"/>
+                </a:xfrm>
+                <a:prstGeom prst="rect">
+                  <a:avLst/>
+                </a:prstGeom>
+              </p:spPr>
+            </p:pic>
+            <p:pic>
+              <p:nvPicPr>
+                <p:cNvPr id="26" name="Picture 1">
+                  <a:extLst>
+                    <a:ext uri="{FF2B5EF4-FFF2-40B4-BE49-F238E27FC236}">
+                      <a16:creationId xmlns:a16="http://schemas.microsoft.com/office/drawing/2014/main" id="{88F87B56-3A1F-46ED-B0F7-1E813590C499}"/>
+                    </a:ext>
+                  </a:extLst>
+                </p:cNvPr>
+                <p:cNvPicPr>
+                  <a:picLocks noChangeAspect="1"/>
+                </p:cNvPicPr>
+                <p:nvPr/>
+              </p:nvPicPr>
+              <p:blipFill rotWithShape="1">
+                <a:blip r:embed="rId3"/>
+                <a:srcRect l="49823" t="69829" r="37838" b="12205"/>
+                <a:stretch/>
+              </p:blipFill>
+              <p:spPr>
+                <a:xfrm>
+                  <a:off x="6072272" y="4325560"/>
+                  <a:ext cx="637735" cy="618978"/>
+                </a:xfrm>
+                <a:prstGeom prst="rect">
+                  <a:avLst/>
+                </a:prstGeom>
+              </p:spPr>
+            </p:pic>
+          </p:grpSp>
+          <p:sp>
+            <p:nvSpPr>
+              <p:cNvPr id="23" name="Rectangle 22"/>
+              <p:cNvSpPr/>
+              <p:nvPr/>
+            </p:nvSpPr>
+            <p:spPr>
+              <a:xfrm>
+                <a:off x="6160294" y="4405464"/>
+                <a:ext cx="469106" cy="464191"/>
+              </a:xfrm>
+              <a:prstGeom prst="rect">
+                <a:avLst/>
+              </a:prstGeom>
+              <a:solidFill>
+                <a:schemeClr val="bg1"/>
+              </a:solidFill>
+              <a:ln>
+                <a:solidFill>
+                  <a:schemeClr val="bg1"/>
+                </a:solidFill>
+              </a:ln>
+            </p:spPr>
+            <p:style>
+              <a:lnRef idx="2">
+                <a:schemeClr val="accent1">
+                  <a:shade val="50000"/>
+                </a:schemeClr>
+              </a:lnRef>
+              <a:fillRef idx="1">
+                <a:schemeClr val="accent1"/>
+              </a:fillRef>
+              <a:effectRef idx="0">
+                <a:schemeClr val="accent1"/>
+              </a:effectRef>
+              <a:fontRef idx="minor">
+                <a:schemeClr val="lt1"/>
+              </a:fontRef>
+            </p:style>
+            <p:txBody>
+              <a:bodyPr rtlCol="0" anchor="ctr"/>
+              <a:lstStyle/>
+              <a:p>
+                <a:pPr algn="ctr"/>
+                <a:endParaRPr lang="en-GB" dirty="0">
+                  <a:solidFill>
+                    <a:schemeClr val="tx1"/>
+                  </a:solidFill>
+                </a:endParaRPr>
+              </a:p>
+            </p:txBody>
+          </p:sp>
+          <p:sp>
+            <p:nvSpPr>
+              <p:cNvPr id="24" name="Rectangle 23"/>
+              <p:cNvSpPr/>
+              <p:nvPr/>
+            </p:nvSpPr>
+            <p:spPr>
+              <a:xfrm>
+                <a:off x="6164899" y="5654451"/>
+                <a:ext cx="469106" cy="464191"/>
+              </a:xfrm>
+              <a:prstGeom prst="rect">
+                <a:avLst/>
+              </a:prstGeom>
+              <a:solidFill>
+                <a:schemeClr val="bg1"/>
+              </a:solidFill>
+              <a:ln>
+                <a:solidFill>
+                  <a:schemeClr val="bg1"/>
+                </a:solidFill>
+              </a:ln>
+            </p:spPr>
+            <p:style>
+              <a:lnRef idx="2">
+                <a:schemeClr val="accent1">
+                  <a:shade val="50000"/>
+                </a:schemeClr>
+              </a:lnRef>
+              <a:fillRef idx="1">
+                <a:schemeClr val="accent1"/>
+              </a:fillRef>
+              <a:effectRef idx="0">
+                <a:schemeClr val="accent1"/>
+              </a:effectRef>
+              <a:fontRef idx="minor">
+                <a:schemeClr val="lt1"/>
+              </a:fontRef>
+            </p:style>
+            <p:txBody>
+              <a:bodyPr rtlCol="0" anchor="ctr"/>
+              <a:lstStyle/>
+              <a:p>
+                <a:pPr algn="ctr"/>
+                <a:endParaRPr lang="en-GB" dirty="0">
+                  <a:solidFill>
+                    <a:schemeClr val="tx1"/>
+                  </a:solidFill>
+                </a:endParaRPr>
+              </a:p>
+            </p:txBody>
+          </p:sp>
+        </p:grpSp>
+        <p:sp>
+          <p:nvSpPr>
+            <p:cNvPr id="21" name="ZoneTexte 20"/>
+            <p:cNvSpPr txBox="1"/>
+            <p:nvPr/>
+          </p:nvSpPr>
+          <p:spPr>
+            <a:xfrm>
+              <a:off x="5619405" y="3427022"/>
+              <a:ext cx="184731" cy="369332"/>
+            </a:xfrm>
+            <a:prstGeom prst="rect">
+              <a:avLst/>
+            </a:prstGeom>
+            <a:noFill/>
+          </p:spPr>
+          <p:txBody>
+            <a:bodyPr wrap="none" rtlCol="0">
+              <a:spAutoFit/>
+            </a:bodyPr>
+            <a:lstStyle/>
+            <a:p>
+              <a:endParaRPr lang="en-GB" dirty="0"/>
+            </a:p>
+          </p:txBody>
+        </p:sp>
+      </p:grpSp>
+      <p:sp>
+        <p:nvSpPr>
+          <p:cNvPr id="2" name="ZoneTexte 1"/>
+          <p:cNvSpPr txBox="1"/>
+          <p:nvPr/>
+        </p:nvSpPr>
+        <p:spPr>
+          <a:xfrm>
+            <a:off x="6843003" y="3458095"/>
+            <a:ext cx="367408" cy="523220"/>
+          </a:xfrm>
+          <a:prstGeom prst="rect">
+            <a:avLst/>
+          </a:prstGeom>
+          <a:noFill/>
+        </p:spPr>
+        <p:txBody>
+          <a:bodyPr wrap="none" rtlCol="0">
+            <a:spAutoFit/>
+          </a:bodyPr>
+          <a:lstStyle/>
+          <a:p>
+            <a:r>
+              <a:rPr lang="en-GB" sz="2800" dirty="0"/>
+              <a:t>4</a:t>
+            </a:r>
+          </a:p>
+        </p:txBody>
+      </p:sp>
+      <p:sp>
+        <p:nvSpPr>
+          <p:cNvPr id="3" name="ZoneTexte 2"/>
+          <p:cNvSpPr txBox="1"/>
+          <p:nvPr/>
+        </p:nvSpPr>
+        <p:spPr>
+          <a:xfrm>
+            <a:off x="6847957" y="4073931"/>
+            <a:ext cx="367408" cy="523220"/>
+          </a:xfrm>
+          <a:prstGeom prst="rect">
+            <a:avLst/>
+          </a:prstGeom>
+          <a:noFill/>
+        </p:spPr>
+        <p:txBody>
+          <a:bodyPr wrap="none" rtlCol="0">
+            <a:spAutoFit/>
+          </a:bodyPr>
+          <a:lstStyle/>
+          <a:p>
+            <a:r>
+              <a:rPr lang="en-GB" sz="2800" dirty="0" smtClean="0"/>
+              <a:t>4</a:t>
+            </a:r>
+            <a:endParaRPr lang="en-GB" sz="2800" dirty="0"/>
+          </a:p>
+        </p:txBody>
+      </p:sp>
     </p:spTree>
     <p:extLst>
       <p:ext uri="{BB962C8B-B14F-4D97-AF65-F5344CB8AC3E}">
@@ -5640,6 +6868,299 @@
           </a:p>
         </p:txBody>
       </p:sp>
+      <p:grpSp>
+        <p:nvGrpSpPr>
+          <p:cNvPr id="18" name="Groupe 17"/>
+          <p:cNvGrpSpPr/>
+          <p:nvPr/>
+        </p:nvGrpSpPr>
+        <p:grpSpPr>
+          <a:xfrm>
+            <a:off x="4819152" y="3429000"/>
+            <a:ext cx="2553693" cy="2475203"/>
+            <a:chOff x="4832165" y="3402092"/>
+            <a:chExt cx="2553693" cy="2475203"/>
+          </a:xfrm>
+        </p:grpSpPr>
+        <p:grpSp>
+          <p:nvGrpSpPr>
+            <p:cNvPr id="19" name="Groupe 18"/>
+            <p:cNvGrpSpPr/>
+            <p:nvPr/>
+          </p:nvGrpSpPr>
+          <p:grpSpPr>
+            <a:xfrm>
+              <a:off x="4832165" y="3402092"/>
+              <a:ext cx="2553693" cy="2475203"/>
+              <a:chOff x="4807226" y="3724111"/>
+              <a:chExt cx="2553693" cy="2475203"/>
+            </a:xfrm>
+          </p:grpSpPr>
+          <p:grpSp>
+            <p:nvGrpSpPr>
+              <p:cNvPr id="21" name="Groupe 20"/>
+              <p:cNvGrpSpPr/>
+              <p:nvPr/>
+            </p:nvGrpSpPr>
+            <p:grpSpPr>
+              <a:xfrm>
+                <a:off x="4807226" y="3724111"/>
+                <a:ext cx="2553693" cy="2475203"/>
+                <a:chOff x="4807226" y="3724111"/>
+                <a:chExt cx="2553693" cy="2475203"/>
+              </a:xfrm>
+            </p:grpSpPr>
+            <p:pic>
+              <p:nvPicPr>
+                <p:cNvPr id="24" name="Picture 1">
+                  <a:extLst>
+                    <a:ext uri="{FF2B5EF4-FFF2-40B4-BE49-F238E27FC236}">
+                      <a16:creationId xmlns:a16="http://schemas.microsoft.com/office/drawing/2014/main" id="{88F87B56-3A1F-46ED-B0F7-1E813590C499}"/>
+                    </a:ext>
+                  </a:extLst>
+                </p:cNvPr>
+                <p:cNvPicPr>
+                  <a:picLocks noChangeAspect="1"/>
+                </p:cNvPicPr>
+                <p:nvPr/>
+              </p:nvPicPr>
+              <p:blipFill rotWithShape="1">
+                <a:blip r:embed="rId3"/>
+                <a:srcRect l="25294" t="16027" r="25294" b="12133"/>
+                <a:stretch/>
+              </p:blipFill>
+              <p:spPr>
+                <a:xfrm>
+                  <a:off x="4807226" y="3724111"/>
+                  <a:ext cx="2553693" cy="2475203"/>
+                </a:xfrm>
+                <a:prstGeom prst="rect">
+                  <a:avLst/>
+                </a:prstGeom>
+              </p:spPr>
+            </p:pic>
+            <p:pic>
+              <p:nvPicPr>
+                <p:cNvPr id="25" name="Picture 1">
+                  <a:extLst>
+                    <a:ext uri="{FF2B5EF4-FFF2-40B4-BE49-F238E27FC236}">
+                      <a16:creationId xmlns:a16="http://schemas.microsoft.com/office/drawing/2014/main" id="{88F87B56-3A1F-46ED-B0F7-1E813590C499}"/>
+                    </a:ext>
+                  </a:extLst>
+                </p:cNvPr>
+                <p:cNvPicPr>
+                  <a:picLocks noChangeAspect="1"/>
+                </p:cNvPicPr>
+                <p:nvPr/>
+              </p:nvPicPr>
+              <p:blipFill rotWithShape="1">
+                <a:blip r:embed="rId3"/>
+                <a:srcRect l="49823" t="69829" r="37838" b="12205"/>
+                <a:stretch/>
+              </p:blipFill>
+              <p:spPr>
+                <a:xfrm>
+                  <a:off x="6072272" y="4325560"/>
+                  <a:ext cx="637735" cy="618978"/>
+                </a:xfrm>
+                <a:prstGeom prst="rect">
+                  <a:avLst/>
+                </a:prstGeom>
+              </p:spPr>
+            </p:pic>
+          </p:grpSp>
+          <p:sp>
+            <p:nvSpPr>
+              <p:cNvPr id="22" name="Rectangle 21"/>
+              <p:cNvSpPr/>
+              <p:nvPr/>
+            </p:nvSpPr>
+            <p:spPr>
+              <a:xfrm>
+                <a:off x="6160294" y="4405464"/>
+                <a:ext cx="469106" cy="464191"/>
+              </a:xfrm>
+              <a:prstGeom prst="rect">
+                <a:avLst/>
+              </a:prstGeom>
+              <a:solidFill>
+                <a:schemeClr val="bg1"/>
+              </a:solidFill>
+              <a:ln>
+                <a:solidFill>
+                  <a:schemeClr val="bg1"/>
+                </a:solidFill>
+              </a:ln>
+            </p:spPr>
+            <p:style>
+              <a:lnRef idx="2">
+                <a:schemeClr val="accent1">
+                  <a:shade val="50000"/>
+                </a:schemeClr>
+              </a:lnRef>
+              <a:fillRef idx="1">
+                <a:schemeClr val="accent1"/>
+              </a:fillRef>
+              <a:effectRef idx="0">
+                <a:schemeClr val="accent1"/>
+              </a:effectRef>
+              <a:fontRef idx="minor">
+                <a:schemeClr val="lt1"/>
+              </a:fontRef>
+            </p:style>
+            <p:txBody>
+              <a:bodyPr rtlCol="0" anchor="ctr"/>
+              <a:lstStyle/>
+              <a:p>
+                <a:pPr algn="ctr"/>
+                <a:endParaRPr lang="en-GB" dirty="0">
+                  <a:solidFill>
+                    <a:schemeClr val="tx1"/>
+                  </a:solidFill>
+                </a:endParaRPr>
+              </a:p>
+            </p:txBody>
+          </p:sp>
+          <p:sp>
+            <p:nvSpPr>
+              <p:cNvPr id="23" name="Rectangle 22"/>
+              <p:cNvSpPr/>
+              <p:nvPr/>
+            </p:nvSpPr>
+            <p:spPr>
+              <a:xfrm>
+                <a:off x="6164899" y="5654451"/>
+                <a:ext cx="469106" cy="464191"/>
+              </a:xfrm>
+              <a:prstGeom prst="rect">
+                <a:avLst/>
+              </a:prstGeom>
+              <a:solidFill>
+                <a:schemeClr val="bg1"/>
+              </a:solidFill>
+              <a:ln>
+                <a:solidFill>
+                  <a:schemeClr val="bg1"/>
+                </a:solidFill>
+              </a:ln>
+            </p:spPr>
+            <p:style>
+              <a:lnRef idx="2">
+                <a:schemeClr val="accent1">
+                  <a:shade val="50000"/>
+                </a:schemeClr>
+              </a:lnRef>
+              <a:fillRef idx="1">
+                <a:schemeClr val="accent1"/>
+              </a:fillRef>
+              <a:effectRef idx="0">
+                <a:schemeClr val="accent1"/>
+              </a:effectRef>
+              <a:fontRef idx="minor">
+                <a:schemeClr val="lt1"/>
+              </a:fontRef>
+            </p:style>
+            <p:txBody>
+              <a:bodyPr rtlCol="0" anchor="ctr"/>
+              <a:lstStyle/>
+              <a:p>
+                <a:pPr algn="ctr"/>
+                <a:endParaRPr lang="en-GB" dirty="0">
+                  <a:solidFill>
+                    <a:schemeClr val="tx1"/>
+                  </a:solidFill>
+                </a:endParaRPr>
+              </a:p>
+            </p:txBody>
+          </p:sp>
+        </p:grpSp>
+        <p:sp>
+          <p:nvSpPr>
+            <p:cNvPr id="20" name="ZoneTexte 19"/>
+            <p:cNvSpPr txBox="1"/>
+            <p:nvPr/>
+          </p:nvSpPr>
+          <p:spPr>
+            <a:xfrm>
+              <a:off x="5619405" y="3427022"/>
+              <a:ext cx="184731" cy="369332"/>
+            </a:xfrm>
+            <a:prstGeom prst="rect">
+              <a:avLst/>
+            </a:prstGeom>
+            <a:noFill/>
+          </p:spPr>
+          <p:txBody>
+            <a:bodyPr wrap="none" rtlCol="0">
+              <a:spAutoFit/>
+            </a:bodyPr>
+            <a:lstStyle/>
+            <a:p>
+              <a:endParaRPr lang="en-GB" dirty="0"/>
+            </a:p>
+          </p:txBody>
+        </p:sp>
+      </p:grpSp>
+      <p:sp>
+        <p:nvSpPr>
+          <p:cNvPr id="2" name="ZoneTexte 1"/>
+          <p:cNvSpPr txBox="1"/>
+          <p:nvPr/>
+        </p:nvSpPr>
+        <p:spPr>
+          <a:xfrm>
+            <a:off x="4979323" y="3466408"/>
+            <a:ext cx="367408" cy="523220"/>
+          </a:xfrm>
+          <a:prstGeom prst="rect">
+            <a:avLst/>
+          </a:prstGeom>
+          <a:noFill/>
+        </p:spPr>
+        <p:txBody>
+          <a:bodyPr wrap="none" rtlCol="0">
+            <a:spAutoFit/>
+          </a:bodyPr>
+          <a:lstStyle/>
+          <a:p>
+            <a:r>
+              <a:rPr lang="en-GB" sz="2800" dirty="0" smtClean="0"/>
+              <a:t>5</a:t>
+            </a:r>
+            <a:endParaRPr lang="en-GB" sz="2800" dirty="0"/>
+          </a:p>
+        </p:txBody>
+      </p:sp>
+      <p:sp>
+        <p:nvSpPr>
+          <p:cNvPr id="3" name="ZoneTexte 2"/>
+          <p:cNvSpPr txBox="1"/>
+          <p:nvPr/>
+        </p:nvSpPr>
+        <p:spPr>
+          <a:xfrm>
+            <a:off x="5601606" y="5336770"/>
+            <a:ext cx="367408" cy="523220"/>
+          </a:xfrm>
+          <a:prstGeom prst="rect">
+            <a:avLst/>
+          </a:prstGeom>
+          <a:noFill/>
+        </p:spPr>
+        <p:txBody>
+          <a:bodyPr wrap="none" rtlCol="0">
+            <a:spAutoFit/>
+          </a:bodyPr>
+          <a:lstStyle/>
+          <a:p>
+            <a:r>
+              <a:rPr lang="en-GB" sz="2800" dirty="0" smtClean="0"/>
+              <a:t>5</a:t>
+            </a:r>
+            <a:endParaRPr lang="en-GB" sz="2800" dirty="0"/>
+          </a:p>
+        </p:txBody>
+      </p:sp>
     </p:spTree>
     <p:extLst>
       <p:ext uri="{BB962C8B-B14F-4D97-AF65-F5344CB8AC3E}">
@@ -5933,6 +7454,299 @@
           </a:p>
         </p:txBody>
       </p:sp>
+      <p:grpSp>
+        <p:nvGrpSpPr>
+          <p:cNvPr id="7" name="Groupe 6"/>
+          <p:cNvGrpSpPr/>
+          <p:nvPr/>
+        </p:nvGrpSpPr>
+        <p:grpSpPr>
+          <a:xfrm>
+            <a:off x="4819152" y="3429000"/>
+            <a:ext cx="2553693" cy="2475203"/>
+            <a:chOff x="4832165" y="3402092"/>
+            <a:chExt cx="2553693" cy="2475203"/>
+          </a:xfrm>
+        </p:grpSpPr>
+        <p:grpSp>
+          <p:nvGrpSpPr>
+            <p:cNvPr id="8" name="Groupe 7"/>
+            <p:cNvGrpSpPr/>
+            <p:nvPr/>
+          </p:nvGrpSpPr>
+          <p:grpSpPr>
+            <a:xfrm>
+              <a:off x="4832165" y="3402092"/>
+              <a:ext cx="2553693" cy="2475203"/>
+              <a:chOff x="4807226" y="3724111"/>
+              <a:chExt cx="2553693" cy="2475203"/>
+            </a:xfrm>
+          </p:grpSpPr>
+          <p:grpSp>
+            <p:nvGrpSpPr>
+              <p:cNvPr id="11" name="Groupe 10"/>
+              <p:cNvGrpSpPr/>
+              <p:nvPr/>
+            </p:nvGrpSpPr>
+            <p:grpSpPr>
+              <a:xfrm>
+                <a:off x="4807226" y="3724111"/>
+                <a:ext cx="2553693" cy="2475203"/>
+                <a:chOff x="4807226" y="3724111"/>
+                <a:chExt cx="2553693" cy="2475203"/>
+              </a:xfrm>
+            </p:grpSpPr>
+            <p:pic>
+              <p:nvPicPr>
+                <p:cNvPr id="16" name="Picture 1">
+                  <a:extLst>
+                    <a:ext uri="{FF2B5EF4-FFF2-40B4-BE49-F238E27FC236}">
+                      <a16:creationId xmlns:a16="http://schemas.microsoft.com/office/drawing/2014/main" id="{88F87B56-3A1F-46ED-B0F7-1E813590C499}"/>
+                    </a:ext>
+                  </a:extLst>
+                </p:cNvPr>
+                <p:cNvPicPr>
+                  <a:picLocks noChangeAspect="1"/>
+                </p:cNvPicPr>
+                <p:nvPr/>
+              </p:nvPicPr>
+              <p:blipFill rotWithShape="1">
+                <a:blip r:embed="rId3"/>
+                <a:srcRect l="25294" t="16027" r="25294" b="12133"/>
+                <a:stretch/>
+              </p:blipFill>
+              <p:spPr>
+                <a:xfrm>
+                  <a:off x="4807226" y="3724111"/>
+                  <a:ext cx="2553693" cy="2475203"/>
+                </a:xfrm>
+                <a:prstGeom prst="rect">
+                  <a:avLst/>
+                </a:prstGeom>
+              </p:spPr>
+            </p:pic>
+            <p:pic>
+              <p:nvPicPr>
+                <p:cNvPr id="17" name="Picture 1">
+                  <a:extLst>
+                    <a:ext uri="{FF2B5EF4-FFF2-40B4-BE49-F238E27FC236}">
+                      <a16:creationId xmlns:a16="http://schemas.microsoft.com/office/drawing/2014/main" id="{88F87B56-3A1F-46ED-B0F7-1E813590C499}"/>
+                    </a:ext>
+                  </a:extLst>
+                </p:cNvPr>
+                <p:cNvPicPr>
+                  <a:picLocks noChangeAspect="1"/>
+                </p:cNvPicPr>
+                <p:nvPr/>
+              </p:nvPicPr>
+              <p:blipFill rotWithShape="1">
+                <a:blip r:embed="rId3"/>
+                <a:srcRect l="49823" t="69829" r="37838" b="12205"/>
+                <a:stretch/>
+              </p:blipFill>
+              <p:spPr>
+                <a:xfrm>
+                  <a:off x="6072272" y="4325560"/>
+                  <a:ext cx="637735" cy="618978"/>
+                </a:xfrm>
+                <a:prstGeom prst="rect">
+                  <a:avLst/>
+                </a:prstGeom>
+              </p:spPr>
+            </p:pic>
+          </p:grpSp>
+          <p:sp>
+            <p:nvSpPr>
+              <p:cNvPr id="14" name="Rectangle 13"/>
+              <p:cNvSpPr/>
+              <p:nvPr/>
+            </p:nvSpPr>
+            <p:spPr>
+              <a:xfrm>
+                <a:off x="6160294" y="4405464"/>
+                <a:ext cx="469106" cy="464191"/>
+              </a:xfrm>
+              <a:prstGeom prst="rect">
+                <a:avLst/>
+              </a:prstGeom>
+              <a:solidFill>
+                <a:schemeClr val="bg1"/>
+              </a:solidFill>
+              <a:ln>
+                <a:solidFill>
+                  <a:schemeClr val="bg1"/>
+                </a:solidFill>
+              </a:ln>
+            </p:spPr>
+            <p:style>
+              <a:lnRef idx="2">
+                <a:schemeClr val="accent1">
+                  <a:shade val="50000"/>
+                </a:schemeClr>
+              </a:lnRef>
+              <a:fillRef idx="1">
+                <a:schemeClr val="accent1"/>
+              </a:fillRef>
+              <a:effectRef idx="0">
+                <a:schemeClr val="accent1"/>
+              </a:effectRef>
+              <a:fontRef idx="minor">
+                <a:schemeClr val="lt1"/>
+              </a:fontRef>
+            </p:style>
+            <p:txBody>
+              <a:bodyPr rtlCol="0" anchor="ctr"/>
+              <a:lstStyle/>
+              <a:p>
+                <a:pPr algn="ctr"/>
+                <a:endParaRPr lang="en-GB" dirty="0">
+                  <a:solidFill>
+                    <a:schemeClr val="tx1"/>
+                  </a:solidFill>
+                </a:endParaRPr>
+              </a:p>
+            </p:txBody>
+          </p:sp>
+          <p:sp>
+            <p:nvSpPr>
+              <p:cNvPr id="15" name="Rectangle 14"/>
+              <p:cNvSpPr/>
+              <p:nvPr/>
+            </p:nvSpPr>
+            <p:spPr>
+              <a:xfrm>
+                <a:off x="6164899" y="5654451"/>
+                <a:ext cx="469106" cy="464191"/>
+              </a:xfrm>
+              <a:prstGeom prst="rect">
+                <a:avLst/>
+              </a:prstGeom>
+              <a:solidFill>
+                <a:schemeClr val="bg1"/>
+              </a:solidFill>
+              <a:ln>
+                <a:solidFill>
+                  <a:schemeClr val="bg1"/>
+                </a:solidFill>
+              </a:ln>
+            </p:spPr>
+            <p:style>
+              <a:lnRef idx="2">
+                <a:schemeClr val="accent1">
+                  <a:shade val="50000"/>
+                </a:schemeClr>
+              </a:lnRef>
+              <a:fillRef idx="1">
+                <a:schemeClr val="accent1"/>
+              </a:fillRef>
+              <a:effectRef idx="0">
+                <a:schemeClr val="accent1"/>
+              </a:effectRef>
+              <a:fontRef idx="minor">
+                <a:schemeClr val="lt1"/>
+              </a:fontRef>
+            </p:style>
+            <p:txBody>
+              <a:bodyPr rtlCol="0" anchor="ctr"/>
+              <a:lstStyle/>
+              <a:p>
+                <a:pPr algn="ctr"/>
+                <a:endParaRPr lang="en-GB" dirty="0">
+                  <a:solidFill>
+                    <a:schemeClr val="tx1"/>
+                  </a:solidFill>
+                </a:endParaRPr>
+              </a:p>
+            </p:txBody>
+          </p:sp>
+        </p:grpSp>
+        <p:sp>
+          <p:nvSpPr>
+            <p:cNvPr id="10" name="ZoneTexte 9"/>
+            <p:cNvSpPr txBox="1"/>
+            <p:nvPr/>
+          </p:nvSpPr>
+          <p:spPr>
+            <a:xfrm>
+              <a:off x="5619405" y="3427022"/>
+              <a:ext cx="184731" cy="369332"/>
+            </a:xfrm>
+            <a:prstGeom prst="rect">
+              <a:avLst/>
+            </a:prstGeom>
+            <a:noFill/>
+          </p:spPr>
+          <p:txBody>
+            <a:bodyPr wrap="none" rtlCol="0">
+              <a:spAutoFit/>
+            </a:bodyPr>
+            <a:lstStyle/>
+            <a:p>
+              <a:endParaRPr lang="en-GB" dirty="0"/>
+            </a:p>
+          </p:txBody>
+        </p:sp>
+      </p:grpSp>
+      <p:sp>
+        <p:nvSpPr>
+          <p:cNvPr id="2" name="ZoneTexte 1"/>
+          <p:cNvSpPr txBox="1"/>
+          <p:nvPr/>
+        </p:nvSpPr>
+        <p:spPr>
+          <a:xfrm>
+            <a:off x="4962698" y="4713317"/>
+            <a:ext cx="367408" cy="523220"/>
+          </a:xfrm>
+          <a:prstGeom prst="rect">
+            <a:avLst/>
+          </a:prstGeom>
+          <a:noFill/>
+        </p:spPr>
+        <p:txBody>
+          <a:bodyPr wrap="none" rtlCol="0">
+            <a:spAutoFit/>
+          </a:bodyPr>
+          <a:lstStyle/>
+          <a:p>
+            <a:r>
+              <a:rPr lang="en-GB" sz="2800" dirty="0" smtClean="0"/>
+              <a:t>6</a:t>
+            </a:r>
+            <a:endParaRPr lang="en-GB" sz="2800" dirty="0"/>
+          </a:p>
+        </p:txBody>
+      </p:sp>
+      <p:sp>
+        <p:nvSpPr>
+          <p:cNvPr id="3" name="ZoneTexte 2"/>
+          <p:cNvSpPr txBox="1"/>
+          <p:nvPr/>
+        </p:nvSpPr>
+        <p:spPr>
+          <a:xfrm>
+            <a:off x="5595026" y="4713317"/>
+            <a:ext cx="367408" cy="523220"/>
+          </a:xfrm>
+          <a:prstGeom prst="rect">
+            <a:avLst/>
+          </a:prstGeom>
+          <a:noFill/>
+        </p:spPr>
+        <p:txBody>
+          <a:bodyPr wrap="none" rtlCol="0">
+            <a:spAutoFit/>
+          </a:bodyPr>
+          <a:lstStyle/>
+          <a:p>
+            <a:r>
+              <a:rPr lang="en-GB" sz="2800" dirty="0" smtClean="0"/>
+              <a:t>6</a:t>
+            </a:r>
+            <a:endParaRPr lang="en-GB" dirty="0"/>
+          </a:p>
+        </p:txBody>
+      </p:sp>
     </p:spTree>
     <p:extLst>
       <p:ext uri="{BB962C8B-B14F-4D97-AF65-F5344CB8AC3E}">
@@ -6329,6 +8143,299 @@
           </a:p>
         </p:txBody>
       </p:sp>
+      <p:grpSp>
+        <p:nvGrpSpPr>
+          <p:cNvPr id="7" name="Groupe 6"/>
+          <p:cNvGrpSpPr/>
+          <p:nvPr/>
+        </p:nvGrpSpPr>
+        <p:grpSpPr>
+          <a:xfrm>
+            <a:off x="4819152" y="3429000"/>
+            <a:ext cx="2553693" cy="2475203"/>
+            <a:chOff x="4832165" y="3402092"/>
+            <a:chExt cx="2553693" cy="2475203"/>
+          </a:xfrm>
+        </p:grpSpPr>
+        <p:grpSp>
+          <p:nvGrpSpPr>
+            <p:cNvPr id="8" name="Groupe 7"/>
+            <p:cNvGrpSpPr/>
+            <p:nvPr/>
+          </p:nvGrpSpPr>
+          <p:grpSpPr>
+            <a:xfrm>
+              <a:off x="4832165" y="3402092"/>
+              <a:ext cx="2553693" cy="2475203"/>
+              <a:chOff x="4807226" y="3724111"/>
+              <a:chExt cx="2553693" cy="2475203"/>
+            </a:xfrm>
+          </p:grpSpPr>
+          <p:grpSp>
+            <p:nvGrpSpPr>
+              <p:cNvPr id="11" name="Groupe 10"/>
+              <p:cNvGrpSpPr/>
+              <p:nvPr/>
+            </p:nvGrpSpPr>
+            <p:grpSpPr>
+              <a:xfrm>
+                <a:off x="4807226" y="3724111"/>
+                <a:ext cx="2553693" cy="2475203"/>
+                <a:chOff x="4807226" y="3724111"/>
+                <a:chExt cx="2553693" cy="2475203"/>
+              </a:xfrm>
+            </p:grpSpPr>
+            <p:pic>
+              <p:nvPicPr>
+                <p:cNvPr id="16" name="Picture 1">
+                  <a:extLst>
+                    <a:ext uri="{FF2B5EF4-FFF2-40B4-BE49-F238E27FC236}">
+                      <a16:creationId xmlns:a16="http://schemas.microsoft.com/office/drawing/2014/main" id="{88F87B56-3A1F-46ED-B0F7-1E813590C499}"/>
+                    </a:ext>
+                  </a:extLst>
+                </p:cNvPr>
+                <p:cNvPicPr>
+                  <a:picLocks noChangeAspect="1"/>
+                </p:cNvPicPr>
+                <p:nvPr/>
+              </p:nvPicPr>
+              <p:blipFill rotWithShape="1">
+                <a:blip r:embed="rId3"/>
+                <a:srcRect l="25294" t="16027" r="25294" b="12133"/>
+                <a:stretch/>
+              </p:blipFill>
+              <p:spPr>
+                <a:xfrm>
+                  <a:off x="4807226" y="3724111"/>
+                  <a:ext cx="2553693" cy="2475203"/>
+                </a:xfrm>
+                <a:prstGeom prst="rect">
+                  <a:avLst/>
+                </a:prstGeom>
+              </p:spPr>
+            </p:pic>
+            <p:pic>
+              <p:nvPicPr>
+                <p:cNvPr id="17" name="Picture 1">
+                  <a:extLst>
+                    <a:ext uri="{FF2B5EF4-FFF2-40B4-BE49-F238E27FC236}">
+                      <a16:creationId xmlns:a16="http://schemas.microsoft.com/office/drawing/2014/main" id="{88F87B56-3A1F-46ED-B0F7-1E813590C499}"/>
+                    </a:ext>
+                  </a:extLst>
+                </p:cNvPr>
+                <p:cNvPicPr>
+                  <a:picLocks noChangeAspect="1"/>
+                </p:cNvPicPr>
+                <p:nvPr/>
+              </p:nvPicPr>
+              <p:blipFill rotWithShape="1">
+                <a:blip r:embed="rId3"/>
+                <a:srcRect l="49823" t="69829" r="37838" b="12205"/>
+                <a:stretch/>
+              </p:blipFill>
+              <p:spPr>
+                <a:xfrm>
+                  <a:off x="6072272" y="4325560"/>
+                  <a:ext cx="637735" cy="618978"/>
+                </a:xfrm>
+                <a:prstGeom prst="rect">
+                  <a:avLst/>
+                </a:prstGeom>
+              </p:spPr>
+            </p:pic>
+          </p:grpSp>
+          <p:sp>
+            <p:nvSpPr>
+              <p:cNvPr id="14" name="Rectangle 13"/>
+              <p:cNvSpPr/>
+              <p:nvPr/>
+            </p:nvSpPr>
+            <p:spPr>
+              <a:xfrm>
+                <a:off x="6160294" y="4405464"/>
+                <a:ext cx="469106" cy="464191"/>
+              </a:xfrm>
+              <a:prstGeom prst="rect">
+                <a:avLst/>
+              </a:prstGeom>
+              <a:solidFill>
+                <a:schemeClr val="bg1"/>
+              </a:solidFill>
+              <a:ln>
+                <a:solidFill>
+                  <a:schemeClr val="bg1"/>
+                </a:solidFill>
+              </a:ln>
+            </p:spPr>
+            <p:style>
+              <a:lnRef idx="2">
+                <a:schemeClr val="accent1">
+                  <a:shade val="50000"/>
+                </a:schemeClr>
+              </a:lnRef>
+              <a:fillRef idx="1">
+                <a:schemeClr val="accent1"/>
+              </a:fillRef>
+              <a:effectRef idx="0">
+                <a:schemeClr val="accent1"/>
+              </a:effectRef>
+              <a:fontRef idx="minor">
+                <a:schemeClr val="lt1"/>
+              </a:fontRef>
+            </p:style>
+            <p:txBody>
+              <a:bodyPr rtlCol="0" anchor="ctr"/>
+              <a:lstStyle/>
+              <a:p>
+                <a:pPr algn="ctr"/>
+                <a:endParaRPr lang="en-GB" dirty="0">
+                  <a:solidFill>
+                    <a:schemeClr val="tx1"/>
+                  </a:solidFill>
+                </a:endParaRPr>
+              </a:p>
+            </p:txBody>
+          </p:sp>
+          <p:sp>
+            <p:nvSpPr>
+              <p:cNvPr id="15" name="Rectangle 14"/>
+              <p:cNvSpPr/>
+              <p:nvPr/>
+            </p:nvSpPr>
+            <p:spPr>
+              <a:xfrm>
+                <a:off x="6164899" y="5654451"/>
+                <a:ext cx="469106" cy="464191"/>
+              </a:xfrm>
+              <a:prstGeom prst="rect">
+                <a:avLst/>
+              </a:prstGeom>
+              <a:solidFill>
+                <a:schemeClr val="bg1"/>
+              </a:solidFill>
+              <a:ln>
+                <a:solidFill>
+                  <a:schemeClr val="bg1"/>
+                </a:solidFill>
+              </a:ln>
+            </p:spPr>
+            <p:style>
+              <a:lnRef idx="2">
+                <a:schemeClr val="accent1">
+                  <a:shade val="50000"/>
+                </a:schemeClr>
+              </a:lnRef>
+              <a:fillRef idx="1">
+                <a:schemeClr val="accent1"/>
+              </a:fillRef>
+              <a:effectRef idx="0">
+                <a:schemeClr val="accent1"/>
+              </a:effectRef>
+              <a:fontRef idx="minor">
+                <a:schemeClr val="lt1"/>
+              </a:fontRef>
+            </p:style>
+            <p:txBody>
+              <a:bodyPr rtlCol="0" anchor="ctr"/>
+              <a:lstStyle/>
+              <a:p>
+                <a:pPr algn="ctr"/>
+                <a:endParaRPr lang="en-GB" dirty="0">
+                  <a:solidFill>
+                    <a:schemeClr val="tx1"/>
+                  </a:solidFill>
+                </a:endParaRPr>
+              </a:p>
+            </p:txBody>
+          </p:sp>
+        </p:grpSp>
+        <p:sp>
+          <p:nvSpPr>
+            <p:cNvPr id="10" name="ZoneTexte 9"/>
+            <p:cNvSpPr txBox="1"/>
+            <p:nvPr/>
+          </p:nvSpPr>
+          <p:spPr>
+            <a:xfrm>
+              <a:off x="5619405" y="3427022"/>
+              <a:ext cx="184731" cy="369332"/>
+            </a:xfrm>
+            <a:prstGeom prst="rect">
+              <a:avLst/>
+            </a:prstGeom>
+            <a:noFill/>
+          </p:spPr>
+          <p:txBody>
+            <a:bodyPr wrap="none" rtlCol="0">
+              <a:spAutoFit/>
+            </a:bodyPr>
+            <a:lstStyle/>
+            <a:p>
+              <a:endParaRPr lang="en-GB" dirty="0"/>
+            </a:p>
+          </p:txBody>
+        </p:sp>
+      </p:grpSp>
+      <p:sp>
+        <p:nvSpPr>
+          <p:cNvPr id="2" name="ZoneTexte 1"/>
+          <p:cNvSpPr txBox="1"/>
+          <p:nvPr/>
+        </p:nvSpPr>
+        <p:spPr>
+          <a:xfrm>
+            <a:off x="4988782" y="4086785"/>
+            <a:ext cx="367408" cy="523220"/>
+          </a:xfrm>
+          <a:prstGeom prst="rect">
+            <a:avLst/>
+          </a:prstGeom>
+          <a:noFill/>
+        </p:spPr>
+        <p:txBody>
+          <a:bodyPr wrap="none" rtlCol="0">
+            <a:spAutoFit/>
+          </a:bodyPr>
+          <a:lstStyle/>
+          <a:p>
+            <a:r>
+              <a:rPr lang="en-GB" sz="2800" dirty="0" smtClean="0"/>
+              <a:t>7</a:t>
+            </a:r>
+            <a:endParaRPr lang="en-GB" dirty="0"/>
+          </a:p>
+        </p:txBody>
+      </p:sp>
+      <p:sp>
+        <p:nvSpPr>
+          <p:cNvPr id="3" name="ZoneTexte 2"/>
+          <p:cNvSpPr txBox="1"/>
+          <p:nvPr/>
+        </p:nvSpPr>
+        <p:spPr>
+          <a:xfrm>
+            <a:off x="6858000" y="4721629"/>
+            <a:ext cx="367408" cy="523220"/>
+          </a:xfrm>
+          <a:prstGeom prst="rect">
+            <a:avLst/>
+          </a:prstGeom>
+          <a:noFill/>
+        </p:spPr>
+        <p:txBody>
+          <a:bodyPr wrap="none" rtlCol="0">
+            <a:spAutoFit/>
+          </a:bodyPr>
+          <a:lstStyle/>
+          <a:p>
+            <a:r>
+              <a:rPr lang="en-GB" sz="2800" dirty="0" smtClean="0"/>
+              <a:t>7</a:t>
+            </a:r>
+            <a:endParaRPr lang="en-GB" dirty="0"/>
+          </a:p>
+        </p:txBody>
+      </p:sp>
     </p:spTree>
     <p:extLst>
       <p:ext uri="{BB962C8B-B14F-4D97-AF65-F5344CB8AC3E}">
@@ -6619,6 +8726,299 @@
               <a:rPr lang="en-GB" sz="2400" dirty="0"/>
               <a:t>:</a:t>
             </a:r>
+          </a:p>
+        </p:txBody>
+      </p:sp>
+      <p:grpSp>
+        <p:nvGrpSpPr>
+          <p:cNvPr id="7" name="Groupe 6"/>
+          <p:cNvGrpSpPr/>
+          <p:nvPr/>
+        </p:nvGrpSpPr>
+        <p:grpSpPr>
+          <a:xfrm>
+            <a:off x="4819152" y="3429000"/>
+            <a:ext cx="2553693" cy="2475203"/>
+            <a:chOff x="4832165" y="3402092"/>
+            <a:chExt cx="2553693" cy="2475203"/>
+          </a:xfrm>
+        </p:grpSpPr>
+        <p:grpSp>
+          <p:nvGrpSpPr>
+            <p:cNvPr id="8" name="Groupe 7"/>
+            <p:cNvGrpSpPr/>
+            <p:nvPr/>
+          </p:nvGrpSpPr>
+          <p:grpSpPr>
+            <a:xfrm>
+              <a:off x="4832165" y="3402092"/>
+              <a:ext cx="2553693" cy="2475203"/>
+              <a:chOff x="4807226" y="3724111"/>
+              <a:chExt cx="2553693" cy="2475203"/>
+            </a:xfrm>
+          </p:grpSpPr>
+          <p:grpSp>
+            <p:nvGrpSpPr>
+              <p:cNvPr id="11" name="Groupe 10"/>
+              <p:cNvGrpSpPr/>
+              <p:nvPr/>
+            </p:nvGrpSpPr>
+            <p:grpSpPr>
+              <a:xfrm>
+                <a:off x="4807226" y="3724111"/>
+                <a:ext cx="2553693" cy="2475203"/>
+                <a:chOff x="4807226" y="3724111"/>
+                <a:chExt cx="2553693" cy="2475203"/>
+              </a:xfrm>
+            </p:grpSpPr>
+            <p:pic>
+              <p:nvPicPr>
+                <p:cNvPr id="16" name="Picture 1">
+                  <a:extLst>
+                    <a:ext uri="{FF2B5EF4-FFF2-40B4-BE49-F238E27FC236}">
+                      <a16:creationId xmlns:a16="http://schemas.microsoft.com/office/drawing/2014/main" id="{88F87B56-3A1F-46ED-B0F7-1E813590C499}"/>
+                    </a:ext>
+                  </a:extLst>
+                </p:cNvPr>
+                <p:cNvPicPr>
+                  <a:picLocks noChangeAspect="1"/>
+                </p:cNvPicPr>
+                <p:nvPr/>
+              </p:nvPicPr>
+              <p:blipFill rotWithShape="1">
+                <a:blip r:embed="rId3"/>
+                <a:srcRect l="25294" t="16027" r="25294" b="12133"/>
+                <a:stretch/>
+              </p:blipFill>
+              <p:spPr>
+                <a:xfrm>
+                  <a:off x="4807226" y="3724111"/>
+                  <a:ext cx="2553693" cy="2475203"/>
+                </a:xfrm>
+                <a:prstGeom prst="rect">
+                  <a:avLst/>
+                </a:prstGeom>
+              </p:spPr>
+            </p:pic>
+            <p:pic>
+              <p:nvPicPr>
+                <p:cNvPr id="17" name="Picture 1">
+                  <a:extLst>
+                    <a:ext uri="{FF2B5EF4-FFF2-40B4-BE49-F238E27FC236}">
+                      <a16:creationId xmlns:a16="http://schemas.microsoft.com/office/drawing/2014/main" id="{88F87B56-3A1F-46ED-B0F7-1E813590C499}"/>
+                    </a:ext>
+                  </a:extLst>
+                </p:cNvPr>
+                <p:cNvPicPr>
+                  <a:picLocks noChangeAspect="1"/>
+                </p:cNvPicPr>
+                <p:nvPr/>
+              </p:nvPicPr>
+              <p:blipFill rotWithShape="1">
+                <a:blip r:embed="rId3"/>
+                <a:srcRect l="49823" t="69829" r="37838" b="12205"/>
+                <a:stretch/>
+              </p:blipFill>
+              <p:spPr>
+                <a:xfrm>
+                  <a:off x="6072272" y="4325560"/>
+                  <a:ext cx="637735" cy="618978"/>
+                </a:xfrm>
+                <a:prstGeom prst="rect">
+                  <a:avLst/>
+                </a:prstGeom>
+              </p:spPr>
+            </p:pic>
+          </p:grpSp>
+          <p:sp>
+            <p:nvSpPr>
+              <p:cNvPr id="13" name="Rectangle 12"/>
+              <p:cNvSpPr/>
+              <p:nvPr/>
+            </p:nvSpPr>
+            <p:spPr>
+              <a:xfrm>
+                <a:off x="6160294" y="4405464"/>
+                <a:ext cx="469106" cy="464191"/>
+              </a:xfrm>
+              <a:prstGeom prst="rect">
+                <a:avLst/>
+              </a:prstGeom>
+              <a:solidFill>
+                <a:schemeClr val="bg1"/>
+              </a:solidFill>
+              <a:ln>
+                <a:solidFill>
+                  <a:schemeClr val="bg1"/>
+                </a:solidFill>
+              </a:ln>
+            </p:spPr>
+            <p:style>
+              <a:lnRef idx="2">
+                <a:schemeClr val="accent1">
+                  <a:shade val="50000"/>
+                </a:schemeClr>
+              </a:lnRef>
+              <a:fillRef idx="1">
+                <a:schemeClr val="accent1"/>
+              </a:fillRef>
+              <a:effectRef idx="0">
+                <a:schemeClr val="accent1"/>
+              </a:effectRef>
+              <a:fontRef idx="minor">
+                <a:schemeClr val="lt1"/>
+              </a:fontRef>
+            </p:style>
+            <p:txBody>
+              <a:bodyPr rtlCol="0" anchor="ctr"/>
+              <a:lstStyle/>
+              <a:p>
+                <a:pPr algn="ctr"/>
+                <a:endParaRPr lang="en-GB" dirty="0">
+                  <a:solidFill>
+                    <a:schemeClr val="tx1"/>
+                  </a:solidFill>
+                </a:endParaRPr>
+              </a:p>
+            </p:txBody>
+          </p:sp>
+          <p:sp>
+            <p:nvSpPr>
+              <p:cNvPr id="15" name="Rectangle 14"/>
+              <p:cNvSpPr/>
+              <p:nvPr/>
+            </p:nvSpPr>
+            <p:spPr>
+              <a:xfrm>
+                <a:off x="6164899" y="5654451"/>
+                <a:ext cx="469106" cy="464191"/>
+              </a:xfrm>
+              <a:prstGeom prst="rect">
+                <a:avLst/>
+              </a:prstGeom>
+              <a:solidFill>
+                <a:schemeClr val="bg1"/>
+              </a:solidFill>
+              <a:ln>
+                <a:solidFill>
+                  <a:schemeClr val="bg1"/>
+                </a:solidFill>
+              </a:ln>
+            </p:spPr>
+            <p:style>
+              <a:lnRef idx="2">
+                <a:schemeClr val="accent1">
+                  <a:shade val="50000"/>
+                </a:schemeClr>
+              </a:lnRef>
+              <a:fillRef idx="1">
+                <a:schemeClr val="accent1"/>
+              </a:fillRef>
+              <a:effectRef idx="0">
+                <a:schemeClr val="accent1"/>
+              </a:effectRef>
+              <a:fontRef idx="minor">
+                <a:schemeClr val="lt1"/>
+              </a:fontRef>
+            </p:style>
+            <p:txBody>
+              <a:bodyPr rtlCol="0" anchor="ctr"/>
+              <a:lstStyle/>
+              <a:p>
+                <a:pPr algn="ctr"/>
+                <a:endParaRPr lang="en-GB" dirty="0">
+                  <a:solidFill>
+                    <a:schemeClr val="tx1"/>
+                  </a:solidFill>
+                </a:endParaRPr>
+              </a:p>
+            </p:txBody>
+          </p:sp>
+        </p:grpSp>
+        <p:sp>
+          <p:nvSpPr>
+            <p:cNvPr id="10" name="ZoneTexte 9"/>
+            <p:cNvSpPr txBox="1"/>
+            <p:nvPr/>
+          </p:nvSpPr>
+          <p:spPr>
+            <a:xfrm>
+              <a:off x="5619405" y="3427022"/>
+              <a:ext cx="184731" cy="369332"/>
+            </a:xfrm>
+            <a:prstGeom prst="rect">
+              <a:avLst/>
+            </a:prstGeom>
+            <a:noFill/>
+          </p:spPr>
+          <p:txBody>
+            <a:bodyPr wrap="none" rtlCol="0">
+              <a:spAutoFit/>
+            </a:bodyPr>
+            <a:lstStyle/>
+            <a:p>
+              <a:endParaRPr lang="en-GB" dirty="0"/>
+            </a:p>
+          </p:txBody>
+        </p:sp>
+      </p:grpSp>
+      <p:sp>
+        <p:nvSpPr>
+          <p:cNvPr id="2" name="ZoneTexte 1"/>
+          <p:cNvSpPr txBox="1"/>
+          <p:nvPr/>
+        </p:nvSpPr>
+        <p:spPr>
+          <a:xfrm>
+            <a:off x="6227674" y="3453930"/>
+            <a:ext cx="367408" cy="523220"/>
+          </a:xfrm>
+          <a:prstGeom prst="rect">
+            <a:avLst/>
+          </a:prstGeom>
+          <a:noFill/>
+        </p:spPr>
+        <p:txBody>
+          <a:bodyPr wrap="none" rtlCol="0">
+            <a:spAutoFit/>
+          </a:bodyPr>
+          <a:lstStyle/>
+          <a:p>
+            <a:r>
+              <a:rPr lang="en-GB" sz="2800" dirty="0" smtClean="0"/>
+              <a:t>8</a:t>
+            </a:r>
+            <a:endParaRPr lang="en-GB" dirty="0"/>
+          </a:p>
+        </p:txBody>
+      </p:sp>
+      <p:sp>
+        <p:nvSpPr>
+          <p:cNvPr id="3" name="ZoneTexte 2"/>
+          <p:cNvSpPr txBox="1"/>
+          <p:nvPr/>
+        </p:nvSpPr>
+        <p:spPr>
+          <a:xfrm>
+            <a:off x="5590692" y="4089862"/>
+            <a:ext cx="367408" cy="523220"/>
+          </a:xfrm>
+          <a:prstGeom prst="rect">
+            <a:avLst/>
+          </a:prstGeom>
+          <a:noFill/>
+        </p:spPr>
+        <p:txBody>
+          <a:bodyPr wrap="none" rtlCol="0">
+            <a:spAutoFit/>
+          </a:bodyPr>
+          <a:lstStyle/>
+          <a:p>
+            <a:r>
+              <a:rPr lang="en-GB" sz="2800" dirty="0" smtClean="0"/>
+              <a:t>8</a:t>
+            </a:r>
+            <a:endParaRPr lang="en-GB" dirty="0"/>
           </a:p>
         </p:txBody>
       </p:sp>
@@ -7543,6 +9943,247 @@
           </a:p>
         </p:txBody>
       </p:sp>
+      <p:grpSp>
+        <p:nvGrpSpPr>
+          <p:cNvPr id="7" name="Groupe 6"/>
+          <p:cNvGrpSpPr/>
+          <p:nvPr/>
+        </p:nvGrpSpPr>
+        <p:grpSpPr>
+          <a:xfrm>
+            <a:off x="4785058" y="2477608"/>
+            <a:ext cx="2553693" cy="2475203"/>
+            <a:chOff x="4832165" y="3402092"/>
+            <a:chExt cx="2553693" cy="2475203"/>
+          </a:xfrm>
+        </p:grpSpPr>
+        <p:grpSp>
+          <p:nvGrpSpPr>
+            <p:cNvPr id="12" name="Groupe 11"/>
+            <p:cNvGrpSpPr/>
+            <p:nvPr/>
+          </p:nvGrpSpPr>
+          <p:grpSpPr>
+            <a:xfrm>
+              <a:off x="4832165" y="3402092"/>
+              <a:ext cx="2553693" cy="2475203"/>
+              <a:chOff x="4807226" y="3724111"/>
+              <a:chExt cx="2553693" cy="2475203"/>
+            </a:xfrm>
+          </p:grpSpPr>
+          <p:grpSp>
+            <p:nvGrpSpPr>
+              <p:cNvPr id="14" name="Groupe 13"/>
+              <p:cNvGrpSpPr/>
+              <p:nvPr/>
+            </p:nvGrpSpPr>
+            <p:grpSpPr>
+              <a:xfrm>
+                <a:off x="4807226" y="3724111"/>
+                <a:ext cx="2553693" cy="2475203"/>
+                <a:chOff x="4807226" y="3724111"/>
+                <a:chExt cx="2553693" cy="2475203"/>
+              </a:xfrm>
+            </p:grpSpPr>
+            <p:pic>
+              <p:nvPicPr>
+                <p:cNvPr id="17" name="Picture 1">
+                  <a:extLst>
+                    <a:ext uri="{FF2B5EF4-FFF2-40B4-BE49-F238E27FC236}">
+                      <a16:creationId xmlns:a16="http://schemas.microsoft.com/office/drawing/2014/main" id="{88F87B56-3A1F-46ED-B0F7-1E813590C499}"/>
+                    </a:ext>
+                  </a:extLst>
+                </p:cNvPr>
+                <p:cNvPicPr>
+                  <a:picLocks noChangeAspect="1"/>
+                </p:cNvPicPr>
+                <p:nvPr/>
+              </p:nvPicPr>
+              <p:blipFill rotWithShape="1">
+                <a:blip r:embed="rId2"/>
+                <a:srcRect l="25294" t="16027" r="25294" b="12133"/>
+                <a:stretch/>
+              </p:blipFill>
+              <p:spPr>
+                <a:xfrm>
+                  <a:off x="4807226" y="3724111"/>
+                  <a:ext cx="2553693" cy="2475203"/>
+                </a:xfrm>
+                <a:prstGeom prst="rect">
+                  <a:avLst/>
+                </a:prstGeom>
+              </p:spPr>
+            </p:pic>
+            <p:pic>
+              <p:nvPicPr>
+                <p:cNvPr id="18" name="Picture 1">
+                  <a:extLst>
+                    <a:ext uri="{FF2B5EF4-FFF2-40B4-BE49-F238E27FC236}">
+                      <a16:creationId xmlns:a16="http://schemas.microsoft.com/office/drawing/2014/main" id="{88F87B56-3A1F-46ED-B0F7-1E813590C499}"/>
+                    </a:ext>
+                  </a:extLst>
+                </p:cNvPr>
+                <p:cNvPicPr>
+                  <a:picLocks noChangeAspect="1"/>
+                </p:cNvPicPr>
+                <p:nvPr/>
+              </p:nvPicPr>
+              <p:blipFill rotWithShape="1">
+                <a:blip r:embed="rId2"/>
+                <a:srcRect l="49823" t="69829" r="37838" b="12205"/>
+                <a:stretch/>
+              </p:blipFill>
+              <p:spPr>
+                <a:xfrm>
+                  <a:off x="6072272" y="4325560"/>
+                  <a:ext cx="637735" cy="618978"/>
+                </a:xfrm>
+                <a:prstGeom prst="rect">
+                  <a:avLst/>
+                </a:prstGeom>
+              </p:spPr>
+            </p:pic>
+          </p:grpSp>
+          <p:sp>
+            <p:nvSpPr>
+              <p:cNvPr id="15" name="Rectangle 14"/>
+              <p:cNvSpPr/>
+              <p:nvPr/>
+            </p:nvSpPr>
+            <p:spPr>
+              <a:xfrm>
+                <a:off x="6160294" y="4405464"/>
+                <a:ext cx="469106" cy="464191"/>
+              </a:xfrm>
+              <a:prstGeom prst="rect">
+                <a:avLst/>
+              </a:prstGeom>
+              <a:solidFill>
+                <a:schemeClr val="bg1"/>
+              </a:solidFill>
+              <a:ln>
+                <a:solidFill>
+                  <a:schemeClr val="bg1"/>
+                </a:solidFill>
+              </a:ln>
+            </p:spPr>
+            <p:style>
+              <a:lnRef idx="2">
+                <a:schemeClr val="accent1">
+                  <a:shade val="50000"/>
+                </a:schemeClr>
+              </a:lnRef>
+              <a:fillRef idx="1">
+                <a:schemeClr val="accent1"/>
+              </a:fillRef>
+              <a:effectRef idx="0">
+                <a:schemeClr val="accent1"/>
+              </a:effectRef>
+              <a:fontRef idx="minor">
+                <a:schemeClr val="lt1"/>
+              </a:fontRef>
+            </p:style>
+            <p:txBody>
+              <a:bodyPr rtlCol="0" anchor="ctr"/>
+              <a:lstStyle/>
+              <a:p>
+                <a:pPr algn="ctr"/>
+                <a:endParaRPr lang="en-GB" dirty="0">
+                  <a:solidFill>
+                    <a:schemeClr val="tx1"/>
+                  </a:solidFill>
+                </a:endParaRPr>
+              </a:p>
+            </p:txBody>
+          </p:sp>
+          <p:sp>
+            <p:nvSpPr>
+              <p:cNvPr id="16" name="Rectangle 15"/>
+              <p:cNvSpPr/>
+              <p:nvPr/>
+            </p:nvSpPr>
+            <p:spPr>
+              <a:xfrm>
+                <a:off x="6164899" y="5662764"/>
+                <a:ext cx="469106" cy="464191"/>
+              </a:xfrm>
+              <a:prstGeom prst="rect">
+                <a:avLst/>
+              </a:prstGeom>
+              <a:solidFill>
+                <a:schemeClr val="bg1"/>
+              </a:solidFill>
+              <a:ln>
+                <a:solidFill>
+                  <a:schemeClr val="bg1"/>
+                </a:solidFill>
+              </a:ln>
+            </p:spPr>
+            <p:style>
+              <a:lnRef idx="2">
+                <a:schemeClr val="accent1">
+                  <a:shade val="50000"/>
+                </a:schemeClr>
+              </a:lnRef>
+              <a:fillRef idx="1">
+                <a:schemeClr val="accent1"/>
+              </a:fillRef>
+              <a:effectRef idx="0">
+                <a:schemeClr val="accent1"/>
+              </a:effectRef>
+              <a:fontRef idx="minor">
+                <a:schemeClr val="lt1"/>
+              </a:fontRef>
+            </p:style>
+            <p:txBody>
+              <a:bodyPr rtlCol="0" anchor="ctr"/>
+              <a:lstStyle/>
+              <a:p>
+                <a:pPr algn="ctr"/>
+                <a:r>
+                  <a:rPr lang="en-GB" sz="2800" dirty="0" smtClean="0">
+                    <a:solidFill>
+                      <a:schemeClr val="tx1"/>
+                    </a:solidFill>
+                  </a:rPr>
+                  <a:t>1</a:t>
+                </a:r>
+                <a:endParaRPr lang="en-GB" dirty="0">
+                  <a:solidFill>
+                    <a:schemeClr val="tx1"/>
+                  </a:solidFill>
+                </a:endParaRPr>
+              </a:p>
+            </p:txBody>
+          </p:sp>
+        </p:grpSp>
+        <p:sp>
+          <p:nvSpPr>
+            <p:cNvPr id="13" name="ZoneTexte 12"/>
+            <p:cNvSpPr txBox="1"/>
+            <p:nvPr/>
+          </p:nvSpPr>
+          <p:spPr>
+            <a:xfrm>
+              <a:off x="5619405" y="3427022"/>
+              <a:ext cx="184731" cy="369332"/>
+            </a:xfrm>
+            <a:prstGeom prst="rect">
+              <a:avLst/>
+            </a:prstGeom>
+            <a:noFill/>
+          </p:spPr>
+          <p:txBody>
+            <a:bodyPr wrap="none" rtlCol="0">
+              <a:spAutoFit/>
+            </a:bodyPr>
+            <a:lstStyle/>
+            <a:p>
+              <a:endParaRPr lang="en-GB" dirty="0"/>
+            </a:p>
+          </p:txBody>
+        </p:sp>
+      </p:grpSp>
     </p:spTree>
     <p:extLst>
       <p:ext uri="{BB962C8B-B14F-4D97-AF65-F5344CB8AC3E}">
@@ -8765,6 +11406,162 @@
           </a:p>
         </p:txBody>
       </p:sp>
+      <p:sp>
+        <p:nvSpPr>
+          <p:cNvPr id="4" name="Rectangle 3"/>
+          <p:cNvSpPr/>
+          <p:nvPr/>
+        </p:nvSpPr>
+        <p:spPr>
+          <a:xfrm>
+            <a:off x="4787361" y="3509319"/>
+            <a:ext cx="508392" cy="515453"/>
+          </a:xfrm>
+          <a:prstGeom prst="rect">
+            <a:avLst/>
+          </a:prstGeom>
+          <a:solidFill>
+            <a:schemeClr val="bg1"/>
+          </a:solidFill>
+          <a:ln>
+            <a:solidFill>
+              <a:schemeClr val="bg1"/>
+            </a:solidFill>
+          </a:ln>
+        </p:spPr>
+        <p:style>
+          <a:lnRef idx="2">
+            <a:schemeClr val="accent1">
+              <a:shade val="50000"/>
+            </a:schemeClr>
+          </a:lnRef>
+          <a:fillRef idx="1">
+            <a:schemeClr val="accent1"/>
+          </a:fillRef>
+          <a:effectRef idx="0">
+            <a:schemeClr val="accent1"/>
+          </a:effectRef>
+          <a:fontRef idx="minor">
+            <a:schemeClr val="lt1"/>
+          </a:fontRef>
+        </p:style>
+        <p:txBody>
+          <a:bodyPr rtlCol="0" anchor="ctr"/>
+          <a:lstStyle/>
+          <a:p>
+            <a:pPr algn="ctr"/>
+            <a:endParaRPr lang="en-GB" dirty="0"/>
+          </a:p>
+        </p:txBody>
+      </p:sp>
+      <p:sp>
+        <p:nvSpPr>
+          <p:cNvPr id="5" name="ZoneTexte 4"/>
+          <p:cNvSpPr txBox="1"/>
+          <p:nvPr/>
+        </p:nvSpPr>
+        <p:spPr>
+          <a:xfrm>
+            <a:off x="4857853" y="3501552"/>
+            <a:ext cx="367408" cy="523220"/>
+          </a:xfrm>
+          <a:prstGeom prst="rect">
+            <a:avLst/>
+          </a:prstGeom>
+          <a:noFill/>
+        </p:spPr>
+        <p:txBody>
+          <a:bodyPr wrap="none" rtlCol="0">
+            <a:spAutoFit/>
+          </a:bodyPr>
+          <a:lstStyle/>
+          <a:p>
+            <a:r>
+              <a:rPr lang="en-GB" sz="2800" dirty="0" smtClean="0"/>
+              <a:t>1</a:t>
+            </a:r>
+            <a:endParaRPr lang="en-GB" dirty="0"/>
+          </a:p>
+        </p:txBody>
+      </p:sp>
+      <p:sp>
+        <p:nvSpPr>
+          <p:cNvPr id="14" name="Rectangle 13"/>
+          <p:cNvSpPr/>
+          <p:nvPr/>
+        </p:nvSpPr>
+        <p:spPr>
+          <a:xfrm>
+            <a:off x="6161315" y="4194825"/>
+            <a:ext cx="508392" cy="515453"/>
+          </a:xfrm>
+          <a:prstGeom prst="rect">
+            <a:avLst/>
+          </a:prstGeom>
+          <a:solidFill>
+            <a:schemeClr val="bg1"/>
+          </a:solidFill>
+          <a:ln>
+            <a:solidFill>
+              <a:schemeClr val="bg1"/>
+            </a:solidFill>
+          </a:ln>
+        </p:spPr>
+        <p:style>
+          <a:lnRef idx="2">
+            <a:schemeClr val="accent1">
+              <a:shade val="50000"/>
+            </a:schemeClr>
+          </a:lnRef>
+          <a:fillRef idx="1">
+            <a:schemeClr val="accent1"/>
+          </a:fillRef>
+          <a:effectRef idx="0">
+            <a:schemeClr val="accent1"/>
+          </a:effectRef>
+          <a:fontRef idx="minor">
+            <a:schemeClr val="lt1"/>
+          </a:fontRef>
+        </p:style>
+        <p:txBody>
+          <a:bodyPr rtlCol="0" anchor="ctr"/>
+          <a:lstStyle/>
+          <a:p>
+            <a:pPr algn="ctr"/>
+            <a:endParaRPr lang="en-GB" dirty="0"/>
+          </a:p>
+        </p:txBody>
+      </p:sp>
+      <p:sp>
+        <p:nvSpPr>
+          <p:cNvPr id="6" name="ZoneTexte 5"/>
+          <p:cNvSpPr txBox="1"/>
+          <p:nvPr/>
+        </p:nvSpPr>
+        <p:spPr>
+          <a:xfrm>
+            <a:off x="6245458" y="4197766"/>
+            <a:ext cx="367408" cy="523220"/>
+          </a:xfrm>
+          <a:prstGeom prst="rect">
+            <a:avLst/>
+          </a:prstGeom>
+          <a:noFill/>
+        </p:spPr>
+        <p:txBody>
+          <a:bodyPr wrap="none" rtlCol="0">
+            <a:spAutoFit/>
+          </a:bodyPr>
+          <a:lstStyle/>
+          <a:p>
+            <a:r>
+              <a:rPr lang="en-GB" sz="2800" dirty="0" smtClean="0"/>
+              <a:t>1</a:t>
+            </a:r>
+            <a:endParaRPr lang="en-GB" dirty="0"/>
+          </a:p>
+        </p:txBody>
+      </p:sp>
     </p:spTree>
     <p:extLst>
       <p:ext uri="{BB962C8B-B14F-4D97-AF65-F5344CB8AC3E}">
@@ -9060,6 +11857,162 @@
           </a:p>
         </p:txBody>
       </p:sp>
+      <p:sp>
+        <p:nvSpPr>
+          <p:cNvPr id="8" name="Rectangle 7"/>
+          <p:cNvSpPr/>
+          <p:nvPr/>
+        </p:nvSpPr>
+        <p:spPr>
+          <a:xfrm>
+            <a:off x="4787361" y="3555216"/>
+            <a:ext cx="508392" cy="515453"/>
+          </a:xfrm>
+          <a:prstGeom prst="rect">
+            <a:avLst/>
+          </a:prstGeom>
+          <a:solidFill>
+            <a:schemeClr val="bg1"/>
+          </a:solidFill>
+          <a:ln>
+            <a:solidFill>
+              <a:schemeClr val="bg1"/>
+            </a:solidFill>
+          </a:ln>
+        </p:spPr>
+        <p:style>
+          <a:lnRef idx="2">
+            <a:schemeClr val="accent1">
+              <a:shade val="50000"/>
+            </a:schemeClr>
+          </a:lnRef>
+          <a:fillRef idx="1">
+            <a:schemeClr val="accent1"/>
+          </a:fillRef>
+          <a:effectRef idx="0">
+            <a:schemeClr val="accent1"/>
+          </a:effectRef>
+          <a:fontRef idx="minor">
+            <a:schemeClr val="lt1"/>
+          </a:fontRef>
+        </p:style>
+        <p:txBody>
+          <a:bodyPr rtlCol="0" anchor="ctr"/>
+          <a:lstStyle/>
+          <a:p>
+            <a:pPr algn="ctr"/>
+            <a:endParaRPr lang="en-GB" dirty="0"/>
+          </a:p>
+        </p:txBody>
+      </p:sp>
+      <p:sp>
+        <p:nvSpPr>
+          <p:cNvPr id="11" name="ZoneTexte 10"/>
+          <p:cNvSpPr txBox="1"/>
+          <p:nvPr/>
+        </p:nvSpPr>
+        <p:spPr>
+          <a:xfrm>
+            <a:off x="4857853" y="3547449"/>
+            <a:ext cx="367408" cy="523220"/>
+          </a:xfrm>
+          <a:prstGeom prst="rect">
+            <a:avLst/>
+          </a:prstGeom>
+          <a:noFill/>
+        </p:spPr>
+        <p:txBody>
+          <a:bodyPr wrap="none" rtlCol="0">
+            <a:spAutoFit/>
+          </a:bodyPr>
+          <a:lstStyle/>
+          <a:p>
+            <a:r>
+              <a:rPr lang="en-GB" sz="2800" dirty="0" smtClean="0"/>
+              <a:t>1</a:t>
+            </a:r>
+            <a:endParaRPr lang="en-GB" dirty="0"/>
+          </a:p>
+        </p:txBody>
+      </p:sp>
+      <p:sp>
+        <p:nvSpPr>
+          <p:cNvPr id="14" name="Rectangle 13"/>
+          <p:cNvSpPr/>
+          <p:nvPr/>
+        </p:nvSpPr>
+        <p:spPr>
+          <a:xfrm>
+            <a:off x="6164846" y="4244253"/>
+            <a:ext cx="508392" cy="515453"/>
+          </a:xfrm>
+          <a:prstGeom prst="rect">
+            <a:avLst/>
+          </a:prstGeom>
+          <a:solidFill>
+            <a:schemeClr val="bg1"/>
+          </a:solidFill>
+          <a:ln>
+            <a:solidFill>
+              <a:schemeClr val="bg1"/>
+            </a:solidFill>
+          </a:ln>
+        </p:spPr>
+        <p:style>
+          <a:lnRef idx="2">
+            <a:schemeClr val="accent1">
+              <a:shade val="50000"/>
+            </a:schemeClr>
+          </a:lnRef>
+          <a:fillRef idx="1">
+            <a:schemeClr val="accent1"/>
+          </a:fillRef>
+          <a:effectRef idx="0">
+            <a:schemeClr val="accent1"/>
+          </a:effectRef>
+          <a:fontRef idx="minor">
+            <a:schemeClr val="lt1"/>
+          </a:fontRef>
+        </p:style>
+        <p:txBody>
+          <a:bodyPr rtlCol="0" anchor="ctr"/>
+          <a:lstStyle/>
+          <a:p>
+            <a:pPr algn="ctr"/>
+            <a:endParaRPr lang="en-GB" dirty="0"/>
+          </a:p>
+        </p:txBody>
+      </p:sp>
+      <p:sp>
+        <p:nvSpPr>
+          <p:cNvPr id="15" name="ZoneTexte 14"/>
+          <p:cNvSpPr txBox="1"/>
+          <p:nvPr/>
+        </p:nvSpPr>
+        <p:spPr>
+          <a:xfrm>
+            <a:off x="6245458" y="4243663"/>
+            <a:ext cx="367408" cy="523220"/>
+          </a:xfrm>
+          <a:prstGeom prst="rect">
+            <a:avLst/>
+          </a:prstGeom>
+          <a:noFill/>
+        </p:spPr>
+        <p:txBody>
+          <a:bodyPr wrap="none" rtlCol="0">
+            <a:spAutoFit/>
+          </a:bodyPr>
+          <a:lstStyle/>
+          <a:p>
+            <a:r>
+              <a:rPr lang="en-GB" sz="2800" dirty="0" smtClean="0"/>
+              <a:t>1</a:t>
+            </a:r>
+            <a:endParaRPr lang="en-GB" dirty="0"/>
+          </a:p>
+        </p:txBody>
+      </p:sp>
     </p:spTree>
     <p:extLst>
       <p:ext uri="{BB962C8B-B14F-4D97-AF65-F5344CB8AC3E}">
@@ -9337,7 +12290,7 @@
       </p:sp>
       <p:grpSp>
         <p:nvGrpSpPr>
-          <p:cNvPr id="4" name="Groupe 3"/>
+          <p:cNvPr id="2" name="Groupe 1"/>
           <p:cNvGrpSpPr/>
           <p:nvPr/>
         </p:nvGrpSpPr>
@@ -9349,64 +12302,199 @@
             <a:chExt cx="2553693" cy="2475203"/>
           </a:xfrm>
         </p:grpSpPr>
-        <p:pic>
-          <p:nvPicPr>
-            <p:cNvPr id="12" name="Picture 1">
-              <a:extLst>
-                <a:ext uri="{FF2B5EF4-FFF2-40B4-BE49-F238E27FC236}">
-                  <a16:creationId xmlns:a16="http://schemas.microsoft.com/office/drawing/2014/main" id="{88F87B56-3A1F-46ED-B0F7-1E813590C499}"/>
-                </a:ext>
-              </a:extLst>
-            </p:cNvPr>
-            <p:cNvPicPr>
-              <a:picLocks noChangeAspect="1"/>
-            </p:cNvPicPr>
+        <p:grpSp>
+          <p:nvGrpSpPr>
+            <p:cNvPr id="4" name="Groupe 3"/>
+            <p:cNvGrpSpPr/>
             <p:nvPr/>
-          </p:nvPicPr>
-          <p:blipFill rotWithShape="1">
-            <a:blip r:embed="rId2"/>
-            <a:srcRect l="25294" t="16027" r="25294" b="12133"/>
-            <a:stretch/>
-          </p:blipFill>
-          <p:spPr>
+          </p:nvGrpSpPr>
+          <p:grpSpPr>
             <a:xfrm>
               <a:off x="4807226" y="3724111"/>
               <a:ext cx="2553693" cy="2475203"/>
+              <a:chOff x="4807226" y="3724111"/>
+              <a:chExt cx="2553693" cy="2475203"/>
+            </a:xfrm>
+          </p:grpSpPr>
+          <p:pic>
+            <p:nvPicPr>
+              <p:cNvPr id="12" name="Picture 1">
+                <a:extLst>
+                  <a:ext uri="{FF2B5EF4-FFF2-40B4-BE49-F238E27FC236}">
+                    <a16:creationId xmlns:a16="http://schemas.microsoft.com/office/drawing/2014/main" id="{88F87B56-3A1F-46ED-B0F7-1E813590C499}"/>
+                  </a:ext>
+                </a:extLst>
+              </p:cNvPr>
+              <p:cNvPicPr>
+                <a:picLocks noChangeAspect="1"/>
+              </p:cNvPicPr>
+              <p:nvPr/>
+            </p:nvPicPr>
+            <p:blipFill rotWithShape="1">
+              <a:blip r:embed="rId2"/>
+              <a:srcRect l="25294" t="16027" r="25294" b="12133"/>
+              <a:stretch/>
+            </p:blipFill>
+            <p:spPr>
+              <a:xfrm>
+                <a:off x="4807226" y="3724111"/>
+                <a:ext cx="2553693" cy="2475203"/>
+              </a:xfrm>
+              <a:prstGeom prst="rect">
+                <a:avLst/>
+              </a:prstGeom>
+            </p:spPr>
+          </p:pic>
+          <p:pic>
+            <p:nvPicPr>
+              <p:cNvPr id="13" name="Picture 1">
+                <a:extLst>
+                  <a:ext uri="{FF2B5EF4-FFF2-40B4-BE49-F238E27FC236}">
+                    <a16:creationId xmlns:a16="http://schemas.microsoft.com/office/drawing/2014/main" id="{88F87B56-3A1F-46ED-B0F7-1E813590C499}"/>
+                  </a:ext>
+                </a:extLst>
+              </p:cNvPr>
+              <p:cNvPicPr>
+                <a:picLocks noChangeAspect="1"/>
+              </p:cNvPicPr>
+              <p:nvPr/>
+            </p:nvPicPr>
+            <p:blipFill rotWithShape="1">
+              <a:blip r:embed="rId2"/>
+              <a:srcRect l="49823" t="69829" r="37838" b="12205"/>
+              <a:stretch/>
+            </p:blipFill>
+            <p:spPr>
+              <a:xfrm>
+                <a:off x="6072272" y="4325560"/>
+                <a:ext cx="637735" cy="618978"/>
+              </a:xfrm>
+              <a:prstGeom prst="rect">
+                <a:avLst/>
+              </a:prstGeom>
+            </p:spPr>
+          </p:pic>
+        </p:grpSp>
+        <p:sp>
+          <p:nvSpPr>
+            <p:cNvPr id="6" name="Rectangle 5"/>
+            <p:cNvSpPr/>
+            <p:nvPr/>
+          </p:nvSpPr>
+          <p:spPr>
+            <a:xfrm>
+              <a:off x="6160294" y="4405464"/>
+              <a:ext cx="469106" cy="464191"/>
             </a:xfrm>
             <a:prstGeom prst="rect">
               <a:avLst/>
             </a:prstGeom>
+            <a:solidFill>
+              <a:schemeClr val="bg1"/>
+            </a:solidFill>
+            <a:ln>
+              <a:solidFill>
+                <a:schemeClr val="bg1"/>
+              </a:solidFill>
+            </a:ln>
           </p:spPr>
-        </p:pic>
-        <p:pic>
-          <p:nvPicPr>
-            <p:cNvPr id="13" name="Picture 1">
-              <a:extLst>
-                <a:ext uri="{FF2B5EF4-FFF2-40B4-BE49-F238E27FC236}">
-                  <a16:creationId xmlns:a16="http://schemas.microsoft.com/office/drawing/2014/main" id="{88F87B56-3A1F-46ED-B0F7-1E813590C499}"/>
-                </a:ext>
-              </a:extLst>
-            </p:cNvPr>
-            <p:cNvPicPr>
-              <a:picLocks noChangeAspect="1"/>
-            </p:cNvPicPr>
+          <p:style>
+            <a:lnRef idx="2">
+              <a:schemeClr val="accent1">
+                <a:shade val="50000"/>
+              </a:schemeClr>
+            </a:lnRef>
+            <a:fillRef idx="1">
+              <a:schemeClr val="accent1"/>
+            </a:fillRef>
+            <a:effectRef idx="0">
+              <a:schemeClr val="accent1"/>
+            </a:effectRef>
+            <a:fontRef idx="minor">
+              <a:schemeClr val="lt1"/>
+            </a:fontRef>
+          </p:style>
+          <p:txBody>
+            <a:bodyPr rtlCol="0" anchor="ctr"/>
+            <a:lstStyle/>
+            <a:p>
+              <a:pPr algn="ctr"/>
+              <a:r>
+                <a:rPr lang="en-GB" sz="2800" dirty="0" smtClean="0">
+                  <a:solidFill>
+                    <a:schemeClr val="tx1"/>
+                  </a:solidFill>
+                </a:rPr>
+                <a:t>1</a:t>
+              </a:r>
+              <a:endParaRPr lang="en-GB" dirty="0">
+                <a:solidFill>
+                  <a:schemeClr val="tx1"/>
+                </a:solidFill>
+              </a:endParaRPr>
+            </a:p>
+          </p:txBody>
+        </p:sp>
+        <p:sp>
+          <p:nvSpPr>
+            <p:cNvPr id="10" name="Rectangle 9"/>
+            <p:cNvSpPr/>
             <p:nvPr/>
-          </p:nvPicPr>
-          <p:blipFill rotWithShape="1">
-            <a:blip r:embed="rId2"/>
-            <a:srcRect l="49823" t="69829" r="37838" b="12205"/>
-            <a:stretch/>
-          </p:blipFill>
+          </p:nvSpPr>
           <p:spPr>
             <a:xfrm>
-              <a:off x="6072272" y="4325560"/>
-              <a:ext cx="637735" cy="618978"/>
+              <a:off x="6156586" y="5662764"/>
+              <a:ext cx="469106" cy="464191"/>
             </a:xfrm>
             <a:prstGeom prst="rect">
               <a:avLst/>
             </a:prstGeom>
+            <a:solidFill>
+              <a:schemeClr val="bg1"/>
+            </a:solidFill>
+            <a:ln>
+              <a:solidFill>
+                <a:schemeClr val="bg1"/>
+              </a:solidFill>
+            </a:ln>
           </p:spPr>
-        </p:pic>
+          <p:style>
+            <a:lnRef idx="2">
+              <a:schemeClr val="accent1">
+                <a:shade val="50000"/>
+              </a:schemeClr>
+            </a:lnRef>
+            <a:fillRef idx="1">
+              <a:schemeClr val="accent1"/>
+            </a:fillRef>
+            <a:effectRef idx="0">
+              <a:schemeClr val="accent1"/>
+            </a:effectRef>
+            <a:fontRef idx="minor">
+              <a:schemeClr val="lt1"/>
+            </a:fontRef>
+          </p:style>
+          <p:txBody>
+            <a:bodyPr rtlCol="0" anchor="ctr"/>
+            <a:lstStyle/>
+            <a:p>
+              <a:pPr algn="ctr"/>
+              <a:r>
+                <a:rPr lang="en-GB" sz="2800" dirty="0">
+                  <a:solidFill>
+                    <a:schemeClr val="tx1"/>
+                  </a:solidFill>
+                </a:rPr>
+                <a:t>1</a:t>
+              </a:r>
+              <a:endParaRPr lang="en-GB" dirty="0">
+                <a:solidFill>
+                  <a:schemeClr val="tx1"/>
+                </a:solidFill>
+              </a:endParaRPr>
+            </a:p>
+          </p:txBody>
+        </p:sp>
       </p:grpSp>
     </p:spTree>
     <p:extLst>
@@ -9700,6 +12788,162 @@
               </a:rPr>
               <a:t>ETAPE 6 – ÉVALUATION DE VOS RÉPONSES</a:t>
             </a:r>
+          </a:p>
+        </p:txBody>
+      </p:sp>
+      <p:sp>
+        <p:nvSpPr>
+          <p:cNvPr id="2" name="Rectangle 1"/>
+          <p:cNvSpPr/>
+          <p:nvPr/>
+        </p:nvSpPr>
+        <p:spPr>
+          <a:xfrm>
+            <a:off x="5482869" y="3502258"/>
+            <a:ext cx="501332" cy="501331"/>
+          </a:xfrm>
+          <a:prstGeom prst="rect">
+            <a:avLst/>
+          </a:prstGeom>
+          <a:solidFill>
+            <a:schemeClr val="bg1"/>
+          </a:solidFill>
+          <a:ln>
+            <a:solidFill>
+              <a:schemeClr val="bg1"/>
+            </a:solidFill>
+          </a:ln>
+        </p:spPr>
+        <p:style>
+          <a:lnRef idx="2">
+            <a:schemeClr val="accent1">
+              <a:shade val="50000"/>
+            </a:schemeClr>
+          </a:lnRef>
+          <a:fillRef idx="1">
+            <a:schemeClr val="accent1"/>
+          </a:fillRef>
+          <a:effectRef idx="0">
+            <a:schemeClr val="accent1"/>
+          </a:effectRef>
+          <a:fontRef idx="minor">
+            <a:schemeClr val="lt1"/>
+          </a:fontRef>
+        </p:style>
+        <p:txBody>
+          <a:bodyPr rtlCol="0" anchor="ctr"/>
+          <a:lstStyle/>
+          <a:p>
+            <a:pPr algn="ctr"/>
+            <a:endParaRPr lang="en-GB"/>
+          </a:p>
+        </p:txBody>
+      </p:sp>
+      <p:sp>
+        <p:nvSpPr>
+          <p:cNvPr id="10" name="Rectangle 9"/>
+          <p:cNvSpPr/>
+          <p:nvPr/>
+        </p:nvSpPr>
+        <p:spPr>
+          <a:xfrm>
+            <a:off x="6179064" y="3502258"/>
+            <a:ext cx="501332" cy="501331"/>
+          </a:xfrm>
+          <a:prstGeom prst="rect">
+            <a:avLst/>
+          </a:prstGeom>
+          <a:solidFill>
+            <a:schemeClr val="bg1"/>
+          </a:solidFill>
+          <a:ln>
+            <a:solidFill>
+              <a:schemeClr val="bg1"/>
+            </a:solidFill>
+          </a:ln>
+        </p:spPr>
+        <p:style>
+          <a:lnRef idx="2">
+            <a:schemeClr val="accent1">
+              <a:shade val="50000"/>
+            </a:schemeClr>
+          </a:lnRef>
+          <a:fillRef idx="1">
+            <a:schemeClr val="accent1"/>
+          </a:fillRef>
+          <a:effectRef idx="0">
+            <a:schemeClr val="accent1"/>
+          </a:effectRef>
+          <a:fontRef idx="minor">
+            <a:schemeClr val="lt1"/>
+          </a:fontRef>
+        </p:style>
+        <p:txBody>
+          <a:bodyPr rtlCol="0" anchor="ctr"/>
+          <a:lstStyle/>
+          <a:p>
+            <a:pPr algn="ctr"/>
+            <a:endParaRPr lang="en-GB"/>
+          </a:p>
+        </p:txBody>
+      </p:sp>
+      <p:sp>
+        <p:nvSpPr>
+          <p:cNvPr id="3" name="ZoneTexte 2"/>
+          <p:cNvSpPr txBox="1"/>
+          <p:nvPr/>
+        </p:nvSpPr>
+        <p:spPr>
+          <a:xfrm>
+            <a:off x="5554448" y="3487055"/>
+            <a:ext cx="367408" cy="523220"/>
+          </a:xfrm>
+          <a:prstGeom prst="rect">
+            <a:avLst/>
+          </a:prstGeom>
+          <a:noFill/>
+        </p:spPr>
+        <p:txBody>
+          <a:bodyPr wrap="none" rtlCol="0">
+            <a:spAutoFit/>
+          </a:bodyPr>
+          <a:lstStyle/>
+          <a:p>
+            <a:r>
+              <a:rPr lang="en-GB" sz="2800" dirty="0" smtClean="0"/>
+              <a:t>8</a:t>
+            </a:r>
+            <a:endParaRPr lang="en-GB" sz="2800" dirty="0"/>
+          </a:p>
+        </p:txBody>
+      </p:sp>
+      <p:sp>
+        <p:nvSpPr>
+          <p:cNvPr id="11" name="ZoneTexte 10"/>
+          <p:cNvSpPr txBox="1"/>
+          <p:nvPr/>
+        </p:nvSpPr>
+        <p:spPr>
+          <a:xfrm>
+            <a:off x="6246026" y="3487055"/>
+            <a:ext cx="367408" cy="523220"/>
+          </a:xfrm>
+          <a:prstGeom prst="rect">
+            <a:avLst/>
+          </a:prstGeom>
+          <a:noFill/>
+        </p:spPr>
+        <p:txBody>
+          <a:bodyPr wrap="none" rtlCol="0">
+            <a:spAutoFit/>
+          </a:bodyPr>
+          <a:lstStyle/>
+          <a:p>
+            <a:r>
+              <a:rPr lang="en-GB" sz="2800" dirty="0" smtClean="0"/>
+              <a:t>8</a:t>
+            </a:r>
+            <a:endParaRPr lang="en-GB" sz="2800" dirty="0"/>
           </a:p>
         </p:txBody>
       </p:sp>
@@ -11312,6 +14556,197 @@
           </a:p>
         </p:txBody>
       </p:sp>
+      <p:grpSp>
+        <p:nvGrpSpPr>
+          <p:cNvPr id="3" name="Groupe 2"/>
+          <p:cNvGrpSpPr/>
+          <p:nvPr/>
+        </p:nvGrpSpPr>
+        <p:grpSpPr>
+          <a:xfrm>
+            <a:off x="4819154" y="2186478"/>
+            <a:ext cx="2553693" cy="2475203"/>
+            <a:chOff x="1698266" y="2186478"/>
+            <a:chExt cx="2553693" cy="2475203"/>
+          </a:xfrm>
+        </p:grpSpPr>
+        <p:grpSp>
+          <p:nvGrpSpPr>
+            <p:cNvPr id="7" name="Groupe 6"/>
+            <p:cNvGrpSpPr/>
+            <p:nvPr/>
+          </p:nvGrpSpPr>
+          <p:grpSpPr>
+            <a:xfrm>
+              <a:off x="1698266" y="2186478"/>
+              <a:ext cx="2553693" cy="2475203"/>
+              <a:chOff x="4807226" y="3724111"/>
+              <a:chExt cx="2553693" cy="2475203"/>
+            </a:xfrm>
+          </p:grpSpPr>
+          <p:pic>
+            <p:nvPicPr>
+              <p:cNvPr id="13" name="Picture 1">
+                <a:extLst>
+                  <a:ext uri="{FF2B5EF4-FFF2-40B4-BE49-F238E27FC236}">
+                    <a16:creationId xmlns:a16="http://schemas.microsoft.com/office/drawing/2014/main" id="{88F87B56-3A1F-46ED-B0F7-1E813590C499}"/>
+                  </a:ext>
+                </a:extLst>
+              </p:cNvPr>
+              <p:cNvPicPr>
+                <a:picLocks noChangeAspect="1"/>
+              </p:cNvPicPr>
+              <p:nvPr/>
+            </p:nvPicPr>
+            <p:blipFill rotWithShape="1">
+              <a:blip r:embed="rId2"/>
+              <a:srcRect l="25294" t="16027" r="25294" b="12133"/>
+              <a:stretch/>
+            </p:blipFill>
+            <p:spPr>
+              <a:xfrm>
+                <a:off x="4807226" y="3724111"/>
+                <a:ext cx="2553693" cy="2475203"/>
+              </a:xfrm>
+              <a:prstGeom prst="rect">
+                <a:avLst/>
+              </a:prstGeom>
+            </p:spPr>
+          </p:pic>
+          <p:pic>
+            <p:nvPicPr>
+              <p:cNvPr id="14" name="Picture 1">
+                <a:extLst>
+                  <a:ext uri="{FF2B5EF4-FFF2-40B4-BE49-F238E27FC236}">
+                    <a16:creationId xmlns:a16="http://schemas.microsoft.com/office/drawing/2014/main" id="{88F87B56-3A1F-46ED-B0F7-1E813590C499}"/>
+                  </a:ext>
+                </a:extLst>
+              </p:cNvPr>
+              <p:cNvPicPr>
+                <a:picLocks noChangeAspect="1"/>
+              </p:cNvPicPr>
+              <p:nvPr/>
+            </p:nvPicPr>
+            <p:blipFill rotWithShape="1">
+              <a:blip r:embed="rId2"/>
+              <a:srcRect l="49823" t="69829" r="37838" b="12205"/>
+              <a:stretch/>
+            </p:blipFill>
+            <p:spPr>
+              <a:xfrm>
+                <a:off x="6072272" y="4325560"/>
+                <a:ext cx="637735" cy="618978"/>
+              </a:xfrm>
+              <a:prstGeom prst="rect">
+                <a:avLst/>
+              </a:prstGeom>
+            </p:spPr>
+          </p:pic>
+        </p:grpSp>
+        <p:sp>
+          <p:nvSpPr>
+            <p:cNvPr id="9" name="Rectangle 8"/>
+            <p:cNvSpPr/>
+            <p:nvPr/>
+          </p:nvSpPr>
+          <p:spPr>
+            <a:xfrm>
+              <a:off x="3051334" y="2867831"/>
+              <a:ext cx="469106" cy="464191"/>
+            </a:xfrm>
+            <a:prstGeom prst="rect">
+              <a:avLst/>
+            </a:prstGeom>
+            <a:solidFill>
+              <a:schemeClr val="bg1"/>
+            </a:solidFill>
+            <a:ln>
+              <a:solidFill>
+                <a:schemeClr val="bg1"/>
+              </a:solidFill>
+            </a:ln>
+          </p:spPr>
+          <p:style>
+            <a:lnRef idx="2">
+              <a:schemeClr val="accent1">
+                <a:shade val="50000"/>
+              </a:schemeClr>
+            </a:lnRef>
+            <a:fillRef idx="1">
+              <a:schemeClr val="accent1"/>
+            </a:fillRef>
+            <a:effectRef idx="0">
+              <a:schemeClr val="accent1"/>
+            </a:effectRef>
+            <a:fontRef idx="minor">
+              <a:schemeClr val="lt1"/>
+            </a:fontRef>
+          </p:style>
+          <p:txBody>
+            <a:bodyPr rtlCol="0" anchor="ctr"/>
+            <a:lstStyle/>
+            <a:p>
+              <a:pPr algn="ctr"/>
+              <a:endParaRPr lang="en-GB"/>
+            </a:p>
+          </p:txBody>
+        </p:sp>
+        <p:sp>
+          <p:nvSpPr>
+            <p:cNvPr id="11" name="Rectangle 10"/>
+            <p:cNvSpPr/>
+            <p:nvPr/>
+          </p:nvSpPr>
+          <p:spPr>
+            <a:xfrm>
+              <a:off x="3051334" y="4125131"/>
+              <a:ext cx="469106" cy="464191"/>
+            </a:xfrm>
+            <a:prstGeom prst="rect">
+              <a:avLst/>
+            </a:prstGeom>
+            <a:solidFill>
+              <a:schemeClr val="bg1"/>
+            </a:solidFill>
+            <a:ln>
+              <a:solidFill>
+                <a:schemeClr val="bg1"/>
+              </a:solidFill>
+            </a:ln>
+          </p:spPr>
+          <p:style>
+            <a:lnRef idx="2">
+              <a:schemeClr val="accent1">
+                <a:shade val="50000"/>
+              </a:schemeClr>
+            </a:lnRef>
+            <a:fillRef idx="1">
+              <a:schemeClr val="accent1"/>
+            </a:fillRef>
+            <a:effectRef idx="0">
+              <a:schemeClr val="accent1"/>
+            </a:effectRef>
+            <a:fontRef idx="minor">
+              <a:schemeClr val="lt1"/>
+            </a:fontRef>
+          </p:style>
+          <p:txBody>
+            <a:bodyPr rtlCol="0" anchor="ctr"/>
+            <a:lstStyle/>
+            <a:p>
+              <a:pPr algn="ctr"/>
+              <a:r>
+                <a:rPr lang="en-GB" sz="2800" dirty="0">
+                  <a:solidFill>
+                    <a:schemeClr val="tx1"/>
+                  </a:solidFill>
+                </a:rPr>
+                <a:t>1</a:t>
+              </a:r>
+            </a:p>
+          </p:txBody>
+        </p:sp>
+      </p:grpSp>
     </p:spTree>
     <p:extLst>
       <p:ext uri="{BB962C8B-B14F-4D97-AF65-F5344CB8AC3E}">
@@ -12662,4 +16097,265 @@
     </a:ext>
   </a:extLst>
 </a:theme>
+</file>
+
+<file path=ppt/theme/theme2.xml><?xml version="1.0" encoding="utf-8"?>
+<a:theme xmlns:a="http://schemas.openxmlformats.org/drawingml/2006/main" name="Thème Office">
+  <a:themeElements>
+    <a:clrScheme name="Office">
+      <a:dk1>
+        <a:sysClr val="windowText" lastClr="000000"/>
+      </a:dk1>
+      <a:lt1>
+        <a:sysClr val="window" lastClr="FFFFFF"/>
+      </a:lt1>
+      <a:dk2>
+        <a:srgbClr val="44546A"/>
+      </a:dk2>
+      <a:lt2>
+        <a:srgbClr val="E7E6E6"/>
+      </a:lt2>
+      <a:accent1>
+        <a:srgbClr val="5B9BD5"/>
+      </a:accent1>
+      <a:accent2>
+        <a:srgbClr val="ED7D31"/>
+      </a:accent2>
+      <a:accent3>
+        <a:srgbClr val="A5A5A5"/>
+      </a:accent3>
+      <a:accent4>
+        <a:srgbClr val="FFC000"/>
+      </a:accent4>
+      <a:accent5>
+        <a:srgbClr val="4472C4"/>
+      </a:accent5>
+      <a:accent6>
+        <a:srgbClr val="70AD47"/>
+      </a:accent6>
+      <a:hlink>
+        <a:srgbClr val="0563C1"/>
+      </a:hlink>
+      <a:folHlink>
+        <a:srgbClr val="954F72"/>
+      </a:folHlink>
+    </a:clrScheme>
+    <a:fontScheme name="Office">
+      <a:majorFont>
+        <a:latin typeface="Calibri Light" panose="020F0302020204030204"/>
+        <a:ea typeface=""/>
+        <a:cs typeface=""/>
+        <a:font script="Jpan" typeface="游ゴシック Light"/>
+        <a:font script="Hang" typeface="맑은 고딕"/>
+        <a:font script="Hans" typeface="等线 Light"/>
+        <a:font script="Hant" typeface="新細明體"/>
+        <a:font script="Arab" typeface="Times New Roman"/>
+        <a:font script="Hebr" typeface="Times New Roman"/>
+        <a:font script="Thai" typeface="Angsana New"/>
+        <a:font script="Ethi" typeface="Nyala"/>
+        <a:font script="Beng" typeface="Vrinda"/>
+        <a:font script="Gujr" typeface="Shruti"/>
+        <a:font script="Khmr" typeface="MoolBoran"/>
+        <a:font script="Knda" typeface="Tunga"/>
+        <a:font script="Guru" typeface="Raavi"/>
+        <a:font script="Cans" typeface="Euphemia"/>
+        <a:font script="Cher" typeface="Plantagenet Cherokee"/>
+        <a:font script="Yiii" typeface="Microsoft Yi Baiti"/>
+        <a:font script="Tibt" typeface="Microsoft Himalaya"/>
+        <a:font script="Thaa" typeface="MV Boli"/>
+        <a:font script="Deva" typeface="Mangal"/>
+        <a:font script="Telu" typeface="Gautami"/>
+        <a:font script="Taml" typeface="Latha"/>
+        <a:font script="Syrc" typeface="Estrangelo Edessa"/>
+        <a:font script="Orya" typeface="Kalinga"/>
+        <a:font script="Mlym" typeface="Kartika"/>
+        <a:font script="Laoo" typeface="DokChampa"/>
+        <a:font script="Sinh" typeface="Iskoola Pota"/>
+        <a:font script="Mong" typeface="Mongolian Baiti"/>
+        <a:font script="Viet" typeface="Times New Roman"/>
+        <a:font script="Uigh" typeface="Microsoft Uighur"/>
+        <a:font script="Geor" typeface="Sylfaen"/>
+      </a:majorFont>
+      <a:minorFont>
+        <a:latin typeface="Calibri" panose="020F0502020204030204"/>
+        <a:ea typeface=""/>
+        <a:cs typeface=""/>
+        <a:font script="Jpan" typeface="游ゴシック"/>
+        <a:font script="Hang" typeface="맑은 고딕"/>
+        <a:font script="Hans" typeface="等线"/>
+        <a:font script="Hant" typeface="新細明體"/>
+        <a:font script="Arab" typeface="Arial"/>
+        <a:font script="Hebr" typeface="Arial"/>
+        <a:font script="Thai" typeface="Cordia New"/>
+        <a:font script="Ethi" typeface="Nyala"/>
+        <a:font script="Beng" typeface="Vrinda"/>
+        <a:font script="Gujr" typeface="Shruti"/>
+        <a:font script="Khmr" typeface="DaunPenh"/>
+        <a:font script="Knda" typeface="Tunga"/>
+        <a:font script="Guru" typeface="Raavi"/>
+        <a:font script="Cans" typeface="Euphemia"/>
+        <a:font script="Cher" typeface="Plantagenet Cherokee"/>
+        <a:font script="Yiii" typeface="Microsoft Yi Baiti"/>
+        <a:font script="Tibt" typeface="Microsoft Himalaya"/>
+        <a:font script="Thaa" typeface="MV Boli"/>
+        <a:font script="Deva" typeface="Mangal"/>
+        <a:font script="Telu" typeface="Gautami"/>
+        <a:font script="Taml" typeface="Latha"/>
+        <a:font script="Syrc" typeface="Estrangelo Edessa"/>
+        <a:font script="Orya" typeface="Kalinga"/>
+        <a:font script="Mlym" typeface="Kartika"/>
+        <a:font script="Laoo" typeface="DokChampa"/>
+        <a:font script="Sinh" typeface="Iskoola Pota"/>
+        <a:font script="Mong" typeface="Mongolian Baiti"/>
+        <a:font script="Viet" typeface="Arial"/>
+        <a:font script="Uigh" typeface="Microsoft Uighur"/>
+        <a:font script="Geor" typeface="Sylfaen"/>
+      </a:minorFont>
+    </a:fontScheme>
+    <a:fmtScheme name="Office">
+      <a:fillStyleLst>
+        <a:solidFill>
+          <a:schemeClr val="phClr"/>
+        </a:solidFill>
+        <a:gradFill rotWithShape="1">
+          <a:gsLst>
+            <a:gs pos="0">
+              <a:schemeClr val="phClr">
+                <a:lumMod val="110000"/>
+                <a:satMod val="105000"/>
+                <a:tint val="67000"/>
+              </a:schemeClr>
+            </a:gs>
+            <a:gs pos="50000">
+              <a:schemeClr val="phClr">
+                <a:lumMod val="105000"/>
+                <a:satMod val="103000"/>
+                <a:tint val="73000"/>
+              </a:schemeClr>
+            </a:gs>
+            <a:gs pos="100000">
+              <a:schemeClr val="phClr">
+                <a:lumMod val="105000"/>
+                <a:satMod val="109000"/>
+                <a:tint val="81000"/>
+              </a:schemeClr>
+            </a:gs>
+          </a:gsLst>
+          <a:lin ang="5400000" scaled="0"/>
+        </a:gradFill>
+        <a:gradFill rotWithShape="1">
+          <a:gsLst>
+            <a:gs pos="0">
+              <a:schemeClr val="phClr">
+                <a:satMod val="103000"/>
+                <a:lumMod val="102000"/>
+                <a:tint val="94000"/>
+              </a:schemeClr>
+            </a:gs>
+            <a:gs pos="50000">
+              <a:schemeClr val="phClr">
+                <a:satMod val="110000"/>
+                <a:lumMod val="100000"/>
+                <a:shade val="100000"/>
+              </a:schemeClr>
+            </a:gs>
+            <a:gs pos="100000">
+              <a:schemeClr val="phClr">
+                <a:lumMod val="99000"/>
+                <a:satMod val="120000"/>
+                <a:shade val="78000"/>
+              </a:schemeClr>
+            </a:gs>
+          </a:gsLst>
+          <a:lin ang="5400000" scaled="0"/>
+        </a:gradFill>
+      </a:fillStyleLst>
+      <a:lnStyleLst>
+        <a:ln w="6350" cap="flat" cmpd="sng" algn="ctr">
+          <a:solidFill>
+            <a:schemeClr val="phClr"/>
+          </a:solidFill>
+          <a:prstDash val="solid"/>
+          <a:miter lim="800000"/>
+        </a:ln>
+        <a:ln w="12700" cap="flat" cmpd="sng" algn="ctr">
+          <a:solidFill>
+            <a:schemeClr val="phClr"/>
+          </a:solidFill>
+          <a:prstDash val="solid"/>
+          <a:miter lim="800000"/>
+        </a:ln>
+        <a:ln w="19050" cap="flat" cmpd="sng" algn="ctr">
+          <a:solidFill>
+            <a:schemeClr val="phClr"/>
+          </a:solidFill>
+          <a:prstDash val="solid"/>
+          <a:miter lim="800000"/>
+        </a:ln>
+      </a:lnStyleLst>
+      <a:effectStyleLst>
+        <a:effectStyle>
+          <a:effectLst/>
+        </a:effectStyle>
+        <a:effectStyle>
+          <a:effectLst/>
+        </a:effectStyle>
+        <a:effectStyle>
+          <a:effectLst>
+            <a:outerShdw blurRad="57150" dist="19050" dir="5400000" algn="ctr" rotWithShape="0">
+              <a:srgbClr val="000000">
+                <a:alpha val="63000"/>
+              </a:srgbClr>
+            </a:outerShdw>
+          </a:effectLst>
+        </a:effectStyle>
+      </a:effectStyleLst>
+      <a:bgFillStyleLst>
+        <a:solidFill>
+          <a:schemeClr val="phClr"/>
+        </a:solidFill>
+        <a:solidFill>
+          <a:schemeClr val="phClr">
+            <a:tint val="95000"/>
+            <a:satMod val="170000"/>
+          </a:schemeClr>
+        </a:solidFill>
+        <a:gradFill rotWithShape="1">
+          <a:gsLst>
+            <a:gs pos="0">
+              <a:schemeClr val="phClr">
+                <a:tint val="93000"/>
+                <a:satMod val="150000"/>
+                <a:shade val="98000"/>
+                <a:lumMod val="102000"/>
+              </a:schemeClr>
+            </a:gs>
+            <a:gs pos="50000">
+              <a:schemeClr val="phClr">
+                <a:tint val="98000"/>
+                <a:satMod val="130000"/>
+                <a:shade val="90000"/>
+                <a:lumMod val="103000"/>
+              </a:schemeClr>
+            </a:gs>
+            <a:gs pos="100000">
+              <a:schemeClr val="phClr">
+                <a:shade val="63000"/>
+                <a:satMod val="120000"/>
+              </a:schemeClr>
+            </a:gs>
+          </a:gsLst>
+          <a:lin ang="5400000" scaled="0"/>
+        </a:gradFill>
+      </a:bgFillStyleLst>
+    </a:fmtScheme>
+  </a:themeElements>
+  <a:objectDefaults/>
+  <a:extraClrSchemeLst/>
+  <a:extLst>
+    <a:ext uri="{05A4C25C-085E-4340-85A3-A5531E510DB2}">
+      <thm15:themeFamily xmlns:thm15="http://schemas.microsoft.com/office/thememl/2012/main" name="Office Theme" id="{62F939B6-93AF-4DB8-9C6B-D6C7DFDC589F}" vid="{4A3C46E8-61CC-4603-A589-7422A47A8E4A}"/>
+    </a:ext>
+  </a:extLst>
+</a:theme>
 </file>
--- a/src/SE_ELAN/Stimuli/Instructions.pptx
+++ b/src/SE_ELAN/Stimuli/Instructions.pptx
@@ -14153,7 +14153,7 @@
               <a:t>, nous </a:t>
             </a:r>
             <a:r>
-              <a:rPr lang="en-GB" sz="2400"/>
+              <a:rPr lang="en-GB" sz="2400" dirty="0" err="1"/>
               <a:t>voulons</a:t>
             </a:r>
             <a:r>

--- a/src/SE_ELAN/Stimuli/Instructions.pptx
+++ b/src/SE_ELAN/Stimuli/Instructions.pptx
@@ -230,7 +230,7 @@
           <a:p>
             <a:fld id="{457B588A-FAB3-4C3F-A999-7E77BA0B8118}" type="datetimeFigureOut">
               <a:rPr lang="en-GB" smtClean="0"/>
-              <a:t>20/10/2021</a:t>
+              <a:t>21/10/2021</a:t>
             </a:fld>
             <a:endParaRPr lang="en-GB"/>
           </a:p>
@@ -296,7 +296,7 @@
           <a:p>
             <a:fld id="{756993CC-A683-496E-881E-006544134775}" type="slidenum">
               <a:rPr lang="en-GB" smtClean="0"/>
-              <a:t>‹N°›</a:t>
+              <a:t>‹#›</a:t>
             </a:fld>
             <a:endParaRPr lang="en-GB"/>
           </a:p>
@@ -444,7 +444,7 @@
           <a:p>
             <a:fld id="{1C2A38D2-D57A-4E64-B95F-0826012D069A}" type="datetimeFigureOut">
               <a:rPr lang="en-GB" smtClean="0"/>
-              <a:t>20/10/2021</a:t>
+              <a:t>21/10/2021</a:t>
             </a:fld>
             <a:endParaRPr lang="en-GB" dirty="0"/>
           </a:p>
@@ -486,7 +486,7 @@
           <a:p>
             <a:fld id="{9D7F7A4F-C86B-4E97-8396-79EF10BBD040}" type="slidenum">
               <a:rPr lang="en-GB" smtClean="0"/>
-              <a:t>‹N°›</a:t>
+              <a:t>‹#›</a:t>
             </a:fld>
             <a:endParaRPr lang="en-GB" dirty="0"/>
           </a:p>
@@ -614,7 +614,7 @@
           <a:p>
             <a:fld id="{1C2A38D2-D57A-4E64-B95F-0826012D069A}" type="datetimeFigureOut">
               <a:rPr lang="en-GB" smtClean="0"/>
-              <a:t>20/10/2021</a:t>
+              <a:t>21/10/2021</a:t>
             </a:fld>
             <a:endParaRPr lang="en-GB" dirty="0"/>
           </a:p>
@@ -656,7 +656,7 @@
           <a:p>
             <a:fld id="{9D7F7A4F-C86B-4E97-8396-79EF10BBD040}" type="slidenum">
               <a:rPr lang="en-GB" smtClean="0"/>
-              <a:t>‹N°›</a:t>
+              <a:t>‹#›</a:t>
             </a:fld>
             <a:endParaRPr lang="en-GB" dirty="0"/>
           </a:p>
@@ -794,7 +794,7 @@
           <a:p>
             <a:fld id="{1C2A38D2-D57A-4E64-B95F-0826012D069A}" type="datetimeFigureOut">
               <a:rPr lang="en-GB" smtClean="0"/>
-              <a:t>20/10/2021</a:t>
+              <a:t>21/10/2021</a:t>
             </a:fld>
             <a:endParaRPr lang="en-GB" dirty="0"/>
           </a:p>
@@ -836,7 +836,7 @@
           <a:p>
             <a:fld id="{9D7F7A4F-C86B-4E97-8396-79EF10BBD040}" type="slidenum">
               <a:rPr lang="en-GB" smtClean="0"/>
-              <a:t>‹N°›</a:t>
+              <a:t>‹#›</a:t>
             </a:fld>
             <a:endParaRPr lang="en-GB" dirty="0"/>
           </a:p>
@@ -964,7 +964,7 @@
           <a:p>
             <a:fld id="{1C2A38D2-D57A-4E64-B95F-0826012D069A}" type="datetimeFigureOut">
               <a:rPr lang="en-GB" smtClean="0"/>
-              <a:t>20/10/2021</a:t>
+              <a:t>21/10/2021</a:t>
             </a:fld>
             <a:endParaRPr lang="en-GB" dirty="0"/>
           </a:p>
@@ -1006,7 +1006,7 @@
           <a:p>
             <a:fld id="{9D7F7A4F-C86B-4E97-8396-79EF10BBD040}" type="slidenum">
               <a:rPr lang="en-GB" smtClean="0"/>
-              <a:t>‹N°›</a:t>
+              <a:t>‹#›</a:t>
             </a:fld>
             <a:endParaRPr lang="en-GB" dirty="0"/>
           </a:p>
@@ -1210,7 +1210,7 @@
           <a:p>
             <a:fld id="{1C2A38D2-D57A-4E64-B95F-0826012D069A}" type="datetimeFigureOut">
               <a:rPr lang="en-GB" smtClean="0"/>
-              <a:t>20/10/2021</a:t>
+              <a:t>21/10/2021</a:t>
             </a:fld>
             <a:endParaRPr lang="en-GB" dirty="0"/>
           </a:p>
@@ -1252,7 +1252,7 @@
           <a:p>
             <a:fld id="{9D7F7A4F-C86B-4E97-8396-79EF10BBD040}" type="slidenum">
               <a:rPr lang="en-GB" smtClean="0"/>
-              <a:t>‹N°›</a:t>
+              <a:t>‹#›</a:t>
             </a:fld>
             <a:endParaRPr lang="en-GB" dirty="0"/>
           </a:p>
@@ -1442,7 +1442,7 @@
           <a:p>
             <a:fld id="{1C2A38D2-D57A-4E64-B95F-0826012D069A}" type="datetimeFigureOut">
               <a:rPr lang="en-GB" smtClean="0"/>
-              <a:t>20/10/2021</a:t>
+              <a:t>21/10/2021</a:t>
             </a:fld>
             <a:endParaRPr lang="en-GB" dirty="0"/>
           </a:p>
@@ -1484,7 +1484,7 @@
           <a:p>
             <a:fld id="{9D7F7A4F-C86B-4E97-8396-79EF10BBD040}" type="slidenum">
               <a:rPr lang="en-GB" smtClean="0"/>
-              <a:t>‹N°›</a:t>
+              <a:t>‹#›</a:t>
             </a:fld>
             <a:endParaRPr lang="en-GB" dirty="0"/>
           </a:p>
@@ -1809,7 +1809,7 @@
           <a:p>
             <a:fld id="{1C2A38D2-D57A-4E64-B95F-0826012D069A}" type="datetimeFigureOut">
               <a:rPr lang="en-GB" smtClean="0"/>
-              <a:t>20/10/2021</a:t>
+              <a:t>21/10/2021</a:t>
             </a:fld>
             <a:endParaRPr lang="en-GB" dirty="0"/>
           </a:p>
@@ -1851,7 +1851,7 @@
           <a:p>
             <a:fld id="{9D7F7A4F-C86B-4E97-8396-79EF10BBD040}" type="slidenum">
               <a:rPr lang="en-GB" smtClean="0"/>
-              <a:t>‹N°›</a:t>
+              <a:t>‹#›</a:t>
             </a:fld>
             <a:endParaRPr lang="en-GB" dirty="0"/>
           </a:p>
@@ -1927,7 +1927,7 @@
           <a:p>
             <a:fld id="{1C2A38D2-D57A-4E64-B95F-0826012D069A}" type="datetimeFigureOut">
               <a:rPr lang="en-GB" smtClean="0"/>
-              <a:t>20/10/2021</a:t>
+              <a:t>21/10/2021</a:t>
             </a:fld>
             <a:endParaRPr lang="en-GB" dirty="0"/>
           </a:p>
@@ -1969,7 +1969,7 @@
           <a:p>
             <a:fld id="{9D7F7A4F-C86B-4E97-8396-79EF10BBD040}" type="slidenum">
               <a:rPr lang="en-GB" smtClean="0"/>
-              <a:t>‹N°›</a:t>
+              <a:t>‹#›</a:t>
             </a:fld>
             <a:endParaRPr lang="en-GB" dirty="0"/>
           </a:p>
@@ -2022,7 +2022,7 @@
           <a:p>
             <a:fld id="{1C2A38D2-D57A-4E64-B95F-0826012D069A}" type="datetimeFigureOut">
               <a:rPr lang="en-GB" smtClean="0"/>
-              <a:t>20/10/2021</a:t>
+              <a:t>21/10/2021</a:t>
             </a:fld>
             <a:endParaRPr lang="en-GB" dirty="0"/>
           </a:p>
@@ -2064,7 +2064,7 @@
           <a:p>
             <a:fld id="{9D7F7A4F-C86B-4E97-8396-79EF10BBD040}" type="slidenum">
               <a:rPr lang="en-GB" smtClean="0"/>
-              <a:t>‹N°›</a:t>
+              <a:t>‹#›</a:t>
             </a:fld>
             <a:endParaRPr lang="en-GB" dirty="0"/>
           </a:p>
@@ -2299,7 +2299,7 @@
           <a:p>
             <a:fld id="{1C2A38D2-D57A-4E64-B95F-0826012D069A}" type="datetimeFigureOut">
               <a:rPr lang="en-GB" smtClean="0"/>
-              <a:t>20/10/2021</a:t>
+              <a:t>21/10/2021</a:t>
             </a:fld>
             <a:endParaRPr lang="en-GB" dirty="0"/>
           </a:p>
@@ -2341,7 +2341,7 @@
           <a:p>
             <a:fld id="{9D7F7A4F-C86B-4E97-8396-79EF10BBD040}" type="slidenum">
               <a:rPr lang="en-GB" smtClean="0"/>
-              <a:t>‹N°›</a:t>
+              <a:t>‹#›</a:t>
             </a:fld>
             <a:endParaRPr lang="en-GB" dirty="0"/>
           </a:p>
@@ -2552,7 +2552,7 @@
           <a:p>
             <a:fld id="{1C2A38D2-D57A-4E64-B95F-0826012D069A}" type="datetimeFigureOut">
               <a:rPr lang="en-GB" smtClean="0"/>
-              <a:t>20/10/2021</a:t>
+              <a:t>21/10/2021</a:t>
             </a:fld>
             <a:endParaRPr lang="en-GB" dirty="0"/>
           </a:p>
@@ -2594,7 +2594,7 @@
           <a:p>
             <a:fld id="{9D7F7A4F-C86B-4E97-8396-79EF10BBD040}" type="slidenum">
               <a:rPr lang="en-GB" smtClean="0"/>
-              <a:t>‹N°›</a:t>
+              <a:t>‹#›</a:t>
             </a:fld>
             <a:endParaRPr lang="en-GB" dirty="0"/>
           </a:p>
@@ -2765,7 +2765,7 @@
           <a:p>
             <a:fld id="{1C2A38D2-D57A-4E64-B95F-0826012D069A}" type="datetimeFigureOut">
               <a:rPr lang="en-GB" smtClean="0"/>
-              <a:t>20/10/2021</a:t>
+              <a:t>21/10/2021</a:t>
             </a:fld>
             <a:endParaRPr lang="en-GB" dirty="0"/>
           </a:p>
@@ -2843,7 +2843,7 @@
           <a:p>
             <a:fld id="{9D7F7A4F-C86B-4E97-8396-79EF10BBD040}" type="slidenum">
               <a:rPr lang="en-GB" smtClean="0"/>
-              <a:t>‹N°›</a:t>
+              <a:t>‹#›</a:t>
             </a:fld>
             <a:endParaRPr lang="en-GB" dirty="0"/>
           </a:p>
@@ -4768,7 +4768,7 @@
             <a:p>
               <a:pPr algn="ctr"/>
               <a:r>
-                <a:rPr lang="en-GB" sz="2800" dirty="0" smtClean="0">
+                <a:rPr lang="en-GB" sz="2800" dirty="0">
                   <a:solidFill>
                     <a:schemeClr val="tx1"/>
                   </a:solidFill>
@@ -5366,7 +5366,7 @@
             <a:lstStyle/>
             <a:p>
               <a:r>
-                <a:rPr lang="en-GB" sz="2800" dirty="0" smtClean="0"/>
+                <a:rPr lang="en-GB" sz="2800" dirty="0"/>
                 <a:t>2</a:t>
               </a:r>
               <a:endParaRPr lang="en-GB" dirty="0"/>
@@ -5396,7 +5396,7 @@
             <a:lstStyle/>
             <a:p>
               <a:r>
-                <a:rPr lang="en-GB" sz="2800" dirty="0" smtClean="0"/>
+                <a:rPr lang="en-GB" sz="2800" dirty="0"/>
                 <a:t>2</a:t>
               </a:r>
               <a:endParaRPr lang="en-GB" dirty="0"/>
@@ -5953,10 +5953,9 @@
           <a:lstStyle/>
           <a:p>
             <a:r>
-              <a:rPr lang="en-GB" sz="2400" dirty="0" smtClean="0"/>
+              <a:rPr lang="en-GB" sz="2400" dirty="0"/>
               <a:t>3</a:t>
             </a:r>
-            <a:endParaRPr lang="en-GB" sz="2400" dirty="0"/>
           </a:p>
         </p:txBody>
       </p:sp>
@@ -5983,10 +5982,9 @@
           <a:lstStyle/>
           <a:p>
             <a:r>
-              <a:rPr lang="en-GB" sz="2400" dirty="0" smtClean="0"/>
+              <a:rPr lang="en-GB" sz="2400" dirty="0"/>
               <a:t>3</a:t>
             </a:r>
-            <a:endParaRPr lang="en-GB" sz="2400" dirty="0"/>
           </a:p>
         </p:txBody>
       </p:sp>
@@ -6568,10 +6566,9 @@
           <a:lstStyle/>
           <a:p>
             <a:r>
-              <a:rPr lang="en-GB" sz="2800" dirty="0" smtClean="0"/>
+              <a:rPr lang="en-GB" sz="2800" dirty="0"/>
               <a:t>4</a:t>
             </a:r>
-            <a:endParaRPr lang="en-GB" sz="2800" dirty="0"/>
           </a:p>
         </p:txBody>
       </p:sp>
@@ -7124,10 +7121,9 @@
           <a:lstStyle/>
           <a:p>
             <a:r>
-              <a:rPr lang="en-GB" sz="2800" dirty="0" smtClean="0"/>
+              <a:rPr lang="en-GB" sz="2800" dirty="0"/>
               <a:t>5</a:t>
             </a:r>
-            <a:endParaRPr lang="en-GB" sz="2800" dirty="0"/>
           </a:p>
         </p:txBody>
       </p:sp>
@@ -7154,10 +7150,9 @@
           <a:lstStyle/>
           <a:p>
             <a:r>
-              <a:rPr lang="en-GB" sz="2800" dirty="0" smtClean="0"/>
+              <a:rPr lang="en-GB" sz="2800" dirty="0"/>
               <a:t>5</a:t>
             </a:r>
-            <a:endParaRPr lang="en-GB" sz="2800" dirty="0"/>
           </a:p>
         </p:txBody>
       </p:sp>
@@ -7710,10 +7705,9 @@
           <a:lstStyle/>
           <a:p>
             <a:r>
-              <a:rPr lang="en-GB" sz="2800" dirty="0" smtClean="0"/>
+              <a:rPr lang="en-GB" sz="2800" dirty="0"/>
               <a:t>6</a:t>
             </a:r>
-            <a:endParaRPr lang="en-GB" sz="2800" dirty="0"/>
           </a:p>
         </p:txBody>
       </p:sp>
@@ -7740,7 +7734,7 @@
           <a:lstStyle/>
           <a:p>
             <a:r>
-              <a:rPr lang="en-GB" sz="2800" dirty="0" smtClean="0"/>
+              <a:rPr lang="en-GB" sz="2800" dirty="0"/>
               <a:t>6</a:t>
             </a:r>
             <a:endParaRPr lang="en-GB" dirty="0"/>
@@ -7785,8 +7779,8 @@
         </p:nvSpPr>
         <p:spPr>
           <a:xfrm>
-            <a:off x="1874196" y="1536174"/>
-            <a:ext cx="8443609" cy="3785652"/>
+            <a:off x="1874196" y="1720840"/>
+            <a:ext cx="8443609" cy="3416320"/>
           </a:xfrm>
           <a:prstGeom prst="rect">
             <a:avLst/>
@@ -7843,10 +7837,6 @@
               <a:rPr lang="fr-FR" sz="2400" dirty="0"/>
               <a:t>En résumé, vous allez effectuer une série d’exercices de mémoire. Ces exercices seront plus ou moins difficiles. Pour chacun d’entre eux, nous vous demanderons d’auto-évaluer votre performance.</a:t>
             </a:r>
-          </a:p>
-          <a:p>
-            <a:pPr algn="ctr"/>
-            <a:endParaRPr lang="en-GB" sz="2400" dirty="0"/>
           </a:p>
         </p:txBody>
       </p:sp>
@@ -8399,7 +8389,7 @@
           <a:lstStyle/>
           <a:p>
             <a:r>
-              <a:rPr lang="en-GB" sz="2800" dirty="0" smtClean="0"/>
+              <a:rPr lang="en-GB" sz="2800" dirty="0"/>
               <a:t>7</a:t>
             </a:r>
             <a:endParaRPr lang="en-GB" dirty="0"/>
@@ -8429,7 +8419,7 @@
           <a:lstStyle/>
           <a:p>
             <a:r>
-              <a:rPr lang="en-GB" sz="2800" dirty="0" smtClean="0"/>
+              <a:rPr lang="en-GB" sz="2800" dirty="0"/>
               <a:t>7</a:t>
             </a:r>
             <a:endParaRPr lang="en-GB" dirty="0"/>
@@ -8985,7 +8975,7 @@
           <a:lstStyle/>
           <a:p>
             <a:r>
-              <a:rPr lang="en-GB" sz="2800" dirty="0" smtClean="0"/>
+              <a:rPr lang="en-GB" sz="2800" dirty="0"/>
               <a:t>8</a:t>
             </a:r>
             <a:endParaRPr lang="en-GB" dirty="0"/>
@@ -9015,7 +9005,7 @@
           <a:lstStyle/>
           <a:p>
             <a:r>
-              <a:rPr lang="en-GB" sz="2800" dirty="0" smtClean="0"/>
+              <a:rPr lang="en-GB" sz="2800" dirty="0"/>
               <a:t>8</a:t>
             </a:r>
             <a:endParaRPr lang="en-GB" dirty="0"/>
@@ -10141,7 +10131,7 @@
               <a:p>
                 <a:pPr algn="ctr"/>
                 <a:r>
-                  <a:rPr lang="en-GB" sz="2800" dirty="0" smtClean="0">
+                  <a:rPr lang="en-GB" sz="2800" dirty="0">
                     <a:solidFill>
                       <a:schemeClr val="tx1"/>
                     </a:solidFill>
@@ -11477,7 +11467,7 @@
           <a:lstStyle/>
           <a:p>
             <a:r>
-              <a:rPr lang="en-GB" sz="2800" dirty="0" smtClean="0"/>
+              <a:rPr lang="en-GB" sz="2800" dirty="0"/>
               <a:t>1</a:t>
             </a:r>
             <a:endParaRPr lang="en-GB" dirty="0"/>
@@ -11555,7 +11545,7 @@
           <a:lstStyle/>
           <a:p>
             <a:r>
-              <a:rPr lang="en-GB" sz="2800" dirty="0" smtClean="0"/>
+              <a:rPr lang="en-GB" sz="2800" dirty="0"/>
               <a:t>1</a:t>
             </a:r>
             <a:endParaRPr lang="en-GB" dirty="0"/>
@@ -11928,7 +11918,7 @@
           <a:lstStyle/>
           <a:p>
             <a:r>
-              <a:rPr lang="en-GB" sz="2800" dirty="0" smtClean="0"/>
+              <a:rPr lang="en-GB" sz="2800" dirty="0"/>
               <a:t>1</a:t>
             </a:r>
             <a:endParaRPr lang="en-GB" dirty="0"/>
@@ -12006,7 +11996,7 @@
           <a:lstStyle/>
           <a:p>
             <a:r>
-              <a:rPr lang="en-GB" sz="2800" dirty="0" smtClean="0"/>
+              <a:rPr lang="en-GB" sz="2800" dirty="0"/>
               <a:t>1</a:t>
             </a:r>
             <a:endParaRPr lang="en-GB" dirty="0"/>
@@ -12420,7 +12410,7 @@
             <a:p>
               <a:pPr algn="ctr"/>
               <a:r>
-                <a:rPr lang="en-GB" sz="2800" dirty="0" smtClean="0">
+                <a:rPr lang="en-GB" sz="2800" dirty="0">
                   <a:solidFill>
                     <a:schemeClr val="tx1"/>
                   </a:solidFill>
@@ -12910,10 +12900,9 @@
           <a:lstStyle/>
           <a:p>
             <a:r>
-              <a:rPr lang="en-GB" sz="2800" dirty="0" smtClean="0"/>
+              <a:rPr lang="en-GB" sz="2800" dirty="0"/>
               <a:t>8</a:t>
             </a:r>
-            <a:endParaRPr lang="en-GB" sz="2800" dirty="0"/>
           </a:p>
         </p:txBody>
       </p:sp>
@@ -12940,10 +12929,9 @@
           <a:lstStyle/>
           <a:p>
             <a:r>
-              <a:rPr lang="en-GB" sz="2800" dirty="0" smtClean="0"/>
+              <a:rPr lang="en-GB" sz="2800" dirty="0"/>
               <a:t>8</a:t>
             </a:r>
-            <a:endParaRPr lang="en-GB" sz="2800" dirty="0"/>
           </a:p>
         </p:txBody>
       </p:sp>
@@ -14189,7 +14177,7 @@
             </a:pPr>
             <a:r>
               <a:rPr lang="fr-FR" sz="2400" dirty="0"/>
-              <a:t>Nous vous montrerons la grille une fois et puis vous demanderons d’imaginer combien d’effort cela vous demanderait pour atteindre différents scores.</a:t>
+              <a:t>Nous vous montrerons la grille une fois et puis nous vous demanderons d’imaginer combien d’effort cela vous demanderait pour atteindre différents scores.</a:t>
             </a:r>
           </a:p>
           <a:p>

--- a/src/SE_ELAN/Stimuli/Instructions.pptx
+++ b/src/SE_ELAN/Stimuli/Instructions.pptx
@@ -230,7 +230,7 @@
           <a:p>
             <a:fld id="{457B588A-FAB3-4C3F-A999-7E77BA0B8118}" type="datetimeFigureOut">
               <a:rPr lang="en-GB" smtClean="0"/>
-              <a:t>20/10/2021</a:t>
+              <a:t>08/11/2021</a:t>
             </a:fld>
             <a:endParaRPr lang="en-GB"/>
           </a:p>
@@ -444,7 +444,7 @@
           <a:p>
             <a:fld id="{1C2A38D2-D57A-4E64-B95F-0826012D069A}" type="datetimeFigureOut">
               <a:rPr lang="en-GB" smtClean="0"/>
-              <a:t>20/10/2021</a:t>
+              <a:t>08/11/2021</a:t>
             </a:fld>
             <a:endParaRPr lang="en-GB" dirty="0"/>
           </a:p>
@@ -614,7 +614,7 @@
           <a:p>
             <a:fld id="{1C2A38D2-D57A-4E64-B95F-0826012D069A}" type="datetimeFigureOut">
               <a:rPr lang="en-GB" smtClean="0"/>
-              <a:t>20/10/2021</a:t>
+              <a:t>08/11/2021</a:t>
             </a:fld>
             <a:endParaRPr lang="en-GB" dirty="0"/>
           </a:p>
@@ -794,7 +794,7 @@
           <a:p>
             <a:fld id="{1C2A38D2-D57A-4E64-B95F-0826012D069A}" type="datetimeFigureOut">
               <a:rPr lang="en-GB" smtClean="0"/>
-              <a:t>20/10/2021</a:t>
+              <a:t>08/11/2021</a:t>
             </a:fld>
             <a:endParaRPr lang="en-GB" dirty="0"/>
           </a:p>
@@ -964,7 +964,7 @@
           <a:p>
             <a:fld id="{1C2A38D2-D57A-4E64-B95F-0826012D069A}" type="datetimeFigureOut">
               <a:rPr lang="en-GB" smtClean="0"/>
-              <a:t>20/10/2021</a:t>
+              <a:t>08/11/2021</a:t>
             </a:fld>
             <a:endParaRPr lang="en-GB" dirty="0"/>
           </a:p>
@@ -1210,7 +1210,7 @@
           <a:p>
             <a:fld id="{1C2A38D2-D57A-4E64-B95F-0826012D069A}" type="datetimeFigureOut">
               <a:rPr lang="en-GB" smtClean="0"/>
-              <a:t>20/10/2021</a:t>
+              <a:t>08/11/2021</a:t>
             </a:fld>
             <a:endParaRPr lang="en-GB" dirty="0"/>
           </a:p>
@@ -1442,7 +1442,7 @@
           <a:p>
             <a:fld id="{1C2A38D2-D57A-4E64-B95F-0826012D069A}" type="datetimeFigureOut">
               <a:rPr lang="en-GB" smtClean="0"/>
-              <a:t>20/10/2021</a:t>
+              <a:t>08/11/2021</a:t>
             </a:fld>
             <a:endParaRPr lang="en-GB" dirty="0"/>
           </a:p>
@@ -1809,7 +1809,7 @@
           <a:p>
             <a:fld id="{1C2A38D2-D57A-4E64-B95F-0826012D069A}" type="datetimeFigureOut">
               <a:rPr lang="en-GB" smtClean="0"/>
-              <a:t>20/10/2021</a:t>
+              <a:t>08/11/2021</a:t>
             </a:fld>
             <a:endParaRPr lang="en-GB" dirty="0"/>
           </a:p>
@@ -1927,7 +1927,7 @@
           <a:p>
             <a:fld id="{1C2A38D2-D57A-4E64-B95F-0826012D069A}" type="datetimeFigureOut">
               <a:rPr lang="en-GB" smtClean="0"/>
-              <a:t>20/10/2021</a:t>
+              <a:t>08/11/2021</a:t>
             </a:fld>
             <a:endParaRPr lang="en-GB" dirty="0"/>
           </a:p>
@@ -2022,7 +2022,7 @@
           <a:p>
             <a:fld id="{1C2A38D2-D57A-4E64-B95F-0826012D069A}" type="datetimeFigureOut">
               <a:rPr lang="en-GB" smtClean="0"/>
-              <a:t>20/10/2021</a:t>
+              <a:t>08/11/2021</a:t>
             </a:fld>
             <a:endParaRPr lang="en-GB" dirty="0"/>
           </a:p>
@@ -2299,7 +2299,7 @@
           <a:p>
             <a:fld id="{1C2A38D2-D57A-4E64-B95F-0826012D069A}" type="datetimeFigureOut">
               <a:rPr lang="en-GB" smtClean="0"/>
-              <a:t>20/10/2021</a:t>
+              <a:t>08/11/2021</a:t>
             </a:fld>
             <a:endParaRPr lang="en-GB" dirty="0"/>
           </a:p>
@@ -2552,7 +2552,7 @@
           <a:p>
             <a:fld id="{1C2A38D2-D57A-4E64-B95F-0826012D069A}" type="datetimeFigureOut">
               <a:rPr lang="en-GB" smtClean="0"/>
-              <a:t>20/10/2021</a:t>
+              <a:t>08/11/2021</a:t>
             </a:fld>
             <a:endParaRPr lang="en-GB" dirty="0"/>
           </a:p>
@@ -2765,7 +2765,7 @@
           <a:p>
             <a:fld id="{1C2A38D2-D57A-4E64-B95F-0826012D069A}" type="datetimeFigureOut">
               <a:rPr lang="en-GB" smtClean="0"/>
-              <a:t>20/10/2021</a:t>
+              <a:t>08/11/2021</a:t>
             </a:fld>
             <a:endParaRPr lang="en-GB" dirty="0"/>
           </a:p>
@@ -4768,7 +4768,7 @@
             <a:p>
               <a:pPr algn="ctr"/>
               <a:r>
-                <a:rPr lang="en-GB" sz="2800" dirty="0" smtClean="0">
+                <a:rPr lang="en-GB" sz="2800" dirty="0">
                   <a:solidFill>
                     <a:schemeClr val="tx1"/>
                   </a:solidFill>
@@ -5366,7 +5366,7 @@
             <a:lstStyle/>
             <a:p>
               <a:r>
-                <a:rPr lang="en-GB" sz="2800" dirty="0" smtClean="0"/>
+                <a:rPr lang="en-GB" sz="2800" dirty="0"/>
                 <a:t>2</a:t>
               </a:r>
               <a:endParaRPr lang="en-GB" dirty="0"/>
@@ -5396,7 +5396,7 @@
             <a:lstStyle/>
             <a:p>
               <a:r>
-                <a:rPr lang="en-GB" sz="2800" dirty="0" smtClean="0"/>
+                <a:rPr lang="en-GB" sz="2800" dirty="0"/>
                 <a:t>2</a:t>
               </a:r>
               <a:endParaRPr lang="en-GB" dirty="0"/>
@@ -5953,10 +5953,9 @@
           <a:lstStyle/>
           <a:p>
             <a:r>
-              <a:rPr lang="en-GB" sz="2400" dirty="0" smtClean="0"/>
+              <a:rPr lang="en-GB" sz="2400" dirty="0"/>
               <a:t>3</a:t>
             </a:r>
-            <a:endParaRPr lang="en-GB" sz="2400" dirty="0"/>
           </a:p>
         </p:txBody>
       </p:sp>
@@ -5983,10 +5982,9 @@
           <a:lstStyle/>
           <a:p>
             <a:r>
-              <a:rPr lang="en-GB" sz="2400" dirty="0" smtClean="0"/>
+              <a:rPr lang="en-GB" sz="2400" dirty="0"/>
               <a:t>3</a:t>
             </a:r>
-            <a:endParaRPr lang="en-GB" sz="2400" dirty="0"/>
           </a:p>
         </p:txBody>
       </p:sp>
@@ -6568,10 +6566,9 @@
           <a:lstStyle/>
           <a:p>
             <a:r>
-              <a:rPr lang="en-GB" sz="2800" dirty="0" smtClean="0"/>
+              <a:rPr lang="en-GB" sz="2800" dirty="0"/>
               <a:t>4</a:t>
             </a:r>
-            <a:endParaRPr lang="en-GB" sz="2800" dirty="0"/>
           </a:p>
         </p:txBody>
       </p:sp>
@@ -7124,10 +7121,9 @@
           <a:lstStyle/>
           <a:p>
             <a:r>
-              <a:rPr lang="en-GB" sz="2800" dirty="0" smtClean="0"/>
+              <a:rPr lang="en-GB" sz="2800" dirty="0"/>
               <a:t>5</a:t>
             </a:r>
-            <a:endParaRPr lang="en-GB" sz="2800" dirty="0"/>
           </a:p>
         </p:txBody>
       </p:sp>
@@ -7154,10 +7150,9 @@
           <a:lstStyle/>
           <a:p>
             <a:r>
-              <a:rPr lang="en-GB" sz="2800" dirty="0" smtClean="0"/>
+              <a:rPr lang="en-GB" sz="2800" dirty="0"/>
               <a:t>5</a:t>
             </a:r>
-            <a:endParaRPr lang="en-GB" sz="2800" dirty="0"/>
           </a:p>
         </p:txBody>
       </p:sp>
@@ -7710,10 +7705,9 @@
           <a:lstStyle/>
           <a:p>
             <a:r>
-              <a:rPr lang="en-GB" sz="2800" dirty="0" smtClean="0"/>
+              <a:rPr lang="en-GB" sz="2800" dirty="0"/>
               <a:t>6</a:t>
             </a:r>
-            <a:endParaRPr lang="en-GB" sz="2800" dirty="0"/>
           </a:p>
         </p:txBody>
       </p:sp>
@@ -7740,7 +7734,7 @@
           <a:lstStyle/>
           <a:p>
             <a:r>
-              <a:rPr lang="en-GB" sz="2800" dirty="0" smtClean="0"/>
+              <a:rPr lang="en-GB" sz="2800" dirty="0"/>
               <a:t>6</a:t>
             </a:r>
             <a:endParaRPr lang="en-GB" dirty="0"/>
@@ -7785,8 +7779,8 @@
         </p:nvSpPr>
         <p:spPr>
           <a:xfrm>
-            <a:off x="1874196" y="1536174"/>
-            <a:ext cx="8443609" cy="3785652"/>
+            <a:off x="1874196" y="1720840"/>
+            <a:ext cx="8443609" cy="3416320"/>
           </a:xfrm>
           <a:prstGeom prst="rect">
             <a:avLst/>
@@ -7843,10 +7837,6 @@
               <a:rPr lang="fr-FR" sz="2400" dirty="0"/>
               <a:t>En résumé, vous allez effectuer une série d’exercices de mémoire. Ces exercices seront plus ou moins difficiles. Pour chacun d’entre eux, nous vous demanderons d’auto-évaluer votre performance.</a:t>
             </a:r>
-          </a:p>
-          <a:p>
-            <a:pPr algn="ctr"/>
-            <a:endParaRPr lang="en-GB" sz="2400" dirty="0"/>
           </a:p>
         </p:txBody>
       </p:sp>
@@ -8399,7 +8389,7 @@
           <a:lstStyle/>
           <a:p>
             <a:r>
-              <a:rPr lang="en-GB" sz="2800" dirty="0" smtClean="0"/>
+              <a:rPr lang="en-GB" sz="2800" dirty="0"/>
               <a:t>7</a:t>
             </a:r>
             <a:endParaRPr lang="en-GB" dirty="0"/>
@@ -8429,7 +8419,7 @@
           <a:lstStyle/>
           <a:p>
             <a:r>
-              <a:rPr lang="en-GB" sz="2800" dirty="0" smtClean="0"/>
+              <a:rPr lang="en-GB" sz="2800" dirty="0"/>
               <a:t>7</a:t>
             </a:r>
             <a:endParaRPr lang="en-GB" dirty="0"/>
@@ -8985,7 +8975,7 @@
           <a:lstStyle/>
           <a:p>
             <a:r>
-              <a:rPr lang="en-GB" sz="2800" dirty="0" smtClean="0"/>
+              <a:rPr lang="en-GB" sz="2800" dirty="0"/>
               <a:t>8</a:t>
             </a:r>
             <a:endParaRPr lang="en-GB" dirty="0"/>
@@ -9015,7 +9005,7 @@
           <a:lstStyle/>
           <a:p>
             <a:r>
-              <a:rPr lang="en-GB" sz="2800" dirty="0" smtClean="0"/>
+              <a:rPr lang="en-GB" sz="2800" dirty="0"/>
               <a:t>8</a:t>
             </a:r>
             <a:endParaRPr lang="en-GB" dirty="0"/>
@@ -10141,7 +10131,7 @@
               <a:p>
                 <a:pPr algn="ctr"/>
                 <a:r>
-                  <a:rPr lang="en-GB" sz="2800" dirty="0" smtClean="0">
+                  <a:rPr lang="en-GB" sz="2800" dirty="0">
                     <a:solidFill>
                       <a:schemeClr val="tx1"/>
                     </a:solidFill>
@@ -11477,7 +11467,7 @@
           <a:lstStyle/>
           <a:p>
             <a:r>
-              <a:rPr lang="en-GB" sz="2800" dirty="0" smtClean="0"/>
+              <a:rPr lang="en-GB" sz="2800" dirty="0"/>
               <a:t>1</a:t>
             </a:r>
             <a:endParaRPr lang="en-GB" dirty="0"/>
@@ -11555,7 +11545,7 @@
           <a:lstStyle/>
           <a:p>
             <a:r>
-              <a:rPr lang="en-GB" sz="2800" dirty="0" smtClean="0"/>
+              <a:rPr lang="en-GB" sz="2800" dirty="0"/>
               <a:t>1</a:t>
             </a:r>
             <a:endParaRPr lang="en-GB" dirty="0"/>
@@ -11928,7 +11918,7 @@
           <a:lstStyle/>
           <a:p>
             <a:r>
-              <a:rPr lang="en-GB" sz="2800" dirty="0" smtClean="0"/>
+              <a:rPr lang="en-GB" sz="2800" dirty="0"/>
               <a:t>1</a:t>
             </a:r>
             <a:endParaRPr lang="en-GB" dirty="0"/>
@@ -12006,7 +11996,7 @@
           <a:lstStyle/>
           <a:p>
             <a:r>
-              <a:rPr lang="en-GB" sz="2800" dirty="0" smtClean="0"/>
+              <a:rPr lang="en-GB" sz="2800" dirty="0"/>
               <a:t>1</a:t>
             </a:r>
             <a:endParaRPr lang="en-GB" dirty="0"/>
@@ -12420,7 +12410,7 @@
             <a:p>
               <a:pPr algn="ctr"/>
               <a:r>
-                <a:rPr lang="en-GB" sz="2800" dirty="0" smtClean="0">
+                <a:rPr lang="en-GB" sz="2800" dirty="0">
                   <a:solidFill>
                     <a:schemeClr val="tx1"/>
                   </a:solidFill>
@@ -12910,10 +12900,9 @@
           <a:lstStyle/>
           <a:p>
             <a:r>
-              <a:rPr lang="en-GB" sz="2800" dirty="0" smtClean="0"/>
+              <a:rPr lang="en-GB" sz="2800" dirty="0"/>
               <a:t>8</a:t>
             </a:r>
-            <a:endParaRPr lang="en-GB" sz="2800" dirty="0"/>
           </a:p>
         </p:txBody>
       </p:sp>
@@ -12940,10 +12929,9 @@
           <a:lstStyle/>
           <a:p>
             <a:r>
-              <a:rPr lang="en-GB" sz="2800" dirty="0" smtClean="0"/>
+              <a:rPr lang="en-GB" sz="2800" dirty="0"/>
               <a:t>8</a:t>
             </a:r>
-            <a:endParaRPr lang="en-GB" sz="2800" dirty="0"/>
           </a:p>
         </p:txBody>
       </p:sp>
@@ -14189,7 +14177,7 @@
             </a:pPr>
             <a:r>
               <a:rPr lang="fr-FR" sz="2400" dirty="0"/>
-              <a:t>Nous vous montrerons la grille une fois et puis vous demanderons d’imaginer combien d’effort cela vous demanderait pour atteindre différents scores.</a:t>
+              <a:t>Nous vous montrerons la grille une fois et puis nous vous demanderons d’imaginer combien d’effort cela vous demanderait pour atteindre différents scores.</a:t>
             </a:r>
           </a:p>
           <a:p>
